--- a/csverse/hex/hex.pptx
+++ b/csverse/hex/hex.pptx
@@ -7,19 +7,20 @@
   <p:sldIdLst>
     <p:sldId id="257" r:id="rId5"/>
     <p:sldId id="259" r:id="rId6"/>
-    <p:sldId id="270" r:id="rId7"/>
-    <p:sldId id="260" r:id="rId8"/>
-    <p:sldId id="266" r:id="rId9"/>
-    <p:sldId id="261" r:id="rId10"/>
-    <p:sldId id="273" r:id="rId11"/>
-    <p:sldId id="275" r:id="rId12"/>
-    <p:sldId id="262" r:id="rId13"/>
-    <p:sldId id="263" r:id="rId14"/>
-    <p:sldId id="264" r:id="rId15"/>
-    <p:sldId id="265" r:id="rId16"/>
-    <p:sldId id="276" r:id="rId17"/>
-    <p:sldId id="274" r:id="rId18"/>
-    <p:sldId id="268" r:id="rId19"/>
+    <p:sldId id="277" r:id="rId7"/>
+    <p:sldId id="270" r:id="rId8"/>
+    <p:sldId id="260" r:id="rId9"/>
+    <p:sldId id="266" r:id="rId10"/>
+    <p:sldId id="261" r:id="rId11"/>
+    <p:sldId id="273" r:id="rId12"/>
+    <p:sldId id="275" r:id="rId13"/>
+    <p:sldId id="262" r:id="rId14"/>
+    <p:sldId id="263" r:id="rId15"/>
+    <p:sldId id="264" r:id="rId16"/>
+    <p:sldId id="265" r:id="rId17"/>
+    <p:sldId id="276" r:id="rId18"/>
+    <p:sldId id="274" r:id="rId19"/>
+    <p:sldId id="268" r:id="rId20"/>
   </p:sldIdLst>
   <p:sldSz cx="3779838" cy="4319588"/>
   <p:notesSz cx="6858000" cy="9144000"/>
@@ -1712,7 +1713,7 @@
           <a:p>
             <a:fld id="{86121B6E-91AB-E243-B1AF-59665646A34F}" type="datetimeFigureOut">
               <a:rPr lang="en-NO" smtClean="0"/>
-              <a:t>08/11/2022</a:t>
+              <a:t>17/11/2022</a:t>
             </a:fld>
             <a:endParaRPr lang="en-NO"/>
           </a:p>
@@ -1882,7 +1883,7 @@
           <a:p>
             <a:fld id="{86121B6E-91AB-E243-B1AF-59665646A34F}" type="datetimeFigureOut">
               <a:rPr lang="en-NO" smtClean="0"/>
-              <a:t>08/11/2022</a:t>
+              <a:t>17/11/2022</a:t>
             </a:fld>
             <a:endParaRPr lang="en-NO"/>
           </a:p>
@@ -2062,7 +2063,7 @@
           <a:p>
             <a:fld id="{86121B6E-91AB-E243-B1AF-59665646A34F}" type="datetimeFigureOut">
               <a:rPr lang="en-NO" smtClean="0"/>
-              <a:t>08/11/2022</a:t>
+              <a:t>17/11/2022</a:t>
             </a:fld>
             <a:endParaRPr lang="en-NO"/>
           </a:p>
@@ -2232,7 +2233,7 @@
           <a:p>
             <a:fld id="{86121B6E-91AB-E243-B1AF-59665646A34F}" type="datetimeFigureOut">
               <a:rPr lang="en-NO" smtClean="0"/>
-              <a:t>08/11/2022</a:t>
+              <a:t>17/11/2022</a:t>
             </a:fld>
             <a:endParaRPr lang="en-NO"/>
           </a:p>
@@ -2476,7 +2477,7 @@
           <a:p>
             <a:fld id="{86121B6E-91AB-E243-B1AF-59665646A34F}" type="datetimeFigureOut">
               <a:rPr lang="en-NO" smtClean="0"/>
-              <a:t>08/11/2022</a:t>
+              <a:t>17/11/2022</a:t>
             </a:fld>
             <a:endParaRPr lang="en-NO"/>
           </a:p>
@@ -2708,7 +2709,7 @@
           <a:p>
             <a:fld id="{86121B6E-91AB-E243-B1AF-59665646A34F}" type="datetimeFigureOut">
               <a:rPr lang="en-NO" smtClean="0"/>
-              <a:t>08/11/2022</a:t>
+              <a:t>17/11/2022</a:t>
             </a:fld>
             <a:endParaRPr lang="en-NO"/>
           </a:p>
@@ -3075,7 +3076,7 @@
           <a:p>
             <a:fld id="{86121B6E-91AB-E243-B1AF-59665646A34F}" type="datetimeFigureOut">
               <a:rPr lang="en-NO" smtClean="0"/>
-              <a:t>08/11/2022</a:t>
+              <a:t>17/11/2022</a:t>
             </a:fld>
             <a:endParaRPr lang="en-NO"/>
           </a:p>
@@ -3193,7 +3194,7 @@
           <a:p>
             <a:fld id="{86121B6E-91AB-E243-B1AF-59665646A34F}" type="datetimeFigureOut">
               <a:rPr lang="en-NO" smtClean="0"/>
-              <a:t>08/11/2022</a:t>
+              <a:t>17/11/2022</a:t>
             </a:fld>
             <a:endParaRPr lang="en-NO"/>
           </a:p>
@@ -3288,7 +3289,7 @@
           <a:p>
             <a:fld id="{86121B6E-91AB-E243-B1AF-59665646A34F}" type="datetimeFigureOut">
               <a:rPr lang="en-NO" smtClean="0"/>
-              <a:t>08/11/2022</a:t>
+              <a:t>17/11/2022</a:t>
             </a:fld>
             <a:endParaRPr lang="en-NO"/>
           </a:p>
@@ -3565,7 +3566,7 @@
           <a:p>
             <a:fld id="{86121B6E-91AB-E243-B1AF-59665646A34F}" type="datetimeFigureOut">
               <a:rPr lang="en-NO" smtClean="0"/>
-              <a:t>08/11/2022</a:t>
+              <a:t>17/11/2022</a:t>
             </a:fld>
             <a:endParaRPr lang="en-NO"/>
           </a:p>
@@ -3822,7 +3823,7 @@
           <a:p>
             <a:fld id="{86121B6E-91AB-E243-B1AF-59665646A34F}" type="datetimeFigureOut">
               <a:rPr lang="en-NO" smtClean="0"/>
-              <a:t>08/11/2022</a:t>
+              <a:t>17/11/2022</a:t>
             </a:fld>
             <a:endParaRPr lang="en-NO"/>
           </a:p>
@@ -4035,7 +4036,7 @@
           <a:p>
             <a:fld id="{86121B6E-91AB-E243-B1AF-59665646A34F}" type="datetimeFigureOut">
               <a:rPr lang="en-NO" smtClean="0"/>
-              <a:t>08/11/2022</a:t>
+              <a:t>17/11/2022</a:t>
             </a:fld>
             <a:endParaRPr lang="en-NO"/>
           </a:p>
@@ -4565,6 +4566,170 @@
           </a:p>
         </p:txBody>
       </p:sp>
+      <p:pic>
+        <p:nvPicPr>
+          <p:cNvPr id="6" name="Graphic 5">
+            <a:extLst>
+              <a:ext uri="{FF2B5EF4-FFF2-40B4-BE49-F238E27FC236}">
+                <a16:creationId xmlns:a16="http://schemas.microsoft.com/office/drawing/2014/main" id="{99CA3CA4-C437-E649-A849-B11A7206CFCC}"/>
+              </a:ext>
+            </a:extLst>
+          </p:cNvPr>
+          <p:cNvPicPr>
+            <a:picLocks noChangeAspect="1"/>
+          </p:cNvPicPr>
+          <p:nvPr/>
+        </p:nvPicPr>
+        <p:blipFill rotWithShape="1">
+          <a:blip r:embed="rId2">
+            <a:extLst>
+              <a:ext uri="{96DAC541-7B7A-43D3-8B79-37D633B846F1}">
+                <asvg:svgBlip xmlns:asvg="http://schemas.microsoft.com/office/drawing/2016/SVG/main" r:embed="rId3"/>
+              </a:ext>
+            </a:extLst>
+          </a:blip>
+          <a:srcRect b="8729"/>
+          <a:stretch/>
+        </p:blipFill>
+        <p:spPr>
+          <a:xfrm>
+            <a:off x="1108099" y="1705626"/>
+            <a:ext cx="1563640" cy="2017961"/>
+          </a:xfrm>
+          <a:prstGeom prst="rect">
+            <a:avLst/>
+          </a:prstGeom>
+        </p:spPr>
+      </p:pic>
+      <p:sp>
+        <p:nvSpPr>
+          <p:cNvPr id="9" name="TextBox 8">
+            <a:extLst>
+              <a:ext uri="{FF2B5EF4-FFF2-40B4-BE49-F238E27FC236}">
+                <a16:creationId xmlns:a16="http://schemas.microsoft.com/office/drawing/2014/main" id="{0060CF30-5C30-F745-9F31-651FFC235366}"/>
+              </a:ext>
+            </a:extLst>
+          </p:cNvPr>
+          <p:cNvSpPr txBox="1"/>
+          <p:nvPr/>
+        </p:nvSpPr>
+        <p:spPr>
+          <a:xfrm>
+            <a:off x="243185" y="771286"/>
+            <a:ext cx="3293469" cy="830997"/>
+          </a:xfrm>
+          <a:prstGeom prst="rect">
+            <a:avLst/>
+          </a:prstGeom>
+          <a:noFill/>
+        </p:spPr>
+        <p:txBody>
+          <a:bodyPr wrap="square" rtlCol="0">
+            <a:spAutoFit/>
+          </a:bodyPr>
+          <a:lstStyle/>
+          <a:p>
+            <a:pPr algn="ctr"/>
+            <a:r>
+              <a:rPr lang="en-NO" sz="4800" b="1" dirty="0">
+                <a:latin typeface="Helvetica" pitchFamily="2" charset="0"/>
+              </a:rPr>
+              <a:t>csmaps</a:t>
+            </a:r>
+          </a:p>
+        </p:txBody>
+      </p:sp>
+    </p:spTree>
+    <p:extLst>
+      <p:ext uri="{BB962C8B-B14F-4D97-AF65-F5344CB8AC3E}">
+        <p14:creationId xmlns:p14="http://schemas.microsoft.com/office/powerpoint/2010/main" val="2278814892"/>
+      </p:ext>
+    </p:extLst>
+  </p:cSld>
+  <p:clrMapOvr>
+    <a:masterClrMapping/>
+  </p:clrMapOvr>
+</p:sld>
+</file>
+
+<file path=ppt/slides/slide11.xml><?xml version="1.0" encoding="utf-8"?>
+<p:sld xmlns:a="http://schemas.openxmlformats.org/drawingml/2006/main" xmlns:r="http://schemas.openxmlformats.org/officeDocument/2006/relationships" xmlns:p="http://schemas.openxmlformats.org/presentationml/2006/main">
+  <p:cSld>
+    <p:spTree>
+      <p:nvGrpSpPr>
+        <p:cNvPr id="1" name=""/>
+        <p:cNvGrpSpPr/>
+        <p:nvPr/>
+      </p:nvGrpSpPr>
+      <p:grpSpPr>
+        <a:xfrm>
+          <a:off x="0" y="0"/>
+          <a:ext cx="0" cy="0"/>
+          <a:chOff x="0" y="0"/>
+          <a:chExt cx="0" cy="0"/>
+        </a:xfrm>
+      </p:grpSpPr>
+      <p:sp>
+        <p:nvSpPr>
+          <p:cNvPr id="22" name="Hexagon 21">
+            <a:extLst>
+              <a:ext uri="{FF2B5EF4-FFF2-40B4-BE49-F238E27FC236}">
+                <a16:creationId xmlns:a16="http://schemas.microsoft.com/office/drawing/2014/main" id="{FEF41C22-B492-4F4A-A87C-4B0F7A8FE87B}"/>
+              </a:ext>
+            </a:extLst>
+          </p:cNvPr>
+          <p:cNvSpPr>
+            <a:spLocks noChangeAspect="1"/>
+          </p:cNvSpPr>
+          <p:nvPr/>
+        </p:nvSpPr>
+        <p:spPr>
+          <a:xfrm rot="5400000">
+            <a:off x="-188550" y="359794"/>
+            <a:ext cx="4156939" cy="3600000"/>
+          </a:xfrm>
+          <a:prstGeom prst="hexagon">
+            <a:avLst>
+              <a:gd name="adj" fmla="val 28906"/>
+              <a:gd name="vf" fmla="val 115470"/>
+            </a:avLst>
+          </a:prstGeom>
+          <a:solidFill>
+            <a:srgbClr val="B8E2F2"/>
+          </a:solidFill>
+          <a:ln w="25400">
+            <a:solidFill>
+              <a:srgbClr val="77B6CD"/>
+            </a:solidFill>
+          </a:ln>
+        </p:spPr>
+        <p:style>
+          <a:lnRef idx="2">
+            <a:schemeClr val="accent1">
+              <a:shade val="50000"/>
+            </a:schemeClr>
+          </a:lnRef>
+          <a:fillRef idx="1">
+            <a:schemeClr val="accent1"/>
+          </a:fillRef>
+          <a:effectRef idx="0">
+            <a:schemeClr val="accent1"/>
+          </a:effectRef>
+          <a:fontRef idx="minor">
+            <a:schemeClr val="lt1"/>
+          </a:fontRef>
+        </p:style>
+        <p:txBody>
+          <a:bodyPr rtlCol="0" anchor="ctr"/>
+          <a:lstStyle/>
+          <a:p>
+            <a:pPr algn="ctr"/>
+            <a:endParaRPr lang="en-NO" sz="4400" b="1" dirty="0">
+              <a:latin typeface="Helvetica" pitchFamily="2" charset="0"/>
+            </a:endParaRPr>
+          </a:p>
+        </p:txBody>
+      </p:sp>
       <p:sp>
         <p:nvSpPr>
           <p:cNvPr id="9" name="TextBox 8">
@@ -4652,7 +4817,7 @@
 </p:sld>
 </file>
 
-<file path=ppt/slides/slide11.xml><?xml version="1.0" encoding="utf-8"?>
+<file path=ppt/slides/slide12.xml><?xml version="1.0" encoding="utf-8"?>
 <p:sld xmlns:a="http://schemas.openxmlformats.org/drawingml/2006/main" xmlns:r="http://schemas.openxmlformats.org/officeDocument/2006/relationships" xmlns:p="http://schemas.openxmlformats.org/presentationml/2006/main">
   <p:cSld>
     <p:spTree>
@@ -4817,7 +4982,7 @@
 </p:sld>
 </file>
 
-<file path=ppt/slides/slide12.xml><?xml version="1.0" encoding="utf-8"?>
+<file path=ppt/slides/slide13.xml><?xml version="1.0" encoding="utf-8"?>
 <p:sld xmlns:a="http://schemas.openxmlformats.org/drawingml/2006/main" xmlns:r="http://schemas.openxmlformats.org/officeDocument/2006/relationships" xmlns:p="http://schemas.openxmlformats.org/presentationml/2006/main">
   <p:cSld>
     <p:spTree>
@@ -4982,7 +5147,7 @@
 </p:sld>
 </file>
 
-<file path=ppt/slides/slide13.xml><?xml version="1.0" encoding="utf-8"?>
+<file path=ppt/slides/slide14.xml><?xml version="1.0" encoding="utf-8"?>
 <p:sld xmlns:a="http://schemas.openxmlformats.org/drawingml/2006/main" xmlns:r="http://schemas.openxmlformats.org/officeDocument/2006/relationships" xmlns:p="http://schemas.openxmlformats.org/presentationml/2006/main">
   <p:cSld>
     <p:spTree>
@@ -5146,7 +5311,7 @@
 </p:sld>
 </file>
 
-<file path=ppt/slides/slide14.xml><?xml version="1.0" encoding="utf-8"?>
+<file path=ppt/slides/slide15.xml><?xml version="1.0" encoding="utf-8"?>
 <p:sld xmlns:a="http://schemas.openxmlformats.org/drawingml/2006/main" xmlns:r="http://schemas.openxmlformats.org/officeDocument/2006/relationships" xmlns:p="http://schemas.openxmlformats.org/presentationml/2006/main">
   <p:cSld>
     <p:spTree>
@@ -5312,7 +5477,7 @@
 </p:sld>
 </file>
 
-<file path=ppt/slides/slide15.xml><?xml version="1.0" encoding="utf-8"?>
+<file path=ppt/slides/slide16.xml><?xml version="1.0" encoding="utf-8"?>
 <p:sld xmlns:a="http://schemas.openxmlformats.org/drawingml/2006/main" xmlns:r="http://schemas.openxmlformats.org/officeDocument/2006/relationships" xmlns:p="http://schemas.openxmlformats.org/presentationml/2006/main">
   <p:cSld>
     <p:spTree>
@@ -5640,6 +5805,170 @@
 </file>
 
 <file path=ppt/slides/slide3.xml><?xml version="1.0" encoding="utf-8"?>
+<p:sld xmlns:a="http://schemas.openxmlformats.org/drawingml/2006/main" xmlns:r="http://schemas.openxmlformats.org/officeDocument/2006/relationships" xmlns:p="http://schemas.openxmlformats.org/presentationml/2006/main">
+  <p:cSld>
+    <p:spTree>
+      <p:nvGrpSpPr>
+        <p:cNvPr id="1" name=""/>
+        <p:cNvGrpSpPr/>
+        <p:nvPr/>
+      </p:nvGrpSpPr>
+      <p:grpSpPr>
+        <a:xfrm>
+          <a:off x="0" y="0"/>
+          <a:ext cx="0" cy="0"/>
+          <a:chOff x="0" y="0"/>
+          <a:chExt cx="0" cy="0"/>
+        </a:xfrm>
+      </p:grpSpPr>
+      <p:sp>
+        <p:nvSpPr>
+          <p:cNvPr id="22" name="Hexagon 21">
+            <a:extLst>
+              <a:ext uri="{FF2B5EF4-FFF2-40B4-BE49-F238E27FC236}">
+                <a16:creationId xmlns:a16="http://schemas.microsoft.com/office/drawing/2014/main" id="{FEF41C22-B492-4F4A-A87C-4B0F7A8FE87B}"/>
+              </a:ext>
+            </a:extLst>
+          </p:cNvPr>
+          <p:cNvSpPr>
+            <a:spLocks noChangeAspect="1"/>
+          </p:cNvSpPr>
+          <p:nvPr/>
+        </p:nvSpPr>
+        <p:spPr>
+          <a:xfrm rot="5400000">
+            <a:off x="-188550" y="359794"/>
+            <a:ext cx="4156939" cy="3600000"/>
+          </a:xfrm>
+          <a:prstGeom prst="hexagon">
+            <a:avLst>
+              <a:gd name="adj" fmla="val 28906"/>
+              <a:gd name="vf" fmla="val 115470"/>
+            </a:avLst>
+          </a:prstGeom>
+          <a:solidFill>
+            <a:srgbClr val="B8E2F2"/>
+          </a:solidFill>
+          <a:ln w="25400">
+            <a:solidFill>
+              <a:srgbClr val="77B6CD"/>
+            </a:solidFill>
+          </a:ln>
+        </p:spPr>
+        <p:style>
+          <a:lnRef idx="2">
+            <a:schemeClr val="accent1">
+              <a:shade val="50000"/>
+            </a:schemeClr>
+          </a:lnRef>
+          <a:fillRef idx="1">
+            <a:schemeClr val="accent1"/>
+          </a:fillRef>
+          <a:effectRef idx="0">
+            <a:schemeClr val="accent1"/>
+          </a:effectRef>
+          <a:fontRef idx="minor">
+            <a:schemeClr val="lt1"/>
+          </a:fontRef>
+        </p:style>
+        <p:txBody>
+          <a:bodyPr rtlCol="0" anchor="ctr"/>
+          <a:lstStyle/>
+          <a:p>
+            <a:pPr algn="ctr"/>
+            <a:endParaRPr lang="en-NO" sz="4400" b="1" dirty="0">
+              <a:latin typeface="Helvetica" pitchFamily="2" charset="0"/>
+            </a:endParaRPr>
+          </a:p>
+        </p:txBody>
+      </p:sp>
+      <p:pic>
+        <p:nvPicPr>
+          <p:cNvPr id="3" name="Graphic 2">
+            <a:extLst>
+              <a:ext uri="{FF2B5EF4-FFF2-40B4-BE49-F238E27FC236}">
+                <a16:creationId xmlns:a16="http://schemas.microsoft.com/office/drawing/2014/main" id="{3EFFB0CB-D368-324A-B50F-7C6FE6A3B402}"/>
+              </a:ext>
+            </a:extLst>
+          </p:cNvPr>
+          <p:cNvPicPr>
+            <a:picLocks noChangeAspect="1"/>
+          </p:cNvPicPr>
+          <p:nvPr/>
+        </p:nvPicPr>
+        <p:blipFill>
+          <a:blip r:embed="rId2">
+            <a:extLst>
+              <a:ext uri="{96DAC541-7B7A-43D3-8B79-37D633B846F1}">
+                <asvg:svgBlip xmlns:asvg="http://schemas.microsoft.com/office/drawing/2016/SVG/main" r:embed="rId3"/>
+              </a:ext>
+            </a:extLst>
+          </a:blip>
+          <a:srcRect/>
+          <a:stretch/>
+        </p:blipFill>
+        <p:spPr>
+          <a:xfrm>
+            <a:off x="1169393" y="1912576"/>
+            <a:ext cx="1440000" cy="1440000"/>
+          </a:xfrm>
+          <a:prstGeom prst="rect">
+            <a:avLst/>
+          </a:prstGeom>
+        </p:spPr>
+      </p:pic>
+      <p:sp>
+        <p:nvSpPr>
+          <p:cNvPr id="7" name="TextBox 6">
+            <a:extLst>
+              <a:ext uri="{FF2B5EF4-FFF2-40B4-BE49-F238E27FC236}">
+                <a16:creationId xmlns:a16="http://schemas.microsoft.com/office/drawing/2014/main" id="{D66B9D3B-7CA0-C944-B58A-DE784DF8F247}"/>
+              </a:ext>
+            </a:extLst>
+          </p:cNvPr>
+          <p:cNvSpPr txBox="1"/>
+          <p:nvPr/>
+        </p:nvSpPr>
+        <p:spPr>
+          <a:xfrm>
+            <a:off x="491572" y="771286"/>
+            <a:ext cx="2796695" cy="830997"/>
+          </a:xfrm>
+          <a:prstGeom prst="rect">
+            <a:avLst/>
+          </a:prstGeom>
+          <a:noFill/>
+        </p:spPr>
+        <p:txBody>
+          <a:bodyPr wrap="square" rtlCol="0">
+            <a:spAutoFit/>
+          </a:bodyPr>
+          <a:lstStyle/>
+          <a:p>
+            <a:pPr algn="ctr"/>
+            <a:r>
+              <a:rPr lang="en-NO" sz="4800" b="1" dirty="0">
+                <a:latin typeface="Helvetica" pitchFamily="2" charset="0"/>
+              </a:rPr>
+              <a:t>covidnor</a:t>
+            </a:r>
+          </a:p>
+        </p:txBody>
+      </p:sp>
+    </p:spTree>
+    <p:extLst>
+      <p:ext uri="{BB962C8B-B14F-4D97-AF65-F5344CB8AC3E}">
+        <p14:creationId xmlns:p14="http://schemas.microsoft.com/office/powerpoint/2010/main" val="2018601370"/>
+      </p:ext>
+    </p:extLst>
+  </p:cSld>
+  <p:clrMapOvr>
+    <a:masterClrMapping/>
+  </p:clrMapOvr>
+</p:sld>
+</file>
+
+<file path=ppt/slides/slide4.xml><?xml version="1.0" encoding="utf-8"?>
 <p:sld xmlns:a="http://schemas.openxmlformats.org/drawingml/2006/main" xmlns:r="http://schemas.openxmlformats.org/officeDocument/2006/relationships" xmlns:p="http://schemas.openxmlformats.org/presentationml/2006/main">
   <p:cSld>
     <p:spTree>
@@ -6338,7 +6667,7 @@
 </p:sld>
 </file>
 
-<file path=ppt/slides/slide4.xml><?xml version="1.0" encoding="utf-8"?>
+<file path=ppt/slides/slide5.xml><?xml version="1.0" encoding="utf-8"?>
 <p:sld xmlns:a="http://schemas.openxmlformats.org/drawingml/2006/main" xmlns:r="http://schemas.openxmlformats.org/officeDocument/2006/relationships" xmlns:p="http://schemas.openxmlformats.org/presentationml/2006/main">
   <p:cSld>
     <p:spTree>
@@ -6503,7 +6832,7 @@
 </p:sld>
 </file>
 
-<file path=ppt/slides/slide5.xml><?xml version="1.0" encoding="utf-8"?>
+<file path=ppt/slides/slide6.xml><?xml version="1.0" encoding="utf-8"?>
 <p:sld xmlns:a="http://schemas.openxmlformats.org/drawingml/2006/main" xmlns:r="http://schemas.openxmlformats.org/officeDocument/2006/relationships" xmlns:p="http://schemas.openxmlformats.org/presentationml/2006/main">
   <p:cSld>
     <p:spTree>
@@ -6667,7 +6996,7 @@
 </p:sld>
 </file>
 
-<file path=ppt/slides/slide6.xml><?xml version="1.0" encoding="utf-8"?>
+<file path=ppt/slides/slide7.xml><?xml version="1.0" encoding="utf-8"?>
 <p:sld xmlns:a="http://schemas.openxmlformats.org/drawingml/2006/main" xmlns:r="http://schemas.openxmlformats.org/officeDocument/2006/relationships" xmlns:p="http://schemas.openxmlformats.org/presentationml/2006/main">
   <p:cSld>
     <p:spTree>
@@ -6831,7 +7160,7 @@
 </p:sld>
 </file>
 
-<file path=ppt/slides/slide7.xml><?xml version="1.0" encoding="utf-8"?>
+<file path=ppt/slides/slide8.xml><?xml version="1.0" encoding="utf-8"?>
 <p:sld xmlns:a="http://schemas.openxmlformats.org/drawingml/2006/main" xmlns:r="http://schemas.openxmlformats.org/officeDocument/2006/relationships" xmlns:p="http://schemas.openxmlformats.org/presentationml/2006/main">
   <p:cSld>
     <p:spTree>
@@ -6996,7 +7325,7 @@
 </p:sld>
 </file>
 
-<file path=ppt/slides/slide8.xml><?xml version="1.0" encoding="utf-8"?>
+<file path=ppt/slides/slide9.xml><?xml version="1.0" encoding="utf-8"?>
 <p:sld xmlns:a="http://schemas.openxmlformats.org/drawingml/2006/main" xmlns:r="http://schemas.openxmlformats.org/officeDocument/2006/relationships" xmlns:p="http://schemas.openxmlformats.org/presentationml/2006/main">
   <p:cSld>
     <p:spTree>
@@ -7151,170 +7480,6 @@
     <p:extLst>
       <p:ext uri="{BB962C8B-B14F-4D97-AF65-F5344CB8AC3E}">
         <p14:creationId xmlns:p14="http://schemas.microsoft.com/office/powerpoint/2010/main" val="1277890869"/>
-      </p:ext>
-    </p:extLst>
-  </p:cSld>
-  <p:clrMapOvr>
-    <a:masterClrMapping/>
-  </p:clrMapOvr>
-</p:sld>
-</file>
-
-<file path=ppt/slides/slide9.xml><?xml version="1.0" encoding="utf-8"?>
-<p:sld xmlns:a="http://schemas.openxmlformats.org/drawingml/2006/main" xmlns:r="http://schemas.openxmlformats.org/officeDocument/2006/relationships" xmlns:p="http://schemas.openxmlformats.org/presentationml/2006/main">
-  <p:cSld>
-    <p:spTree>
-      <p:nvGrpSpPr>
-        <p:cNvPr id="1" name=""/>
-        <p:cNvGrpSpPr/>
-        <p:nvPr/>
-      </p:nvGrpSpPr>
-      <p:grpSpPr>
-        <a:xfrm>
-          <a:off x="0" y="0"/>
-          <a:ext cx="0" cy="0"/>
-          <a:chOff x="0" y="0"/>
-          <a:chExt cx="0" cy="0"/>
-        </a:xfrm>
-      </p:grpSpPr>
-      <p:sp>
-        <p:nvSpPr>
-          <p:cNvPr id="22" name="Hexagon 21">
-            <a:extLst>
-              <a:ext uri="{FF2B5EF4-FFF2-40B4-BE49-F238E27FC236}">
-                <a16:creationId xmlns:a16="http://schemas.microsoft.com/office/drawing/2014/main" id="{FEF41C22-B492-4F4A-A87C-4B0F7A8FE87B}"/>
-              </a:ext>
-            </a:extLst>
-          </p:cNvPr>
-          <p:cNvSpPr>
-            <a:spLocks noChangeAspect="1"/>
-          </p:cNvSpPr>
-          <p:nvPr/>
-        </p:nvSpPr>
-        <p:spPr>
-          <a:xfrm rot="5400000">
-            <a:off x="-188550" y="359794"/>
-            <a:ext cx="4156939" cy="3600000"/>
-          </a:xfrm>
-          <a:prstGeom prst="hexagon">
-            <a:avLst>
-              <a:gd name="adj" fmla="val 28906"/>
-              <a:gd name="vf" fmla="val 115470"/>
-            </a:avLst>
-          </a:prstGeom>
-          <a:solidFill>
-            <a:srgbClr val="B8E2F2"/>
-          </a:solidFill>
-          <a:ln w="25400">
-            <a:solidFill>
-              <a:srgbClr val="77B6CD"/>
-            </a:solidFill>
-          </a:ln>
-        </p:spPr>
-        <p:style>
-          <a:lnRef idx="2">
-            <a:schemeClr val="accent1">
-              <a:shade val="50000"/>
-            </a:schemeClr>
-          </a:lnRef>
-          <a:fillRef idx="1">
-            <a:schemeClr val="accent1"/>
-          </a:fillRef>
-          <a:effectRef idx="0">
-            <a:schemeClr val="accent1"/>
-          </a:effectRef>
-          <a:fontRef idx="minor">
-            <a:schemeClr val="lt1"/>
-          </a:fontRef>
-        </p:style>
-        <p:txBody>
-          <a:bodyPr rtlCol="0" anchor="ctr"/>
-          <a:lstStyle/>
-          <a:p>
-            <a:pPr algn="ctr"/>
-            <a:endParaRPr lang="en-NO" sz="4400" b="1" dirty="0">
-              <a:latin typeface="Helvetica" pitchFamily="2" charset="0"/>
-            </a:endParaRPr>
-          </a:p>
-        </p:txBody>
-      </p:sp>
-      <p:pic>
-        <p:nvPicPr>
-          <p:cNvPr id="6" name="Graphic 5">
-            <a:extLst>
-              <a:ext uri="{FF2B5EF4-FFF2-40B4-BE49-F238E27FC236}">
-                <a16:creationId xmlns:a16="http://schemas.microsoft.com/office/drawing/2014/main" id="{99CA3CA4-C437-E649-A849-B11A7206CFCC}"/>
-              </a:ext>
-            </a:extLst>
-          </p:cNvPr>
-          <p:cNvPicPr>
-            <a:picLocks noChangeAspect="1"/>
-          </p:cNvPicPr>
-          <p:nvPr/>
-        </p:nvPicPr>
-        <p:blipFill rotWithShape="1">
-          <a:blip r:embed="rId2">
-            <a:extLst>
-              <a:ext uri="{96DAC541-7B7A-43D3-8B79-37D633B846F1}">
-                <asvg:svgBlip xmlns:asvg="http://schemas.microsoft.com/office/drawing/2016/SVG/main" r:embed="rId3"/>
-              </a:ext>
-            </a:extLst>
-          </a:blip>
-          <a:srcRect b="8729"/>
-          <a:stretch/>
-        </p:blipFill>
-        <p:spPr>
-          <a:xfrm>
-            <a:off x="1108099" y="1705626"/>
-            <a:ext cx="1563640" cy="2017961"/>
-          </a:xfrm>
-          <a:prstGeom prst="rect">
-            <a:avLst/>
-          </a:prstGeom>
-        </p:spPr>
-      </p:pic>
-      <p:sp>
-        <p:nvSpPr>
-          <p:cNvPr id="9" name="TextBox 8">
-            <a:extLst>
-              <a:ext uri="{FF2B5EF4-FFF2-40B4-BE49-F238E27FC236}">
-                <a16:creationId xmlns:a16="http://schemas.microsoft.com/office/drawing/2014/main" id="{0060CF30-5C30-F745-9F31-651FFC235366}"/>
-              </a:ext>
-            </a:extLst>
-          </p:cNvPr>
-          <p:cNvSpPr txBox="1"/>
-          <p:nvPr/>
-        </p:nvSpPr>
-        <p:spPr>
-          <a:xfrm>
-            <a:off x="243185" y="771286"/>
-            <a:ext cx="3293469" cy="830997"/>
-          </a:xfrm>
-          <a:prstGeom prst="rect">
-            <a:avLst/>
-          </a:prstGeom>
-          <a:noFill/>
-        </p:spPr>
-        <p:txBody>
-          <a:bodyPr wrap="square" rtlCol="0">
-            <a:spAutoFit/>
-          </a:bodyPr>
-          <a:lstStyle/>
-          <a:p>
-            <a:pPr algn="ctr"/>
-            <a:r>
-              <a:rPr lang="en-NO" sz="4800" b="1" dirty="0">
-                <a:latin typeface="Helvetica" pitchFamily="2" charset="0"/>
-              </a:rPr>
-              <a:t>csmaps</a:t>
-            </a:r>
-          </a:p>
-        </p:txBody>
-      </p:sp>
-    </p:spTree>
-    <p:extLst>
-      <p:ext uri="{BB962C8B-B14F-4D97-AF65-F5344CB8AC3E}">
-        <p14:creationId xmlns:p14="http://schemas.microsoft.com/office/powerpoint/2010/main" val="2278814892"/>
       </p:ext>
     </p:extLst>
   </p:cSld>
@@ -7586,15 +7751,6 @@
 </file>
 
 <file path=customXml/item1.xml><?xml version="1.0" encoding="utf-8"?>
-<?mso-contentType ?>
-<FormTemplates xmlns="http://schemas.microsoft.com/sharepoint/v3/contenttype/forms">
-  <Display>DocumentLibraryForm</Display>
-  <Edit>DocumentLibraryForm</Edit>
-  <New>DocumentLibraryForm</New>
-</FormTemplates>
-</file>
-
-<file path=customXml/item2.xml><?xml version="1.0" encoding="utf-8"?>
 <p:properties xmlns:p="http://schemas.microsoft.com/office/2006/metadata/properties" xmlns:xsi="http://www.w3.org/2001/XMLSchema-instance" xmlns:pc="http://schemas.microsoft.com/office/infopath/2007/PartnerControls">
   <documentManagement>
     <FHI_TopicTaxHTField xmlns="9e7c1b5f-6b93-4ee4-9fa2-fda8f1b47cf5">
@@ -7610,6 +7766,15 @@
     </lcf76f155ced4ddcb4097134ff3c332f>
   </documentManagement>
 </p:properties>
+</file>
+
+<file path=customXml/item2.xml><?xml version="1.0" encoding="utf-8"?>
+<?mso-contentType ?>
+<FormTemplates xmlns="http://schemas.microsoft.com/sharepoint/v3/contenttype/forms">
+  <Display>DocumentLibraryForm</Display>
+  <Edit>DocumentLibraryForm</Edit>
+  <New>DocumentLibraryForm</New>
+</FormTemplates>
 </file>
 
 <file path=customXml/item3.xml><?xml version="1.0" encoding="utf-8"?>
@@ -7877,14 +8042,6 @@
 </file>
 
 <file path=customXml/itemProps1.xml><?xml version="1.0" encoding="utf-8"?>
-<ds:datastoreItem xmlns:ds="http://schemas.openxmlformats.org/officeDocument/2006/customXml" ds:itemID="{DEBE6AF6-3CA8-4EA6-AE51-4931FB036F84}">
-  <ds:schemaRefs>
-    <ds:schemaRef ds:uri="http://schemas.microsoft.com/sharepoint/v3/contenttype/forms"/>
-  </ds:schemaRefs>
-</ds:datastoreItem>
-</file>
-
-<file path=customXml/itemProps2.xml><?xml version="1.0" encoding="utf-8"?>
 <ds:datastoreItem xmlns:ds="http://schemas.openxmlformats.org/officeDocument/2006/customXml" ds:itemID="{73537EEA-02C0-4A20-9143-5085AAB24376}">
   <ds:schemaRefs>
     <ds:schemaRef ds:uri="http://schemas.microsoft.com/office/2006/documentManagement/types"/>
@@ -7898,6 +8055,14 @@
     <ds:schemaRef ds:uri="http://schemas.microsoft.com/office/infopath/2007/PartnerControls"/>
     <ds:schemaRef ds:uri="8e6eb821-ce73-48ba-8377-72b4b239edb4"/>
     <ds:schemaRef ds:uri="http://schemas.microsoft.com/office/2006/metadata/properties"/>
+  </ds:schemaRefs>
+</ds:datastoreItem>
+</file>
+
+<file path=customXml/itemProps2.xml><?xml version="1.0" encoding="utf-8"?>
+<ds:datastoreItem xmlns:ds="http://schemas.openxmlformats.org/officeDocument/2006/customXml" ds:itemID="{DEBE6AF6-3CA8-4EA6-AE51-4931FB036F84}">
+  <ds:schemaRefs>
+    <ds:schemaRef ds:uri="http://schemas.microsoft.com/sharepoint/v3/contenttype/forms"/>
   </ds:schemaRefs>
 </ds:datastoreItem>
 </file>

--- a/csverse/hex/hex.pptx
+++ b/csverse/hex/hex.pptx
@@ -1713,7 +1713,7 @@
           <a:p>
             <a:fld id="{86121B6E-91AB-E243-B1AF-59665646A34F}" type="datetimeFigureOut">
               <a:rPr lang="en-NO" smtClean="0"/>
-              <a:t>17/11/2022</a:t>
+              <a:t>07/03/2023</a:t>
             </a:fld>
             <a:endParaRPr lang="en-NO"/>
           </a:p>
@@ -1883,7 +1883,7 @@
           <a:p>
             <a:fld id="{86121B6E-91AB-E243-B1AF-59665646A34F}" type="datetimeFigureOut">
               <a:rPr lang="en-NO" smtClean="0"/>
-              <a:t>17/11/2022</a:t>
+              <a:t>07/03/2023</a:t>
             </a:fld>
             <a:endParaRPr lang="en-NO"/>
           </a:p>
@@ -2063,7 +2063,7 @@
           <a:p>
             <a:fld id="{86121B6E-91AB-E243-B1AF-59665646A34F}" type="datetimeFigureOut">
               <a:rPr lang="en-NO" smtClean="0"/>
-              <a:t>17/11/2022</a:t>
+              <a:t>07/03/2023</a:t>
             </a:fld>
             <a:endParaRPr lang="en-NO"/>
           </a:p>
@@ -2233,7 +2233,7 @@
           <a:p>
             <a:fld id="{86121B6E-91AB-E243-B1AF-59665646A34F}" type="datetimeFigureOut">
               <a:rPr lang="en-NO" smtClean="0"/>
-              <a:t>17/11/2022</a:t>
+              <a:t>07/03/2023</a:t>
             </a:fld>
             <a:endParaRPr lang="en-NO"/>
           </a:p>
@@ -2477,7 +2477,7 @@
           <a:p>
             <a:fld id="{86121B6E-91AB-E243-B1AF-59665646A34F}" type="datetimeFigureOut">
               <a:rPr lang="en-NO" smtClean="0"/>
-              <a:t>17/11/2022</a:t>
+              <a:t>07/03/2023</a:t>
             </a:fld>
             <a:endParaRPr lang="en-NO"/>
           </a:p>
@@ -2709,7 +2709,7 @@
           <a:p>
             <a:fld id="{86121B6E-91AB-E243-B1AF-59665646A34F}" type="datetimeFigureOut">
               <a:rPr lang="en-NO" smtClean="0"/>
-              <a:t>17/11/2022</a:t>
+              <a:t>07/03/2023</a:t>
             </a:fld>
             <a:endParaRPr lang="en-NO"/>
           </a:p>
@@ -3076,7 +3076,7 @@
           <a:p>
             <a:fld id="{86121B6E-91AB-E243-B1AF-59665646A34F}" type="datetimeFigureOut">
               <a:rPr lang="en-NO" smtClean="0"/>
-              <a:t>17/11/2022</a:t>
+              <a:t>07/03/2023</a:t>
             </a:fld>
             <a:endParaRPr lang="en-NO"/>
           </a:p>
@@ -3194,7 +3194,7 @@
           <a:p>
             <a:fld id="{86121B6E-91AB-E243-B1AF-59665646A34F}" type="datetimeFigureOut">
               <a:rPr lang="en-NO" smtClean="0"/>
-              <a:t>17/11/2022</a:t>
+              <a:t>07/03/2023</a:t>
             </a:fld>
             <a:endParaRPr lang="en-NO"/>
           </a:p>
@@ -3289,7 +3289,7 @@
           <a:p>
             <a:fld id="{86121B6E-91AB-E243-B1AF-59665646A34F}" type="datetimeFigureOut">
               <a:rPr lang="en-NO" smtClean="0"/>
-              <a:t>17/11/2022</a:t>
+              <a:t>07/03/2023</a:t>
             </a:fld>
             <a:endParaRPr lang="en-NO"/>
           </a:p>
@@ -3566,7 +3566,7 @@
           <a:p>
             <a:fld id="{86121B6E-91AB-E243-B1AF-59665646A34F}" type="datetimeFigureOut">
               <a:rPr lang="en-NO" smtClean="0"/>
-              <a:t>17/11/2022</a:t>
+              <a:t>07/03/2023</a:t>
             </a:fld>
             <a:endParaRPr lang="en-NO"/>
           </a:p>
@@ -3823,7 +3823,7 @@
           <a:p>
             <a:fld id="{86121B6E-91AB-E243-B1AF-59665646A34F}" type="datetimeFigureOut">
               <a:rPr lang="en-NO" smtClean="0"/>
-              <a:t>17/11/2022</a:t>
+              <a:t>07/03/2023</a:t>
             </a:fld>
             <a:endParaRPr lang="en-NO"/>
           </a:p>
@@ -4036,7 +4036,7 @@
           <a:p>
             <a:fld id="{86121B6E-91AB-E243-B1AF-59665646A34F}" type="datetimeFigureOut">
               <a:rPr lang="en-NO" smtClean="0"/>
-              <a:t>17/11/2022</a:t>
+              <a:t>07/03/2023</a:t>
             </a:fld>
             <a:endParaRPr lang="en-NO"/>
           </a:p>
@@ -5258,7 +5258,7 @@
               <a:rPr lang="en-NO" sz="4800" b="1" dirty="0">
                 <a:latin typeface="Helvetica" pitchFamily="2" charset="0"/>
               </a:rPr>
-              <a:t>sc8</a:t>
+              <a:t>sc9</a:t>
             </a:r>
           </a:p>
         </p:txBody>
@@ -7751,6 +7751,15 @@
 </file>
 
 <file path=customXml/item1.xml><?xml version="1.0" encoding="utf-8"?>
+<?mso-contentType ?>
+<FormTemplates xmlns="http://schemas.microsoft.com/sharepoint/v3/contenttype/forms">
+  <Display>DocumentLibraryForm</Display>
+  <Edit>DocumentLibraryForm</Edit>
+  <New>DocumentLibraryForm</New>
+</FormTemplates>
+</file>
+
+<file path=customXml/item2.xml><?xml version="1.0" encoding="utf-8"?>
 <p:properties xmlns:p="http://schemas.microsoft.com/office/2006/metadata/properties" xmlns:xsi="http://www.w3.org/2001/XMLSchema-instance" xmlns:pc="http://schemas.microsoft.com/office/infopath/2007/PartnerControls">
   <documentManagement>
     <FHI_TopicTaxHTField xmlns="9e7c1b5f-6b93-4ee4-9fa2-fda8f1b47cf5">
@@ -7766,15 +7775,6 @@
     </lcf76f155ced4ddcb4097134ff3c332f>
   </documentManagement>
 </p:properties>
-</file>
-
-<file path=customXml/item2.xml><?xml version="1.0" encoding="utf-8"?>
-<?mso-contentType ?>
-<FormTemplates xmlns="http://schemas.microsoft.com/sharepoint/v3/contenttype/forms">
-  <Display>DocumentLibraryForm</Display>
-  <Edit>DocumentLibraryForm</Edit>
-  <New>DocumentLibraryForm</New>
-</FormTemplates>
 </file>
 
 <file path=customXml/item3.xml><?xml version="1.0" encoding="utf-8"?>
@@ -8042,6 +8042,14 @@
 </file>
 
 <file path=customXml/itemProps1.xml><?xml version="1.0" encoding="utf-8"?>
+<ds:datastoreItem xmlns:ds="http://schemas.openxmlformats.org/officeDocument/2006/customXml" ds:itemID="{DEBE6AF6-3CA8-4EA6-AE51-4931FB036F84}">
+  <ds:schemaRefs>
+    <ds:schemaRef ds:uri="http://schemas.microsoft.com/sharepoint/v3/contenttype/forms"/>
+  </ds:schemaRefs>
+</ds:datastoreItem>
+</file>
+
+<file path=customXml/itemProps2.xml><?xml version="1.0" encoding="utf-8"?>
 <ds:datastoreItem xmlns:ds="http://schemas.openxmlformats.org/officeDocument/2006/customXml" ds:itemID="{73537EEA-02C0-4A20-9143-5085AAB24376}">
   <ds:schemaRefs>
     <ds:schemaRef ds:uri="http://schemas.microsoft.com/office/2006/documentManagement/types"/>
@@ -8055,14 +8063,6 @@
     <ds:schemaRef ds:uri="http://schemas.microsoft.com/office/infopath/2007/PartnerControls"/>
     <ds:schemaRef ds:uri="8e6eb821-ce73-48ba-8377-72b4b239edb4"/>
     <ds:schemaRef ds:uri="http://schemas.microsoft.com/office/2006/metadata/properties"/>
-  </ds:schemaRefs>
-</ds:datastoreItem>
-</file>
-
-<file path=customXml/itemProps2.xml><?xml version="1.0" encoding="utf-8"?>
-<ds:datastoreItem xmlns:ds="http://schemas.openxmlformats.org/officeDocument/2006/customXml" ds:itemID="{DEBE6AF6-3CA8-4EA6-AE51-4931FB036F84}">
-  <ds:schemaRefs>
-    <ds:schemaRef ds:uri="http://schemas.microsoft.com/sharepoint/v3/contenttype/forms"/>
   </ds:schemaRefs>
 </ds:datastoreItem>
 </file>

--- a/csverse/hex/hex.pptx
+++ b/csverse/hex/hex.pptx
@@ -4,23 +4,26 @@
   <p:sldMasterIdLst>
     <p:sldMasterId id="2147483672" r:id="rId4"/>
   </p:sldMasterIdLst>
+  <p:notesMasterIdLst>
+    <p:notesMasterId r:id="rId21"/>
+  </p:notesMasterIdLst>
   <p:sldIdLst>
     <p:sldId id="257" r:id="rId5"/>
-    <p:sldId id="259" r:id="rId6"/>
-    <p:sldId id="277" r:id="rId7"/>
-    <p:sldId id="270" r:id="rId8"/>
-    <p:sldId id="260" r:id="rId9"/>
-    <p:sldId id="266" r:id="rId10"/>
-    <p:sldId id="261" r:id="rId11"/>
-    <p:sldId id="273" r:id="rId12"/>
-    <p:sldId id="275" r:id="rId13"/>
-    <p:sldId id="262" r:id="rId14"/>
-    <p:sldId id="263" r:id="rId15"/>
-    <p:sldId id="264" r:id="rId16"/>
-    <p:sldId id="265" r:id="rId17"/>
-    <p:sldId id="276" r:id="rId18"/>
-    <p:sldId id="274" r:id="rId19"/>
-    <p:sldId id="268" r:id="rId20"/>
+    <p:sldId id="286" r:id="rId6"/>
+    <p:sldId id="291" r:id="rId7"/>
+    <p:sldId id="290" r:id="rId8"/>
+    <p:sldId id="289" r:id="rId9"/>
+    <p:sldId id="288" r:id="rId10"/>
+    <p:sldId id="276" r:id="rId11"/>
+    <p:sldId id="287" r:id="rId12"/>
+    <p:sldId id="285" r:id="rId13"/>
+    <p:sldId id="284" r:id="rId14"/>
+    <p:sldId id="283" r:id="rId15"/>
+    <p:sldId id="282" r:id="rId16"/>
+    <p:sldId id="281" r:id="rId17"/>
+    <p:sldId id="280" r:id="rId18"/>
+    <p:sldId id="279" r:id="rId19"/>
+    <p:sldId id="278" r:id="rId20"/>
   </p:sldIdLst>
   <p:sldSz cx="3779838" cy="4319588"/>
   <p:notesSz cx="6858000" cy="9144000"/>
@@ -1582,6 +1585,440 @@
 </pc:chgInfo>
 </file>
 
+<file path=ppt/notesMasters/notesMaster1.xml><?xml version="1.0" encoding="utf-8"?>
+<p:notesMaster xmlns:a="http://schemas.openxmlformats.org/drawingml/2006/main" xmlns:r="http://schemas.openxmlformats.org/officeDocument/2006/relationships" xmlns:p="http://schemas.openxmlformats.org/presentationml/2006/main">
+  <p:cSld>
+    <p:bg>
+      <p:bgRef idx="1001">
+        <a:schemeClr val="bg1"/>
+      </p:bgRef>
+    </p:bg>
+    <p:spTree>
+      <p:nvGrpSpPr>
+        <p:cNvPr id="1" name=""/>
+        <p:cNvGrpSpPr/>
+        <p:nvPr/>
+      </p:nvGrpSpPr>
+      <p:grpSpPr>
+        <a:xfrm>
+          <a:off x="0" y="0"/>
+          <a:ext cx="0" cy="0"/>
+          <a:chOff x="0" y="0"/>
+          <a:chExt cx="0" cy="0"/>
+        </a:xfrm>
+      </p:grpSpPr>
+      <p:sp>
+        <p:nvSpPr>
+          <p:cNvPr id="2" name="Header Placeholder 1"/>
+          <p:cNvSpPr>
+            <a:spLocks noGrp="1"/>
+          </p:cNvSpPr>
+          <p:nvPr>
+            <p:ph type="hdr" sz="quarter"/>
+          </p:nvPr>
+        </p:nvSpPr>
+        <p:spPr>
+          <a:xfrm>
+            <a:off x="0" y="0"/>
+            <a:ext cx="2971800" cy="458788"/>
+          </a:xfrm>
+          <a:prstGeom prst="rect">
+            <a:avLst/>
+          </a:prstGeom>
+        </p:spPr>
+        <p:txBody>
+          <a:bodyPr vert="horz" lIns="91440" tIns="45720" rIns="91440" bIns="45720" rtlCol="0"/>
+          <a:lstStyle>
+            <a:lvl1pPr algn="l">
+              <a:defRPr sz="1200"/>
+            </a:lvl1pPr>
+          </a:lstStyle>
+          <a:p>
+            <a:endParaRPr lang="en-NO"/>
+          </a:p>
+        </p:txBody>
+      </p:sp>
+      <p:sp>
+        <p:nvSpPr>
+          <p:cNvPr id="3" name="Date Placeholder 2"/>
+          <p:cNvSpPr>
+            <a:spLocks noGrp="1"/>
+          </p:cNvSpPr>
+          <p:nvPr>
+            <p:ph type="dt" idx="1"/>
+          </p:nvPr>
+        </p:nvSpPr>
+        <p:spPr>
+          <a:xfrm>
+            <a:off x="3884613" y="0"/>
+            <a:ext cx="2971800" cy="458788"/>
+          </a:xfrm>
+          <a:prstGeom prst="rect">
+            <a:avLst/>
+          </a:prstGeom>
+        </p:spPr>
+        <p:txBody>
+          <a:bodyPr vert="horz" lIns="91440" tIns="45720" rIns="91440" bIns="45720" rtlCol="0"/>
+          <a:lstStyle>
+            <a:lvl1pPr algn="r">
+              <a:defRPr sz="1200"/>
+            </a:lvl1pPr>
+          </a:lstStyle>
+          <a:p>
+            <a:fld id="{972F4B49-E779-9048-8D7F-EDA4ACF26FFD}" type="datetimeFigureOut">
+              <a:rPr lang="en-NO" smtClean="0"/>
+              <a:t>30/05/2023</a:t>
+            </a:fld>
+            <a:endParaRPr lang="en-NO"/>
+          </a:p>
+        </p:txBody>
+      </p:sp>
+      <p:sp>
+        <p:nvSpPr>
+          <p:cNvPr id="4" name="Slide Image Placeholder 3"/>
+          <p:cNvSpPr>
+            <a:spLocks noGrp="1" noRot="1" noChangeAspect="1"/>
+          </p:cNvSpPr>
+          <p:nvPr>
+            <p:ph type="sldImg" idx="2"/>
+          </p:nvPr>
+        </p:nvSpPr>
+        <p:spPr>
+          <a:xfrm>
+            <a:off x="2078038" y="1143000"/>
+            <a:ext cx="2701925" cy="3086100"/>
+          </a:xfrm>
+          <a:prstGeom prst="rect">
+            <a:avLst/>
+          </a:prstGeom>
+          <a:noFill/>
+          <a:ln w="12700">
+            <a:solidFill>
+              <a:prstClr val="black"/>
+            </a:solidFill>
+          </a:ln>
+        </p:spPr>
+        <p:txBody>
+          <a:bodyPr vert="horz" lIns="91440" tIns="45720" rIns="91440" bIns="45720" rtlCol="0" anchor="ctr"/>
+          <a:lstStyle/>
+          <a:p>
+            <a:endParaRPr lang="en-NO"/>
+          </a:p>
+        </p:txBody>
+      </p:sp>
+      <p:sp>
+        <p:nvSpPr>
+          <p:cNvPr id="5" name="Notes Placeholder 4"/>
+          <p:cNvSpPr>
+            <a:spLocks noGrp="1"/>
+          </p:cNvSpPr>
+          <p:nvPr>
+            <p:ph type="body" sz="quarter" idx="3"/>
+          </p:nvPr>
+        </p:nvSpPr>
+        <p:spPr>
+          <a:xfrm>
+            <a:off x="685800" y="4400550"/>
+            <a:ext cx="5486400" cy="3600450"/>
+          </a:xfrm>
+          <a:prstGeom prst="rect">
+            <a:avLst/>
+          </a:prstGeom>
+        </p:spPr>
+        <p:txBody>
+          <a:bodyPr vert="horz" lIns="91440" tIns="45720" rIns="91440" bIns="45720" rtlCol="0"/>
+          <a:lstStyle/>
+          <a:p>
+            <a:pPr lvl="0"/>
+            <a:r>
+              <a:rPr lang="en-GB"/>
+              <a:t>Click to edit Master text styles</a:t>
+            </a:r>
+          </a:p>
+          <a:p>
+            <a:pPr lvl="1"/>
+            <a:r>
+              <a:rPr lang="en-GB"/>
+              <a:t>Second level</a:t>
+            </a:r>
+          </a:p>
+          <a:p>
+            <a:pPr lvl="2"/>
+            <a:r>
+              <a:rPr lang="en-GB"/>
+              <a:t>Third level</a:t>
+            </a:r>
+          </a:p>
+          <a:p>
+            <a:pPr lvl="3"/>
+            <a:r>
+              <a:rPr lang="en-GB"/>
+              <a:t>Fourth level</a:t>
+            </a:r>
+          </a:p>
+          <a:p>
+            <a:pPr lvl="4"/>
+            <a:r>
+              <a:rPr lang="en-GB"/>
+              <a:t>Fifth level</a:t>
+            </a:r>
+            <a:endParaRPr lang="en-NO"/>
+          </a:p>
+        </p:txBody>
+      </p:sp>
+      <p:sp>
+        <p:nvSpPr>
+          <p:cNvPr id="6" name="Footer Placeholder 5"/>
+          <p:cNvSpPr>
+            <a:spLocks noGrp="1"/>
+          </p:cNvSpPr>
+          <p:nvPr>
+            <p:ph type="ftr" sz="quarter" idx="4"/>
+          </p:nvPr>
+        </p:nvSpPr>
+        <p:spPr>
+          <a:xfrm>
+            <a:off x="0" y="8685213"/>
+            <a:ext cx="2971800" cy="458787"/>
+          </a:xfrm>
+          <a:prstGeom prst="rect">
+            <a:avLst/>
+          </a:prstGeom>
+        </p:spPr>
+        <p:txBody>
+          <a:bodyPr vert="horz" lIns="91440" tIns="45720" rIns="91440" bIns="45720" rtlCol="0" anchor="b"/>
+          <a:lstStyle>
+            <a:lvl1pPr algn="l">
+              <a:defRPr sz="1200"/>
+            </a:lvl1pPr>
+          </a:lstStyle>
+          <a:p>
+            <a:endParaRPr lang="en-NO"/>
+          </a:p>
+        </p:txBody>
+      </p:sp>
+      <p:sp>
+        <p:nvSpPr>
+          <p:cNvPr id="7" name="Slide Number Placeholder 6"/>
+          <p:cNvSpPr>
+            <a:spLocks noGrp="1"/>
+          </p:cNvSpPr>
+          <p:nvPr>
+            <p:ph type="sldNum" sz="quarter" idx="5"/>
+          </p:nvPr>
+        </p:nvSpPr>
+        <p:spPr>
+          <a:xfrm>
+            <a:off x="3884613" y="8685213"/>
+            <a:ext cx="2971800" cy="458787"/>
+          </a:xfrm>
+          <a:prstGeom prst="rect">
+            <a:avLst/>
+          </a:prstGeom>
+        </p:spPr>
+        <p:txBody>
+          <a:bodyPr vert="horz" lIns="91440" tIns="45720" rIns="91440" bIns="45720" rtlCol="0" anchor="b"/>
+          <a:lstStyle>
+            <a:lvl1pPr algn="r">
+              <a:defRPr sz="1200"/>
+            </a:lvl1pPr>
+          </a:lstStyle>
+          <a:p>
+            <a:fld id="{59A2620C-78F1-9D47-9D90-2393B04579D4}" type="slidenum">
+              <a:rPr lang="en-NO" smtClean="0"/>
+              <a:t>‹#›</a:t>
+            </a:fld>
+            <a:endParaRPr lang="en-NO"/>
+          </a:p>
+        </p:txBody>
+      </p:sp>
+    </p:spTree>
+    <p:extLst>
+      <p:ext uri="{BB962C8B-B14F-4D97-AF65-F5344CB8AC3E}">
+        <p14:creationId xmlns:p14="http://schemas.microsoft.com/office/powerpoint/2010/main" val="810624761"/>
+      </p:ext>
+    </p:extLst>
+  </p:cSld>
+  <p:clrMap bg1="lt1" tx1="dk1" bg2="lt2" tx2="dk2" accent1="accent1" accent2="accent2" accent3="accent3" accent4="accent4" accent5="accent5" accent6="accent6" hlink="hlink" folHlink="folHlink"/>
+  <p:notesStyle>
+    <a:lvl1pPr marL="0" algn="l" defTabSz="914400" rtl="0" eaLnBrk="1" latinLnBrk="0" hangingPunct="1">
+      <a:defRPr sz="1200" kern="1200">
+        <a:solidFill>
+          <a:schemeClr val="tx1"/>
+        </a:solidFill>
+        <a:latin typeface="+mn-lt"/>
+        <a:ea typeface="+mn-ea"/>
+        <a:cs typeface="+mn-cs"/>
+      </a:defRPr>
+    </a:lvl1pPr>
+    <a:lvl2pPr marL="457200" algn="l" defTabSz="914400" rtl="0" eaLnBrk="1" latinLnBrk="0" hangingPunct="1">
+      <a:defRPr sz="1200" kern="1200">
+        <a:solidFill>
+          <a:schemeClr val="tx1"/>
+        </a:solidFill>
+        <a:latin typeface="+mn-lt"/>
+        <a:ea typeface="+mn-ea"/>
+        <a:cs typeface="+mn-cs"/>
+      </a:defRPr>
+    </a:lvl2pPr>
+    <a:lvl3pPr marL="914400" algn="l" defTabSz="914400" rtl="0" eaLnBrk="1" latinLnBrk="0" hangingPunct="1">
+      <a:defRPr sz="1200" kern="1200">
+        <a:solidFill>
+          <a:schemeClr val="tx1"/>
+        </a:solidFill>
+        <a:latin typeface="+mn-lt"/>
+        <a:ea typeface="+mn-ea"/>
+        <a:cs typeface="+mn-cs"/>
+      </a:defRPr>
+    </a:lvl3pPr>
+    <a:lvl4pPr marL="1371600" algn="l" defTabSz="914400" rtl="0" eaLnBrk="1" latinLnBrk="0" hangingPunct="1">
+      <a:defRPr sz="1200" kern="1200">
+        <a:solidFill>
+          <a:schemeClr val="tx1"/>
+        </a:solidFill>
+        <a:latin typeface="+mn-lt"/>
+        <a:ea typeface="+mn-ea"/>
+        <a:cs typeface="+mn-cs"/>
+      </a:defRPr>
+    </a:lvl4pPr>
+    <a:lvl5pPr marL="1828800" algn="l" defTabSz="914400" rtl="0" eaLnBrk="1" latinLnBrk="0" hangingPunct="1">
+      <a:defRPr sz="1200" kern="1200">
+        <a:solidFill>
+          <a:schemeClr val="tx1"/>
+        </a:solidFill>
+        <a:latin typeface="+mn-lt"/>
+        <a:ea typeface="+mn-ea"/>
+        <a:cs typeface="+mn-cs"/>
+      </a:defRPr>
+    </a:lvl5pPr>
+    <a:lvl6pPr marL="2286000" algn="l" defTabSz="914400" rtl="0" eaLnBrk="1" latinLnBrk="0" hangingPunct="1">
+      <a:defRPr sz="1200" kern="1200">
+        <a:solidFill>
+          <a:schemeClr val="tx1"/>
+        </a:solidFill>
+        <a:latin typeface="+mn-lt"/>
+        <a:ea typeface="+mn-ea"/>
+        <a:cs typeface="+mn-cs"/>
+      </a:defRPr>
+    </a:lvl6pPr>
+    <a:lvl7pPr marL="2743200" algn="l" defTabSz="914400" rtl="0" eaLnBrk="1" latinLnBrk="0" hangingPunct="1">
+      <a:defRPr sz="1200" kern="1200">
+        <a:solidFill>
+          <a:schemeClr val="tx1"/>
+        </a:solidFill>
+        <a:latin typeface="+mn-lt"/>
+        <a:ea typeface="+mn-ea"/>
+        <a:cs typeface="+mn-cs"/>
+      </a:defRPr>
+    </a:lvl7pPr>
+    <a:lvl8pPr marL="3200400" algn="l" defTabSz="914400" rtl="0" eaLnBrk="1" latinLnBrk="0" hangingPunct="1">
+      <a:defRPr sz="1200" kern="1200">
+        <a:solidFill>
+          <a:schemeClr val="tx1"/>
+        </a:solidFill>
+        <a:latin typeface="+mn-lt"/>
+        <a:ea typeface="+mn-ea"/>
+        <a:cs typeface="+mn-cs"/>
+      </a:defRPr>
+    </a:lvl8pPr>
+    <a:lvl9pPr marL="3657600" algn="l" defTabSz="914400" rtl="0" eaLnBrk="1" latinLnBrk="0" hangingPunct="1">
+      <a:defRPr sz="1200" kern="1200">
+        <a:solidFill>
+          <a:schemeClr val="tx1"/>
+        </a:solidFill>
+        <a:latin typeface="+mn-lt"/>
+        <a:ea typeface="+mn-ea"/>
+        <a:cs typeface="+mn-cs"/>
+      </a:defRPr>
+    </a:lvl9pPr>
+  </p:notesStyle>
+</p:notesMaster>
+</file>
+
+<file path=ppt/notesSlides/notesSlide1.xml><?xml version="1.0" encoding="utf-8"?>
+<p:notes xmlns:a="http://schemas.openxmlformats.org/drawingml/2006/main" xmlns:r="http://schemas.openxmlformats.org/officeDocument/2006/relationships" xmlns:p="http://schemas.openxmlformats.org/presentationml/2006/main">
+  <p:cSld>
+    <p:spTree>
+      <p:nvGrpSpPr>
+        <p:cNvPr id="1" name=""/>
+        <p:cNvGrpSpPr/>
+        <p:nvPr/>
+      </p:nvGrpSpPr>
+      <p:grpSpPr>
+        <a:xfrm>
+          <a:off x="0" y="0"/>
+          <a:ext cx="0" cy="0"/>
+          <a:chOff x="0" y="0"/>
+          <a:chExt cx="0" cy="0"/>
+        </a:xfrm>
+      </p:grpSpPr>
+      <p:sp>
+        <p:nvSpPr>
+          <p:cNvPr id="2" name="Slide Image Placeholder 1"/>
+          <p:cNvSpPr>
+            <a:spLocks noGrp="1" noRot="1" noChangeAspect="1"/>
+          </p:cNvSpPr>
+          <p:nvPr>
+            <p:ph type="sldImg"/>
+          </p:nvPr>
+        </p:nvSpPr>
+        <p:spPr/>
+      </p:sp>
+      <p:sp>
+        <p:nvSpPr>
+          <p:cNvPr id="3" name="Notes Placeholder 2"/>
+          <p:cNvSpPr>
+            <a:spLocks noGrp="1"/>
+          </p:cNvSpPr>
+          <p:nvPr>
+            <p:ph type="body" idx="1"/>
+          </p:nvPr>
+        </p:nvSpPr>
+        <p:spPr/>
+        <p:txBody>
+          <a:bodyPr/>
+          <a:lstStyle/>
+          <a:p>
+            <a:endParaRPr lang="en-NO" dirty="0"/>
+          </a:p>
+        </p:txBody>
+      </p:sp>
+      <p:sp>
+        <p:nvSpPr>
+          <p:cNvPr id="4" name="Slide Number Placeholder 3"/>
+          <p:cNvSpPr>
+            <a:spLocks noGrp="1"/>
+          </p:cNvSpPr>
+          <p:nvPr>
+            <p:ph type="sldNum" sz="quarter" idx="5"/>
+          </p:nvPr>
+        </p:nvSpPr>
+        <p:spPr/>
+        <p:txBody>
+          <a:bodyPr/>
+          <a:lstStyle/>
+          <a:p>
+            <a:fld id="{59A2620C-78F1-9D47-9D90-2393B04579D4}" type="slidenum">
+              <a:rPr lang="en-NO" smtClean="0"/>
+              <a:t>12</a:t>
+            </a:fld>
+            <a:endParaRPr lang="en-NO"/>
+          </a:p>
+        </p:txBody>
+      </p:sp>
+    </p:spTree>
+    <p:extLst>
+      <p:ext uri="{BB962C8B-B14F-4D97-AF65-F5344CB8AC3E}">
+        <p14:creationId xmlns:p14="http://schemas.microsoft.com/office/powerpoint/2010/main" val="4293968613"/>
+      </p:ext>
+    </p:extLst>
+  </p:cSld>
+  <p:clrMapOvr>
+    <a:masterClrMapping/>
+  </p:clrMapOvr>
+</p:notes>
+</file>
+
 <file path=ppt/slideLayouts/slideLayout1.xml><?xml version="1.0" encoding="utf-8"?>
 <p:sldLayout xmlns:a="http://schemas.openxmlformats.org/drawingml/2006/main" xmlns:r="http://schemas.openxmlformats.org/officeDocument/2006/relationships" xmlns:p="http://schemas.openxmlformats.org/presentationml/2006/main" type="title" preserve="1">
   <p:cSld name="Title Slide">
@@ -1713,7 +2150,7 @@
           <a:p>
             <a:fld id="{86121B6E-91AB-E243-B1AF-59665646A34F}" type="datetimeFigureOut">
               <a:rPr lang="en-NO" smtClean="0"/>
-              <a:t>07/03/2023</a:t>
+              <a:t>30/05/2023</a:t>
             </a:fld>
             <a:endParaRPr lang="en-NO"/>
           </a:p>
@@ -1883,7 +2320,7 @@
           <a:p>
             <a:fld id="{86121B6E-91AB-E243-B1AF-59665646A34F}" type="datetimeFigureOut">
               <a:rPr lang="en-NO" smtClean="0"/>
-              <a:t>07/03/2023</a:t>
+              <a:t>30/05/2023</a:t>
             </a:fld>
             <a:endParaRPr lang="en-NO"/>
           </a:p>
@@ -2063,7 +2500,7 @@
           <a:p>
             <a:fld id="{86121B6E-91AB-E243-B1AF-59665646A34F}" type="datetimeFigureOut">
               <a:rPr lang="en-NO" smtClean="0"/>
-              <a:t>07/03/2023</a:t>
+              <a:t>30/05/2023</a:t>
             </a:fld>
             <a:endParaRPr lang="en-NO"/>
           </a:p>
@@ -2233,7 +2670,7 @@
           <a:p>
             <a:fld id="{86121B6E-91AB-E243-B1AF-59665646A34F}" type="datetimeFigureOut">
               <a:rPr lang="en-NO" smtClean="0"/>
-              <a:t>07/03/2023</a:t>
+              <a:t>30/05/2023</a:t>
             </a:fld>
             <a:endParaRPr lang="en-NO"/>
           </a:p>
@@ -2477,7 +2914,7 @@
           <a:p>
             <a:fld id="{86121B6E-91AB-E243-B1AF-59665646A34F}" type="datetimeFigureOut">
               <a:rPr lang="en-NO" smtClean="0"/>
-              <a:t>07/03/2023</a:t>
+              <a:t>30/05/2023</a:t>
             </a:fld>
             <a:endParaRPr lang="en-NO"/>
           </a:p>
@@ -2709,7 +3146,7 @@
           <a:p>
             <a:fld id="{86121B6E-91AB-E243-B1AF-59665646A34F}" type="datetimeFigureOut">
               <a:rPr lang="en-NO" smtClean="0"/>
-              <a:t>07/03/2023</a:t>
+              <a:t>30/05/2023</a:t>
             </a:fld>
             <a:endParaRPr lang="en-NO"/>
           </a:p>
@@ -3076,7 +3513,7 @@
           <a:p>
             <a:fld id="{86121B6E-91AB-E243-B1AF-59665646A34F}" type="datetimeFigureOut">
               <a:rPr lang="en-NO" smtClean="0"/>
-              <a:t>07/03/2023</a:t>
+              <a:t>30/05/2023</a:t>
             </a:fld>
             <a:endParaRPr lang="en-NO"/>
           </a:p>
@@ -3194,7 +3631,7 @@
           <a:p>
             <a:fld id="{86121B6E-91AB-E243-B1AF-59665646A34F}" type="datetimeFigureOut">
               <a:rPr lang="en-NO" smtClean="0"/>
-              <a:t>07/03/2023</a:t>
+              <a:t>30/05/2023</a:t>
             </a:fld>
             <a:endParaRPr lang="en-NO"/>
           </a:p>
@@ -3289,7 +3726,7 @@
           <a:p>
             <a:fld id="{86121B6E-91AB-E243-B1AF-59665646A34F}" type="datetimeFigureOut">
               <a:rPr lang="en-NO" smtClean="0"/>
-              <a:t>07/03/2023</a:t>
+              <a:t>30/05/2023</a:t>
             </a:fld>
             <a:endParaRPr lang="en-NO"/>
           </a:p>
@@ -3566,7 +4003,7 @@
           <a:p>
             <a:fld id="{86121B6E-91AB-E243-B1AF-59665646A34F}" type="datetimeFigureOut">
               <a:rPr lang="en-NO" smtClean="0"/>
-              <a:t>07/03/2023</a:t>
+              <a:t>30/05/2023</a:t>
             </a:fld>
             <a:endParaRPr lang="en-NO"/>
           </a:p>
@@ -3823,7 +4260,7 @@
           <a:p>
             <a:fld id="{86121B6E-91AB-E243-B1AF-59665646A34F}" type="datetimeFigureOut">
               <a:rPr lang="en-NO" smtClean="0"/>
-              <a:t>07/03/2023</a:t>
+              <a:t>30/05/2023</a:t>
             </a:fld>
             <a:endParaRPr lang="en-NO"/>
           </a:p>
@@ -4036,7 +4473,7 @@
           <a:p>
             <a:fld id="{86121B6E-91AB-E243-B1AF-59665646A34F}" type="datetimeFigureOut">
               <a:rPr lang="en-NO" smtClean="0"/>
-              <a:t>07/03/2023</a:t>
+              <a:t>30/05/2023</a:t>
             </a:fld>
             <a:endParaRPr lang="en-NO"/>
           </a:p>
@@ -4507,10 +4944,10 @@
       </p:grpSpPr>
       <p:sp>
         <p:nvSpPr>
-          <p:cNvPr id="22" name="Hexagon 21">
+          <p:cNvPr id="11" name="Hexagon 10">
             <a:extLst>
               <a:ext uri="{FF2B5EF4-FFF2-40B4-BE49-F238E27FC236}">
-                <a16:creationId xmlns:a16="http://schemas.microsoft.com/office/drawing/2014/main" id="{FEF41C22-B492-4F4A-A87C-4B0F7A8FE87B}"/>
+                <a16:creationId xmlns:a16="http://schemas.microsoft.com/office/drawing/2014/main" id="{F07B6582-6C48-1673-4E3E-E19898643345}"/>
               </a:ext>
             </a:extLst>
           </p:cNvPr>
@@ -4521,7 +4958,7 @@
         </p:nvSpPr>
         <p:spPr>
           <a:xfrm rot="5400000">
-            <a:off x="-188550" y="359794"/>
+            <a:off x="-189075" y="359794"/>
             <a:ext cx="4156939" cy="3600000"/>
           </a:xfrm>
           <a:prstGeom prst="hexagon">
@@ -4531,11 +4968,11 @@
             </a:avLst>
           </a:prstGeom>
           <a:solidFill>
-            <a:srgbClr val="B8E2F2"/>
+            <a:srgbClr val="192A3A"/>
           </a:solidFill>
           <a:ln w="25400">
             <a:solidFill>
-              <a:srgbClr val="77B6CD"/>
+              <a:schemeClr val="bg1"/>
             </a:solidFill>
           </a:ln>
         </p:spPr>
@@ -4563,703 +5000,6 @@
             <a:endParaRPr lang="en-NO" sz="4400" b="1" dirty="0">
               <a:latin typeface="Helvetica" pitchFamily="2" charset="0"/>
             </a:endParaRPr>
-          </a:p>
-        </p:txBody>
-      </p:sp>
-      <p:pic>
-        <p:nvPicPr>
-          <p:cNvPr id="6" name="Graphic 5">
-            <a:extLst>
-              <a:ext uri="{FF2B5EF4-FFF2-40B4-BE49-F238E27FC236}">
-                <a16:creationId xmlns:a16="http://schemas.microsoft.com/office/drawing/2014/main" id="{99CA3CA4-C437-E649-A849-B11A7206CFCC}"/>
-              </a:ext>
-            </a:extLst>
-          </p:cNvPr>
-          <p:cNvPicPr>
-            <a:picLocks noChangeAspect="1"/>
-          </p:cNvPicPr>
-          <p:nvPr/>
-        </p:nvPicPr>
-        <p:blipFill rotWithShape="1">
-          <a:blip r:embed="rId2">
-            <a:extLst>
-              <a:ext uri="{96DAC541-7B7A-43D3-8B79-37D633B846F1}">
-                <asvg:svgBlip xmlns:asvg="http://schemas.microsoft.com/office/drawing/2016/SVG/main" r:embed="rId3"/>
-              </a:ext>
-            </a:extLst>
-          </a:blip>
-          <a:srcRect b="8729"/>
-          <a:stretch/>
-        </p:blipFill>
-        <p:spPr>
-          <a:xfrm>
-            <a:off x="1108099" y="1705626"/>
-            <a:ext cx="1563640" cy="2017961"/>
-          </a:xfrm>
-          <a:prstGeom prst="rect">
-            <a:avLst/>
-          </a:prstGeom>
-        </p:spPr>
-      </p:pic>
-      <p:sp>
-        <p:nvSpPr>
-          <p:cNvPr id="9" name="TextBox 8">
-            <a:extLst>
-              <a:ext uri="{FF2B5EF4-FFF2-40B4-BE49-F238E27FC236}">
-                <a16:creationId xmlns:a16="http://schemas.microsoft.com/office/drawing/2014/main" id="{0060CF30-5C30-F745-9F31-651FFC235366}"/>
-              </a:ext>
-            </a:extLst>
-          </p:cNvPr>
-          <p:cNvSpPr txBox="1"/>
-          <p:nvPr/>
-        </p:nvSpPr>
-        <p:spPr>
-          <a:xfrm>
-            <a:off x="243185" y="771286"/>
-            <a:ext cx="3293469" cy="830997"/>
-          </a:xfrm>
-          <a:prstGeom prst="rect">
-            <a:avLst/>
-          </a:prstGeom>
-          <a:noFill/>
-        </p:spPr>
-        <p:txBody>
-          <a:bodyPr wrap="square" rtlCol="0">
-            <a:spAutoFit/>
-          </a:bodyPr>
-          <a:lstStyle/>
-          <a:p>
-            <a:pPr algn="ctr"/>
-            <a:r>
-              <a:rPr lang="en-NO" sz="4800" b="1" dirty="0">
-                <a:latin typeface="Helvetica" pitchFamily="2" charset="0"/>
-              </a:rPr>
-              <a:t>csmaps</a:t>
-            </a:r>
-          </a:p>
-        </p:txBody>
-      </p:sp>
-    </p:spTree>
-    <p:extLst>
-      <p:ext uri="{BB962C8B-B14F-4D97-AF65-F5344CB8AC3E}">
-        <p14:creationId xmlns:p14="http://schemas.microsoft.com/office/powerpoint/2010/main" val="2278814892"/>
-      </p:ext>
-    </p:extLst>
-  </p:cSld>
-  <p:clrMapOvr>
-    <a:masterClrMapping/>
-  </p:clrMapOvr>
-</p:sld>
-</file>
-
-<file path=ppt/slides/slide11.xml><?xml version="1.0" encoding="utf-8"?>
-<p:sld xmlns:a="http://schemas.openxmlformats.org/drawingml/2006/main" xmlns:r="http://schemas.openxmlformats.org/officeDocument/2006/relationships" xmlns:p="http://schemas.openxmlformats.org/presentationml/2006/main">
-  <p:cSld>
-    <p:spTree>
-      <p:nvGrpSpPr>
-        <p:cNvPr id="1" name=""/>
-        <p:cNvGrpSpPr/>
-        <p:nvPr/>
-      </p:nvGrpSpPr>
-      <p:grpSpPr>
-        <a:xfrm>
-          <a:off x="0" y="0"/>
-          <a:ext cx="0" cy="0"/>
-          <a:chOff x="0" y="0"/>
-          <a:chExt cx="0" cy="0"/>
-        </a:xfrm>
-      </p:grpSpPr>
-      <p:sp>
-        <p:nvSpPr>
-          <p:cNvPr id="22" name="Hexagon 21">
-            <a:extLst>
-              <a:ext uri="{FF2B5EF4-FFF2-40B4-BE49-F238E27FC236}">
-                <a16:creationId xmlns:a16="http://schemas.microsoft.com/office/drawing/2014/main" id="{FEF41C22-B492-4F4A-A87C-4B0F7A8FE87B}"/>
-              </a:ext>
-            </a:extLst>
-          </p:cNvPr>
-          <p:cNvSpPr>
-            <a:spLocks noChangeAspect="1"/>
-          </p:cNvSpPr>
-          <p:nvPr/>
-        </p:nvSpPr>
-        <p:spPr>
-          <a:xfrm rot="5400000">
-            <a:off x="-188550" y="359794"/>
-            <a:ext cx="4156939" cy="3600000"/>
-          </a:xfrm>
-          <a:prstGeom prst="hexagon">
-            <a:avLst>
-              <a:gd name="adj" fmla="val 28906"/>
-              <a:gd name="vf" fmla="val 115470"/>
-            </a:avLst>
-          </a:prstGeom>
-          <a:solidFill>
-            <a:srgbClr val="B8E2F2"/>
-          </a:solidFill>
-          <a:ln w="25400">
-            <a:solidFill>
-              <a:srgbClr val="77B6CD"/>
-            </a:solidFill>
-          </a:ln>
-        </p:spPr>
-        <p:style>
-          <a:lnRef idx="2">
-            <a:schemeClr val="accent1">
-              <a:shade val="50000"/>
-            </a:schemeClr>
-          </a:lnRef>
-          <a:fillRef idx="1">
-            <a:schemeClr val="accent1"/>
-          </a:fillRef>
-          <a:effectRef idx="0">
-            <a:schemeClr val="accent1"/>
-          </a:effectRef>
-          <a:fontRef idx="minor">
-            <a:schemeClr val="lt1"/>
-          </a:fontRef>
-        </p:style>
-        <p:txBody>
-          <a:bodyPr rtlCol="0" anchor="ctr"/>
-          <a:lstStyle/>
-          <a:p>
-            <a:pPr algn="ctr"/>
-            <a:endParaRPr lang="en-NO" sz="4400" b="1" dirty="0">
-              <a:latin typeface="Helvetica" pitchFamily="2" charset="0"/>
-            </a:endParaRPr>
-          </a:p>
-        </p:txBody>
-      </p:sp>
-      <p:sp>
-        <p:nvSpPr>
-          <p:cNvPr id="9" name="TextBox 8">
-            <a:extLst>
-              <a:ext uri="{FF2B5EF4-FFF2-40B4-BE49-F238E27FC236}">
-                <a16:creationId xmlns:a16="http://schemas.microsoft.com/office/drawing/2014/main" id="{0060CF30-5C30-F745-9F31-651FFC235366}"/>
-              </a:ext>
-            </a:extLst>
-          </p:cNvPr>
-          <p:cNvSpPr txBox="1"/>
-          <p:nvPr/>
-        </p:nvSpPr>
-        <p:spPr>
-          <a:xfrm>
-            <a:off x="89394" y="771286"/>
-            <a:ext cx="3600001" cy="830997"/>
-          </a:xfrm>
-          <a:prstGeom prst="rect">
-            <a:avLst/>
-          </a:prstGeom>
-          <a:noFill/>
-        </p:spPr>
-        <p:txBody>
-          <a:bodyPr wrap="square" rtlCol="0">
-            <a:spAutoFit/>
-          </a:bodyPr>
-          <a:lstStyle/>
-          <a:p>
-            <a:pPr algn="ctr"/>
-            <a:r>
-              <a:rPr lang="en-NO" sz="4800" b="1" dirty="0">
-                <a:latin typeface="Helvetica" pitchFamily="2" charset="0"/>
-              </a:rPr>
-              <a:t>csstyle</a:t>
-            </a:r>
-          </a:p>
-        </p:txBody>
-      </p:sp>
-      <p:pic>
-        <p:nvPicPr>
-          <p:cNvPr id="5" name="Graphic 4">
-            <a:extLst>
-              <a:ext uri="{FF2B5EF4-FFF2-40B4-BE49-F238E27FC236}">
-                <a16:creationId xmlns:a16="http://schemas.microsoft.com/office/drawing/2014/main" id="{B0010CF0-6059-6147-B531-F82C12D55922}"/>
-              </a:ext>
-            </a:extLst>
-          </p:cNvPr>
-          <p:cNvPicPr>
-            <a:picLocks noChangeAspect="1"/>
-          </p:cNvPicPr>
-          <p:nvPr/>
-        </p:nvPicPr>
-        <p:blipFill>
-          <a:blip r:embed="rId2">
-            <a:extLst>
-              <a:ext uri="{96DAC541-7B7A-43D3-8B79-37D633B846F1}">
-                <asvg:svgBlip xmlns:asvg="http://schemas.microsoft.com/office/drawing/2016/SVG/main" r:embed="rId3"/>
-              </a:ext>
-            </a:extLst>
-          </a:blip>
-          <a:stretch>
-            <a:fillRect/>
-          </a:stretch>
-        </p:blipFill>
-        <p:spPr>
-          <a:xfrm>
-            <a:off x="900737" y="1954263"/>
-            <a:ext cx="1977313" cy="1440000"/>
-          </a:xfrm>
-          <a:prstGeom prst="rect">
-            <a:avLst/>
-          </a:prstGeom>
-        </p:spPr>
-      </p:pic>
-    </p:spTree>
-    <p:extLst>
-      <p:ext uri="{BB962C8B-B14F-4D97-AF65-F5344CB8AC3E}">
-        <p14:creationId xmlns:p14="http://schemas.microsoft.com/office/powerpoint/2010/main" val="1132675870"/>
-      </p:ext>
-    </p:extLst>
-  </p:cSld>
-  <p:clrMapOvr>
-    <a:masterClrMapping/>
-  </p:clrMapOvr>
-</p:sld>
-</file>
-
-<file path=ppt/slides/slide12.xml><?xml version="1.0" encoding="utf-8"?>
-<p:sld xmlns:a="http://schemas.openxmlformats.org/drawingml/2006/main" xmlns:r="http://schemas.openxmlformats.org/officeDocument/2006/relationships" xmlns:p="http://schemas.openxmlformats.org/presentationml/2006/main">
-  <p:cSld>
-    <p:spTree>
-      <p:nvGrpSpPr>
-        <p:cNvPr id="1" name=""/>
-        <p:cNvGrpSpPr/>
-        <p:nvPr/>
-      </p:nvGrpSpPr>
-      <p:grpSpPr>
-        <a:xfrm>
-          <a:off x="0" y="0"/>
-          <a:ext cx="0" cy="0"/>
-          <a:chOff x="0" y="0"/>
-          <a:chExt cx="0" cy="0"/>
-        </a:xfrm>
-      </p:grpSpPr>
-      <p:sp>
-        <p:nvSpPr>
-          <p:cNvPr id="22" name="Hexagon 21">
-            <a:extLst>
-              <a:ext uri="{FF2B5EF4-FFF2-40B4-BE49-F238E27FC236}">
-                <a16:creationId xmlns:a16="http://schemas.microsoft.com/office/drawing/2014/main" id="{FEF41C22-B492-4F4A-A87C-4B0F7A8FE87B}"/>
-              </a:ext>
-            </a:extLst>
-          </p:cNvPr>
-          <p:cNvSpPr>
-            <a:spLocks noChangeAspect="1"/>
-          </p:cNvSpPr>
-          <p:nvPr/>
-        </p:nvSpPr>
-        <p:spPr>
-          <a:xfrm rot="5400000">
-            <a:off x="-188550" y="359794"/>
-            <a:ext cx="4156939" cy="3600000"/>
-          </a:xfrm>
-          <a:prstGeom prst="hexagon">
-            <a:avLst>
-              <a:gd name="adj" fmla="val 28906"/>
-              <a:gd name="vf" fmla="val 115470"/>
-            </a:avLst>
-          </a:prstGeom>
-          <a:solidFill>
-            <a:srgbClr val="B8E2F2"/>
-          </a:solidFill>
-          <a:ln w="25400">
-            <a:solidFill>
-              <a:srgbClr val="77B6CD"/>
-            </a:solidFill>
-          </a:ln>
-        </p:spPr>
-        <p:style>
-          <a:lnRef idx="2">
-            <a:schemeClr val="accent1">
-              <a:shade val="50000"/>
-            </a:schemeClr>
-          </a:lnRef>
-          <a:fillRef idx="1">
-            <a:schemeClr val="accent1"/>
-          </a:fillRef>
-          <a:effectRef idx="0">
-            <a:schemeClr val="accent1"/>
-          </a:effectRef>
-          <a:fontRef idx="minor">
-            <a:schemeClr val="lt1"/>
-          </a:fontRef>
-        </p:style>
-        <p:txBody>
-          <a:bodyPr rtlCol="0" anchor="ctr"/>
-          <a:lstStyle/>
-          <a:p>
-            <a:pPr algn="ctr"/>
-            <a:endParaRPr lang="en-NO" sz="4400" b="1" dirty="0">
-              <a:latin typeface="Helvetica" pitchFamily="2" charset="0"/>
-            </a:endParaRPr>
-          </a:p>
-        </p:txBody>
-      </p:sp>
-      <p:sp>
-        <p:nvSpPr>
-          <p:cNvPr id="9" name="TextBox 8">
-            <a:extLst>
-              <a:ext uri="{FF2B5EF4-FFF2-40B4-BE49-F238E27FC236}">
-                <a16:creationId xmlns:a16="http://schemas.microsoft.com/office/drawing/2014/main" id="{0060CF30-5C30-F745-9F31-651FFC235366}"/>
-              </a:ext>
-            </a:extLst>
-          </p:cNvPr>
-          <p:cNvSpPr txBox="1"/>
-          <p:nvPr/>
-        </p:nvSpPr>
-        <p:spPr>
-          <a:xfrm>
-            <a:off x="89394" y="771286"/>
-            <a:ext cx="3600001" cy="830997"/>
-          </a:xfrm>
-          <a:prstGeom prst="rect">
-            <a:avLst/>
-          </a:prstGeom>
-          <a:noFill/>
-        </p:spPr>
-        <p:txBody>
-          <a:bodyPr wrap="square" rtlCol="0">
-            <a:spAutoFit/>
-          </a:bodyPr>
-          <a:lstStyle/>
-          <a:p>
-            <a:pPr algn="ctr"/>
-            <a:r>
-              <a:rPr lang="en-NO" sz="4800" b="1" dirty="0">
-                <a:latin typeface="Helvetica" pitchFamily="2" charset="0"/>
-              </a:rPr>
-              <a:t>cstidy</a:t>
-            </a:r>
-          </a:p>
-        </p:txBody>
-      </p:sp>
-      <p:pic>
-        <p:nvPicPr>
-          <p:cNvPr id="4" name="Graphic 3">
-            <a:extLst>
-              <a:ext uri="{FF2B5EF4-FFF2-40B4-BE49-F238E27FC236}">
-                <a16:creationId xmlns:a16="http://schemas.microsoft.com/office/drawing/2014/main" id="{D67E4994-48FC-3745-AA10-5928F689FEFB}"/>
-              </a:ext>
-            </a:extLst>
-          </p:cNvPr>
-          <p:cNvPicPr>
-            <a:picLocks noChangeAspect="1"/>
-          </p:cNvPicPr>
-          <p:nvPr/>
-        </p:nvPicPr>
-        <p:blipFill>
-          <a:blip r:embed="rId2">
-            <a:extLst>
-              <a:ext uri="{96DAC541-7B7A-43D3-8B79-37D633B846F1}">
-                <asvg:svgBlip xmlns:asvg="http://schemas.microsoft.com/office/drawing/2016/SVG/main" r:embed="rId3"/>
-              </a:ext>
-            </a:extLst>
-          </a:blip>
-          <a:stretch>
-            <a:fillRect/>
-          </a:stretch>
-        </p:blipFill>
-        <p:spPr>
-          <a:xfrm>
-            <a:off x="1127994" y="1861986"/>
-            <a:ext cx="1522800" cy="1440039"/>
-          </a:xfrm>
-          <a:prstGeom prst="rect">
-            <a:avLst/>
-          </a:prstGeom>
-        </p:spPr>
-      </p:pic>
-    </p:spTree>
-    <p:extLst>
-      <p:ext uri="{BB962C8B-B14F-4D97-AF65-F5344CB8AC3E}">
-        <p14:creationId xmlns:p14="http://schemas.microsoft.com/office/powerpoint/2010/main" val="3577365308"/>
-      </p:ext>
-    </p:extLst>
-  </p:cSld>
-  <p:clrMapOvr>
-    <a:masterClrMapping/>
-  </p:clrMapOvr>
-</p:sld>
-</file>
-
-<file path=ppt/slides/slide13.xml><?xml version="1.0" encoding="utf-8"?>
-<p:sld xmlns:a="http://schemas.openxmlformats.org/drawingml/2006/main" xmlns:r="http://schemas.openxmlformats.org/officeDocument/2006/relationships" xmlns:p="http://schemas.openxmlformats.org/presentationml/2006/main">
-  <p:cSld>
-    <p:spTree>
-      <p:nvGrpSpPr>
-        <p:cNvPr id="1" name=""/>
-        <p:cNvGrpSpPr/>
-        <p:nvPr/>
-      </p:nvGrpSpPr>
-      <p:grpSpPr>
-        <a:xfrm>
-          <a:off x="0" y="0"/>
-          <a:ext cx="0" cy="0"/>
-          <a:chOff x="0" y="0"/>
-          <a:chExt cx="0" cy="0"/>
-        </a:xfrm>
-      </p:grpSpPr>
-      <p:sp>
-        <p:nvSpPr>
-          <p:cNvPr id="22" name="Hexagon 21">
-            <a:extLst>
-              <a:ext uri="{FF2B5EF4-FFF2-40B4-BE49-F238E27FC236}">
-                <a16:creationId xmlns:a16="http://schemas.microsoft.com/office/drawing/2014/main" id="{FEF41C22-B492-4F4A-A87C-4B0F7A8FE87B}"/>
-              </a:ext>
-            </a:extLst>
-          </p:cNvPr>
-          <p:cNvSpPr>
-            <a:spLocks noChangeAspect="1"/>
-          </p:cNvSpPr>
-          <p:nvPr/>
-        </p:nvSpPr>
-        <p:spPr>
-          <a:xfrm rot="5400000">
-            <a:off x="-188550" y="359794"/>
-            <a:ext cx="4156939" cy="3600000"/>
-          </a:xfrm>
-          <a:prstGeom prst="hexagon">
-            <a:avLst>
-              <a:gd name="adj" fmla="val 28906"/>
-              <a:gd name="vf" fmla="val 115470"/>
-            </a:avLst>
-          </a:prstGeom>
-          <a:solidFill>
-            <a:srgbClr val="B8E2F2"/>
-          </a:solidFill>
-          <a:ln w="25400">
-            <a:solidFill>
-              <a:srgbClr val="77B6CD"/>
-            </a:solidFill>
-          </a:ln>
-        </p:spPr>
-        <p:style>
-          <a:lnRef idx="2">
-            <a:schemeClr val="accent1">
-              <a:shade val="50000"/>
-            </a:schemeClr>
-          </a:lnRef>
-          <a:fillRef idx="1">
-            <a:schemeClr val="accent1"/>
-          </a:fillRef>
-          <a:effectRef idx="0">
-            <a:schemeClr val="accent1"/>
-          </a:effectRef>
-          <a:fontRef idx="minor">
-            <a:schemeClr val="lt1"/>
-          </a:fontRef>
-        </p:style>
-        <p:txBody>
-          <a:bodyPr rtlCol="0" anchor="ctr"/>
-          <a:lstStyle/>
-          <a:p>
-            <a:pPr algn="ctr"/>
-            <a:endParaRPr lang="en-NO" sz="4400" b="1" dirty="0">
-              <a:latin typeface="Helvetica" pitchFamily="2" charset="0"/>
-            </a:endParaRPr>
-          </a:p>
-        </p:txBody>
-      </p:sp>
-      <p:sp>
-        <p:nvSpPr>
-          <p:cNvPr id="9" name="TextBox 8">
-            <a:extLst>
-              <a:ext uri="{FF2B5EF4-FFF2-40B4-BE49-F238E27FC236}">
-                <a16:creationId xmlns:a16="http://schemas.microsoft.com/office/drawing/2014/main" id="{0060CF30-5C30-F745-9F31-651FFC235366}"/>
-              </a:ext>
-            </a:extLst>
-          </p:cNvPr>
-          <p:cNvSpPr txBox="1"/>
-          <p:nvPr/>
-        </p:nvSpPr>
-        <p:spPr>
-          <a:xfrm>
-            <a:off x="89394" y="771286"/>
-            <a:ext cx="3600001" cy="830997"/>
-          </a:xfrm>
-          <a:prstGeom prst="rect">
-            <a:avLst/>
-          </a:prstGeom>
-          <a:noFill/>
-        </p:spPr>
-        <p:txBody>
-          <a:bodyPr wrap="square" rtlCol="0">
-            <a:spAutoFit/>
-          </a:bodyPr>
-          <a:lstStyle/>
-          <a:p>
-            <a:pPr algn="ctr"/>
-            <a:r>
-              <a:rPr lang="en-NO" sz="4800" b="1" dirty="0">
-                <a:latin typeface="Helvetica" pitchFamily="2" charset="0"/>
-              </a:rPr>
-              <a:t>cstime</a:t>
-            </a:r>
-          </a:p>
-        </p:txBody>
-      </p:sp>
-      <p:pic>
-        <p:nvPicPr>
-          <p:cNvPr id="3" name="Graphic 2">
-            <a:extLst>
-              <a:ext uri="{FF2B5EF4-FFF2-40B4-BE49-F238E27FC236}">
-                <a16:creationId xmlns:a16="http://schemas.microsoft.com/office/drawing/2014/main" id="{1A4081C0-71C3-974C-9941-7012070FA0B5}"/>
-              </a:ext>
-            </a:extLst>
-          </p:cNvPr>
-          <p:cNvPicPr>
-            <a:picLocks noChangeAspect="1"/>
-          </p:cNvPicPr>
-          <p:nvPr/>
-        </p:nvPicPr>
-        <p:blipFill>
-          <a:blip r:embed="rId2">
-            <a:extLst>
-              <a:ext uri="{96DAC541-7B7A-43D3-8B79-37D633B846F1}">
-                <asvg:svgBlip xmlns:asvg="http://schemas.microsoft.com/office/drawing/2016/SVG/main" r:embed="rId3"/>
-              </a:ext>
-            </a:extLst>
-          </a:blip>
-          <a:stretch>
-            <a:fillRect/>
-          </a:stretch>
-        </p:blipFill>
-        <p:spPr>
-          <a:xfrm>
-            <a:off x="1136666" y="1925085"/>
-            <a:ext cx="1505455" cy="1440000"/>
-          </a:xfrm>
-          <a:prstGeom prst="rect">
-            <a:avLst/>
-          </a:prstGeom>
-        </p:spPr>
-      </p:pic>
-    </p:spTree>
-    <p:extLst>
-      <p:ext uri="{BB962C8B-B14F-4D97-AF65-F5344CB8AC3E}">
-        <p14:creationId xmlns:p14="http://schemas.microsoft.com/office/powerpoint/2010/main" val="3682470059"/>
-      </p:ext>
-    </p:extLst>
-  </p:cSld>
-  <p:clrMapOvr>
-    <a:masterClrMapping/>
-  </p:clrMapOvr>
-</p:sld>
-</file>
-
-<file path=ppt/slides/slide14.xml><?xml version="1.0" encoding="utf-8"?>
-<p:sld xmlns:a="http://schemas.openxmlformats.org/drawingml/2006/main" xmlns:r="http://schemas.openxmlformats.org/officeDocument/2006/relationships" xmlns:p="http://schemas.openxmlformats.org/presentationml/2006/main">
-  <p:cSld>
-    <p:spTree>
-      <p:nvGrpSpPr>
-        <p:cNvPr id="1" name=""/>
-        <p:cNvGrpSpPr/>
-        <p:nvPr/>
-      </p:nvGrpSpPr>
-      <p:grpSpPr>
-        <a:xfrm>
-          <a:off x="0" y="0"/>
-          <a:ext cx="0" cy="0"/>
-          <a:chOff x="0" y="0"/>
-          <a:chExt cx="0" cy="0"/>
-        </a:xfrm>
-      </p:grpSpPr>
-      <p:sp>
-        <p:nvSpPr>
-          <p:cNvPr id="22" name="Hexagon 21">
-            <a:extLst>
-              <a:ext uri="{FF2B5EF4-FFF2-40B4-BE49-F238E27FC236}">
-                <a16:creationId xmlns:a16="http://schemas.microsoft.com/office/drawing/2014/main" id="{FEF41C22-B492-4F4A-A87C-4B0F7A8FE87B}"/>
-              </a:ext>
-            </a:extLst>
-          </p:cNvPr>
-          <p:cNvSpPr>
-            <a:spLocks noChangeAspect="1"/>
-          </p:cNvSpPr>
-          <p:nvPr/>
-        </p:nvSpPr>
-        <p:spPr>
-          <a:xfrm rot="5400000">
-            <a:off x="-188550" y="359794"/>
-            <a:ext cx="4156939" cy="3600000"/>
-          </a:xfrm>
-          <a:prstGeom prst="hexagon">
-            <a:avLst>
-              <a:gd name="adj" fmla="val 28906"/>
-              <a:gd name="vf" fmla="val 115470"/>
-            </a:avLst>
-          </a:prstGeom>
-          <a:solidFill>
-            <a:srgbClr val="B8E2F2"/>
-          </a:solidFill>
-          <a:ln w="25400">
-            <a:solidFill>
-              <a:srgbClr val="77B6CD"/>
-            </a:solidFill>
-          </a:ln>
-        </p:spPr>
-        <p:style>
-          <a:lnRef idx="2">
-            <a:schemeClr val="accent1">
-              <a:shade val="50000"/>
-            </a:schemeClr>
-          </a:lnRef>
-          <a:fillRef idx="1">
-            <a:schemeClr val="accent1"/>
-          </a:fillRef>
-          <a:effectRef idx="0">
-            <a:schemeClr val="accent1"/>
-          </a:effectRef>
-          <a:fontRef idx="minor">
-            <a:schemeClr val="lt1"/>
-          </a:fontRef>
-        </p:style>
-        <p:txBody>
-          <a:bodyPr rtlCol="0" anchor="ctr"/>
-          <a:lstStyle/>
-          <a:p>
-            <a:pPr algn="ctr"/>
-            <a:endParaRPr lang="en-NO" sz="4400" b="1" dirty="0">
-              <a:latin typeface="Helvetica" pitchFamily="2" charset="0"/>
-            </a:endParaRPr>
-          </a:p>
-        </p:txBody>
-      </p:sp>
-      <p:sp>
-        <p:nvSpPr>
-          <p:cNvPr id="9" name="TextBox 8">
-            <a:extLst>
-              <a:ext uri="{FF2B5EF4-FFF2-40B4-BE49-F238E27FC236}">
-                <a16:creationId xmlns:a16="http://schemas.microsoft.com/office/drawing/2014/main" id="{0060CF30-5C30-F745-9F31-651FFC235366}"/>
-              </a:ext>
-            </a:extLst>
-          </p:cNvPr>
-          <p:cNvSpPr txBox="1"/>
-          <p:nvPr/>
-        </p:nvSpPr>
-        <p:spPr>
-          <a:xfrm>
-            <a:off x="89394" y="771286"/>
-            <a:ext cx="3600001" cy="830997"/>
-          </a:xfrm>
-          <a:prstGeom prst="rect">
-            <a:avLst/>
-          </a:prstGeom>
-          <a:noFill/>
-        </p:spPr>
-        <p:txBody>
-          <a:bodyPr wrap="square" rtlCol="0">
-            <a:spAutoFit/>
-          </a:bodyPr>
-          <a:lstStyle/>
-          <a:p>
-            <a:pPr algn="ctr"/>
-            <a:r>
-              <a:rPr lang="en-NO" sz="4800" b="1" dirty="0">
-                <a:latin typeface="Helvetica" pitchFamily="2" charset="0"/>
-              </a:rPr>
-              <a:t>sc9</a:t>
-            </a:r>
           </a:p>
         </p:txBody>
       </p:sp>
@@ -5290,8 +5030,407 @@
         </p:blipFill>
         <p:spPr>
           <a:xfrm>
-            <a:off x="1153919" y="1925085"/>
-            <a:ext cx="1472000" cy="1440000"/>
+            <a:off x="1153919" y="794587"/>
+            <a:ext cx="1472000" cy="1408000"/>
+          </a:xfrm>
+          <a:prstGeom prst="rect">
+            <a:avLst/>
+          </a:prstGeom>
+        </p:spPr>
+      </p:pic>
+      <p:sp>
+        <p:nvSpPr>
+          <p:cNvPr id="2" name="TextBox 1">
+            <a:extLst>
+              <a:ext uri="{FF2B5EF4-FFF2-40B4-BE49-F238E27FC236}">
+                <a16:creationId xmlns:a16="http://schemas.microsoft.com/office/drawing/2014/main" id="{9CEF5173-E251-09D1-19BF-50A15B4D00D0}"/>
+              </a:ext>
+            </a:extLst>
+          </p:cNvPr>
+          <p:cNvSpPr txBox="1"/>
+          <p:nvPr/>
+        </p:nvSpPr>
+        <p:spPr>
+          <a:xfrm>
+            <a:off x="89393" y="2469166"/>
+            <a:ext cx="3600001" cy="699336"/>
+          </a:xfrm>
+          <a:prstGeom prst="rect">
+            <a:avLst/>
+          </a:prstGeom>
+          <a:solidFill>
+            <a:srgbClr val="E84B3B"/>
+          </a:solidFill>
+          <a:ln w="25400">
+            <a:solidFill>
+              <a:schemeClr val="bg1"/>
+            </a:solidFill>
+          </a:ln>
+        </p:spPr>
+        <p:txBody>
+          <a:bodyPr wrap="square" bIns="46800" rtlCol="0" anchor="ctr" anchorCtr="0">
+            <a:noAutofit/>
+          </a:bodyPr>
+          <a:lstStyle/>
+          <a:p>
+            <a:pPr algn="ctr"/>
+            <a:r>
+              <a:rPr lang="en-NO" sz="4000" b="1" dirty="0">
+                <a:solidFill>
+                  <a:schemeClr val="bg1"/>
+                </a:solidFill>
+                <a:latin typeface="Source Sans Pro" panose="020B0503030403020204" pitchFamily="34" charset="0"/>
+                <a:ea typeface="Source Sans Pro" panose="020B0503030403020204" pitchFamily="34" charset="0"/>
+              </a:rPr>
+              <a:t>cstime</a:t>
+            </a:r>
+          </a:p>
+        </p:txBody>
+      </p:sp>
+    </p:spTree>
+    <p:extLst>
+      <p:ext uri="{BB962C8B-B14F-4D97-AF65-F5344CB8AC3E}">
+        <p14:creationId xmlns:p14="http://schemas.microsoft.com/office/powerpoint/2010/main" val="651284833"/>
+      </p:ext>
+    </p:extLst>
+  </p:cSld>
+  <p:clrMapOvr>
+    <a:masterClrMapping/>
+  </p:clrMapOvr>
+</p:sld>
+</file>
+
+<file path=ppt/slides/slide11.xml><?xml version="1.0" encoding="utf-8"?>
+<p:sld xmlns:a="http://schemas.openxmlformats.org/drawingml/2006/main" xmlns:r="http://schemas.openxmlformats.org/officeDocument/2006/relationships" xmlns:p="http://schemas.openxmlformats.org/presentationml/2006/main">
+  <p:cSld>
+    <p:spTree>
+      <p:nvGrpSpPr>
+        <p:cNvPr id="1" name=""/>
+        <p:cNvGrpSpPr/>
+        <p:nvPr/>
+      </p:nvGrpSpPr>
+      <p:grpSpPr>
+        <a:xfrm>
+          <a:off x="0" y="0"/>
+          <a:ext cx="0" cy="0"/>
+          <a:chOff x="0" y="0"/>
+          <a:chExt cx="0" cy="0"/>
+        </a:xfrm>
+      </p:grpSpPr>
+      <p:sp>
+        <p:nvSpPr>
+          <p:cNvPr id="11" name="Hexagon 10">
+            <a:extLst>
+              <a:ext uri="{FF2B5EF4-FFF2-40B4-BE49-F238E27FC236}">
+                <a16:creationId xmlns:a16="http://schemas.microsoft.com/office/drawing/2014/main" id="{F07B6582-6C48-1673-4E3E-E19898643345}"/>
+              </a:ext>
+            </a:extLst>
+          </p:cNvPr>
+          <p:cNvSpPr>
+            <a:spLocks noChangeAspect="1"/>
+          </p:cNvSpPr>
+          <p:nvPr/>
+        </p:nvSpPr>
+        <p:spPr>
+          <a:xfrm rot="5400000">
+            <a:off x="-189075" y="359794"/>
+            <a:ext cx="4156939" cy="3600000"/>
+          </a:xfrm>
+          <a:prstGeom prst="hexagon">
+            <a:avLst>
+              <a:gd name="adj" fmla="val 28906"/>
+              <a:gd name="vf" fmla="val 115470"/>
+            </a:avLst>
+          </a:prstGeom>
+          <a:solidFill>
+            <a:srgbClr val="192A3A"/>
+          </a:solidFill>
+          <a:ln w="25400">
+            <a:solidFill>
+              <a:schemeClr val="bg1"/>
+            </a:solidFill>
+          </a:ln>
+        </p:spPr>
+        <p:style>
+          <a:lnRef idx="2">
+            <a:schemeClr val="accent1">
+              <a:shade val="50000"/>
+            </a:schemeClr>
+          </a:lnRef>
+          <a:fillRef idx="1">
+            <a:schemeClr val="accent1"/>
+          </a:fillRef>
+          <a:effectRef idx="0">
+            <a:schemeClr val="accent1"/>
+          </a:effectRef>
+          <a:fontRef idx="minor">
+            <a:schemeClr val="lt1"/>
+          </a:fontRef>
+        </p:style>
+        <p:txBody>
+          <a:bodyPr rtlCol="0" anchor="ctr"/>
+          <a:lstStyle/>
+          <a:p>
+            <a:pPr algn="ctr"/>
+            <a:endParaRPr lang="en-NO" sz="4400" b="1" dirty="0">
+              <a:latin typeface="Helvetica" pitchFamily="2" charset="0"/>
+            </a:endParaRPr>
+          </a:p>
+        </p:txBody>
+      </p:sp>
+      <p:pic>
+        <p:nvPicPr>
+          <p:cNvPr id="3" name="Graphic 2">
+            <a:extLst>
+              <a:ext uri="{FF2B5EF4-FFF2-40B4-BE49-F238E27FC236}">
+                <a16:creationId xmlns:a16="http://schemas.microsoft.com/office/drawing/2014/main" id="{1A4081C0-71C3-974C-9941-7012070FA0B5}"/>
+              </a:ext>
+            </a:extLst>
+          </p:cNvPr>
+          <p:cNvPicPr>
+            <a:picLocks noChangeAspect="1"/>
+          </p:cNvPicPr>
+          <p:nvPr/>
+        </p:nvPicPr>
+        <p:blipFill>
+          <a:blip r:embed="rId2">
+            <a:extLst>
+              <a:ext uri="{96DAC541-7B7A-43D3-8B79-37D633B846F1}">
+                <asvg:svgBlip xmlns:asvg="http://schemas.microsoft.com/office/drawing/2016/SVG/main" r:embed="rId3"/>
+              </a:ext>
+            </a:extLst>
+          </a:blip>
+          <a:srcRect/>
+          <a:stretch/>
+        </p:blipFill>
+        <p:spPr>
+          <a:xfrm>
+            <a:off x="1279221" y="778587"/>
+            <a:ext cx="1220869" cy="1440000"/>
+          </a:xfrm>
+          <a:prstGeom prst="rect">
+            <a:avLst/>
+          </a:prstGeom>
+        </p:spPr>
+      </p:pic>
+      <p:sp>
+        <p:nvSpPr>
+          <p:cNvPr id="2" name="TextBox 1">
+            <a:extLst>
+              <a:ext uri="{FF2B5EF4-FFF2-40B4-BE49-F238E27FC236}">
+                <a16:creationId xmlns:a16="http://schemas.microsoft.com/office/drawing/2014/main" id="{87A7AAA5-3BC9-8619-E954-2A8E44229E60}"/>
+              </a:ext>
+            </a:extLst>
+          </p:cNvPr>
+          <p:cNvSpPr txBox="1"/>
+          <p:nvPr/>
+        </p:nvSpPr>
+        <p:spPr>
+          <a:xfrm>
+            <a:off x="89393" y="2469166"/>
+            <a:ext cx="3600001" cy="699336"/>
+          </a:xfrm>
+          <a:prstGeom prst="rect">
+            <a:avLst/>
+          </a:prstGeom>
+          <a:solidFill>
+            <a:srgbClr val="E84B3B"/>
+          </a:solidFill>
+          <a:ln w="25400">
+            <a:solidFill>
+              <a:schemeClr val="bg1"/>
+            </a:solidFill>
+          </a:ln>
+        </p:spPr>
+        <p:txBody>
+          <a:bodyPr wrap="square" bIns="46800" rtlCol="0" anchor="ctr" anchorCtr="0">
+            <a:noAutofit/>
+          </a:bodyPr>
+          <a:lstStyle/>
+          <a:p>
+            <a:pPr algn="ctr"/>
+            <a:r>
+              <a:rPr lang="en-NO" sz="4000" b="1" dirty="0">
+                <a:solidFill>
+                  <a:schemeClr val="bg1"/>
+                </a:solidFill>
+                <a:latin typeface="Source Sans Pro" panose="020B0503030403020204" pitchFamily="34" charset="0"/>
+                <a:ea typeface="Source Sans Pro" panose="020B0503030403020204" pitchFamily="34" charset="0"/>
+              </a:rPr>
+              <a:t>csutil</a:t>
+            </a:r>
+          </a:p>
+        </p:txBody>
+      </p:sp>
+    </p:spTree>
+    <p:extLst>
+      <p:ext uri="{BB962C8B-B14F-4D97-AF65-F5344CB8AC3E}">
+        <p14:creationId xmlns:p14="http://schemas.microsoft.com/office/powerpoint/2010/main" val="2956244991"/>
+      </p:ext>
+    </p:extLst>
+  </p:cSld>
+  <p:clrMapOvr>
+    <a:masterClrMapping/>
+  </p:clrMapOvr>
+</p:sld>
+</file>
+
+<file path=ppt/slides/slide12.xml><?xml version="1.0" encoding="utf-8"?>
+<p:sld xmlns:a="http://schemas.openxmlformats.org/drawingml/2006/main" xmlns:r="http://schemas.openxmlformats.org/officeDocument/2006/relationships" xmlns:p="http://schemas.openxmlformats.org/presentationml/2006/main">
+  <p:cSld>
+    <p:spTree>
+      <p:nvGrpSpPr>
+        <p:cNvPr id="1" name=""/>
+        <p:cNvGrpSpPr/>
+        <p:nvPr/>
+      </p:nvGrpSpPr>
+      <p:grpSpPr>
+        <a:xfrm>
+          <a:off x="0" y="0"/>
+          <a:ext cx="0" cy="0"/>
+          <a:chOff x="0" y="0"/>
+          <a:chExt cx="0" cy="0"/>
+        </a:xfrm>
+      </p:grpSpPr>
+      <p:sp>
+        <p:nvSpPr>
+          <p:cNvPr id="11" name="Hexagon 10">
+            <a:extLst>
+              <a:ext uri="{FF2B5EF4-FFF2-40B4-BE49-F238E27FC236}">
+                <a16:creationId xmlns:a16="http://schemas.microsoft.com/office/drawing/2014/main" id="{F07B6582-6C48-1673-4E3E-E19898643345}"/>
+              </a:ext>
+            </a:extLst>
+          </p:cNvPr>
+          <p:cNvSpPr>
+            <a:spLocks noChangeAspect="1"/>
+          </p:cNvSpPr>
+          <p:nvPr/>
+        </p:nvSpPr>
+        <p:spPr>
+          <a:xfrm rot="5400000">
+            <a:off x="-189075" y="359794"/>
+            <a:ext cx="4156939" cy="3600000"/>
+          </a:xfrm>
+          <a:prstGeom prst="hexagon">
+            <a:avLst>
+              <a:gd name="adj" fmla="val 28906"/>
+              <a:gd name="vf" fmla="val 115470"/>
+            </a:avLst>
+          </a:prstGeom>
+          <a:solidFill>
+            <a:srgbClr val="192A3A"/>
+          </a:solidFill>
+          <a:ln w="25400">
+            <a:solidFill>
+              <a:schemeClr val="bg1"/>
+            </a:solidFill>
+          </a:ln>
+        </p:spPr>
+        <p:style>
+          <a:lnRef idx="2">
+            <a:schemeClr val="accent1">
+              <a:shade val="50000"/>
+            </a:schemeClr>
+          </a:lnRef>
+          <a:fillRef idx="1">
+            <a:schemeClr val="accent1"/>
+          </a:fillRef>
+          <a:effectRef idx="0">
+            <a:schemeClr val="accent1"/>
+          </a:effectRef>
+          <a:fontRef idx="minor">
+            <a:schemeClr val="lt1"/>
+          </a:fontRef>
+        </p:style>
+        <p:txBody>
+          <a:bodyPr rtlCol="0" anchor="ctr"/>
+          <a:lstStyle/>
+          <a:p>
+            <a:pPr algn="ctr"/>
+            <a:endParaRPr lang="en-NO" sz="4400" b="1" dirty="0">
+              <a:latin typeface="Helvetica" pitchFamily="2" charset="0"/>
+            </a:endParaRPr>
+          </a:p>
+        </p:txBody>
+      </p:sp>
+      <p:sp>
+        <p:nvSpPr>
+          <p:cNvPr id="9" name="TextBox 8">
+            <a:extLst>
+              <a:ext uri="{FF2B5EF4-FFF2-40B4-BE49-F238E27FC236}">
+                <a16:creationId xmlns:a16="http://schemas.microsoft.com/office/drawing/2014/main" id="{0060CF30-5C30-F745-9F31-651FFC235366}"/>
+              </a:ext>
+            </a:extLst>
+          </p:cNvPr>
+          <p:cNvSpPr txBox="1"/>
+          <p:nvPr/>
+        </p:nvSpPr>
+        <p:spPr>
+          <a:xfrm>
+            <a:off x="89393" y="2469166"/>
+            <a:ext cx="3600001" cy="699336"/>
+          </a:xfrm>
+          <a:prstGeom prst="rect">
+            <a:avLst/>
+          </a:prstGeom>
+          <a:solidFill>
+            <a:srgbClr val="E84B3B"/>
+          </a:solidFill>
+          <a:ln w="25400">
+            <a:solidFill>
+              <a:schemeClr val="bg1"/>
+            </a:solidFill>
+          </a:ln>
+        </p:spPr>
+        <p:txBody>
+          <a:bodyPr wrap="square" bIns="46800" rtlCol="0" anchor="ctr" anchorCtr="0">
+            <a:noAutofit/>
+          </a:bodyPr>
+          <a:lstStyle/>
+          <a:p>
+            <a:pPr algn="ctr"/>
+            <a:r>
+              <a:rPr lang="en-NO" sz="4000" b="1" dirty="0">
+                <a:solidFill>
+                  <a:schemeClr val="bg1"/>
+                </a:solidFill>
+                <a:latin typeface="Source Sans Pro" panose="020B0503030403020204" pitchFamily="34" charset="0"/>
+                <a:ea typeface="Source Sans Pro" panose="020B0503030403020204" pitchFamily="34" charset="0"/>
+              </a:rPr>
+              <a:t>csverse</a:t>
+            </a:r>
+          </a:p>
+        </p:txBody>
+      </p:sp>
+      <p:pic>
+        <p:nvPicPr>
+          <p:cNvPr id="3" name="Graphic 2">
+            <a:extLst>
+              <a:ext uri="{FF2B5EF4-FFF2-40B4-BE49-F238E27FC236}">
+                <a16:creationId xmlns:a16="http://schemas.microsoft.com/office/drawing/2014/main" id="{1A4081C0-71C3-974C-9941-7012070FA0B5}"/>
+              </a:ext>
+            </a:extLst>
+          </p:cNvPr>
+          <p:cNvPicPr>
+            <a:picLocks noChangeAspect="1"/>
+          </p:cNvPicPr>
+          <p:nvPr/>
+        </p:nvPicPr>
+        <p:blipFill>
+          <a:blip r:embed="rId3">
+            <a:extLst>
+              <a:ext uri="{96DAC541-7B7A-43D3-8B79-37D633B846F1}">
+                <asvg:svgBlip xmlns:asvg="http://schemas.microsoft.com/office/drawing/2016/SVG/main" r:embed="rId4"/>
+              </a:ext>
+            </a:extLst>
+          </a:blip>
+          <a:srcRect/>
+          <a:stretch/>
+        </p:blipFill>
+        <p:spPr>
+          <a:xfrm>
+            <a:off x="1133393" y="703909"/>
+            <a:ext cx="1512000" cy="1512000"/>
           </a:xfrm>
           <a:prstGeom prst="rect">
             <a:avLst/>
@@ -5301,7 +5440,357 @@
     </p:spTree>
     <p:extLst>
       <p:ext uri="{BB962C8B-B14F-4D97-AF65-F5344CB8AC3E}">
-        <p14:creationId xmlns:p14="http://schemas.microsoft.com/office/powerpoint/2010/main" val="3091178295"/>
+        <p14:creationId xmlns:p14="http://schemas.microsoft.com/office/powerpoint/2010/main" val="943047089"/>
+      </p:ext>
+    </p:extLst>
+  </p:cSld>
+  <p:clrMapOvr>
+    <a:masterClrMapping/>
+  </p:clrMapOvr>
+</p:sld>
+</file>
+
+<file path=ppt/slides/slide13.xml><?xml version="1.0" encoding="utf-8"?>
+<p:sld xmlns:a="http://schemas.openxmlformats.org/drawingml/2006/main" xmlns:r="http://schemas.openxmlformats.org/officeDocument/2006/relationships" xmlns:p="http://schemas.openxmlformats.org/presentationml/2006/main">
+  <p:cSld>
+    <p:spTree>
+      <p:nvGrpSpPr>
+        <p:cNvPr id="1" name=""/>
+        <p:cNvGrpSpPr/>
+        <p:nvPr/>
+      </p:nvGrpSpPr>
+      <p:grpSpPr>
+        <a:xfrm>
+          <a:off x="0" y="0"/>
+          <a:ext cx="0" cy="0"/>
+          <a:chOff x="0" y="0"/>
+          <a:chExt cx="0" cy="0"/>
+        </a:xfrm>
+      </p:grpSpPr>
+      <p:sp>
+        <p:nvSpPr>
+          <p:cNvPr id="11" name="Hexagon 10">
+            <a:extLst>
+              <a:ext uri="{FF2B5EF4-FFF2-40B4-BE49-F238E27FC236}">
+                <a16:creationId xmlns:a16="http://schemas.microsoft.com/office/drawing/2014/main" id="{F07B6582-6C48-1673-4E3E-E19898643345}"/>
+              </a:ext>
+            </a:extLst>
+          </p:cNvPr>
+          <p:cNvSpPr>
+            <a:spLocks noChangeAspect="1"/>
+          </p:cNvSpPr>
+          <p:nvPr/>
+        </p:nvSpPr>
+        <p:spPr>
+          <a:xfrm rot="5400000">
+            <a:off x="-189075" y="359794"/>
+            <a:ext cx="4156939" cy="3600000"/>
+          </a:xfrm>
+          <a:prstGeom prst="hexagon">
+            <a:avLst>
+              <a:gd name="adj" fmla="val 28906"/>
+              <a:gd name="vf" fmla="val 115470"/>
+            </a:avLst>
+          </a:prstGeom>
+          <a:solidFill>
+            <a:srgbClr val="192A3A"/>
+          </a:solidFill>
+          <a:ln w="25400">
+            <a:solidFill>
+              <a:schemeClr val="bg1"/>
+            </a:solidFill>
+          </a:ln>
+        </p:spPr>
+        <p:style>
+          <a:lnRef idx="2">
+            <a:schemeClr val="accent1">
+              <a:shade val="50000"/>
+            </a:schemeClr>
+          </a:lnRef>
+          <a:fillRef idx="1">
+            <a:schemeClr val="accent1"/>
+          </a:fillRef>
+          <a:effectRef idx="0">
+            <a:schemeClr val="accent1"/>
+          </a:effectRef>
+          <a:fontRef idx="minor">
+            <a:schemeClr val="lt1"/>
+          </a:fontRef>
+        </p:style>
+        <p:txBody>
+          <a:bodyPr rtlCol="0" anchor="ctr"/>
+          <a:lstStyle/>
+          <a:p>
+            <a:pPr algn="ctr"/>
+            <a:endParaRPr lang="en-NO" sz="4400" b="1" dirty="0">
+              <a:latin typeface="Helvetica" pitchFamily="2" charset="0"/>
+            </a:endParaRPr>
+          </a:p>
+        </p:txBody>
+      </p:sp>
+      <p:pic>
+        <p:nvPicPr>
+          <p:cNvPr id="3" name="Graphic 2">
+            <a:extLst>
+              <a:ext uri="{FF2B5EF4-FFF2-40B4-BE49-F238E27FC236}">
+                <a16:creationId xmlns:a16="http://schemas.microsoft.com/office/drawing/2014/main" id="{1A4081C0-71C3-974C-9941-7012070FA0B5}"/>
+              </a:ext>
+            </a:extLst>
+          </p:cNvPr>
+          <p:cNvPicPr>
+            <a:picLocks noChangeAspect="1"/>
+          </p:cNvPicPr>
+          <p:nvPr/>
+        </p:nvPicPr>
+        <p:blipFill>
+          <a:blip r:embed="rId2">
+            <a:extLst>
+              <a:ext uri="{96DAC541-7B7A-43D3-8B79-37D633B846F1}">
+                <asvg:svgBlip xmlns:asvg="http://schemas.microsoft.com/office/drawing/2016/SVG/main" r:embed="rId3"/>
+              </a:ext>
+            </a:extLst>
+          </a:blip>
+          <a:srcRect/>
+          <a:stretch/>
+        </p:blipFill>
+        <p:spPr>
+          <a:xfrm>
+            <a:off x="1153656" y="826587"/>
+            <a:ext cx="1472000" cy="1344000"/>
+          </a:xfrm>
+          <a:prstGeom prst="rect">
+            <a:avLst/>
+          </a:prstGeom>
+        </p:spPr>
+      </p:pic>
+      <p:sp>
+        <p:nvSpPr>
+          <p:cNvPr id="2" name="TextBox 1">
+            <a:extLst>
+              <a:ext uri="{FF2B5EF4-FFF2-40B4-BE49-F238E27FC236}">
+                <a16:creationId xmlns:a16="http://schemas.microsoft.com/office/drawing/2014/main" id="{9D52F511-68C2-3AD7-0BA4-FA44A2EC25DF}"/>
+              </a:ext>
+            </a:extLst>
+          </p:cNvPr>
+          <p:cNvSpPr txBox="1"/>
+          <p:nvPr/>
+        </p:nvSpPr>
+        <p:spPr>
+          <a:xfrm>
+            <a:off x="89393" y="2469166"/>
+            <a:ext cx="3600001" cy="699336"/>
+          </a:xfrm>
+          <a:prstGeom prst="rect">
+            <a:avLst/>
+          </a:prstGeom>
+          <a:solidFill>
+            <a:srgbClr val="E84B3B"/>
+          </a:solidFill>
+          <a:ln w="25400">
+            <a:solidFill>
+              <a:schemeClr val="bg1"/>
+            </a:solidFill>
+          </a:ln>
+        </p:spPr>
+        <p:txBody>
+          <a:bodyPr wrap="square" bIns="46800" rtlCol="0" anchor="ctr" anchorCtr="0">
+            <a:noAutofit/>
+          </a:bodyPr>
+          <a:lstStyle/>
+          <a:p>
+            <a:pPr algn="ctr"/>
+            <a:r>
+              <a:rPr lang="en-NO" sz="4000" b="1" dirty="0">
+                <a:solidFill>
+                  <a:schemeClr val="bg1"/>
+                </a:solidFill>
+                <a:latin typeface="Source Sans Pro" panose="020B0503030403020204" pitchFamily="34" charset="0"/>
+                <a:ea typeface="Source Sans Pro" panose="020B0503030403020204" pitchFamily="34" charset="0"/>
+              </a:rPr>
+              <a:t>nowcast</a:t>
+            </a:r>
+          </a:p>
+        </p:txBody>
+      </p:sp>
+    </p:spTree>
+    <p:extLst>
+      <p:ext uri="{BB962C8B-B14F-4D97-AF65-F5344CB8AC3E}">
+        <p14:creationId xmlns:p14="http://schemas.microsoft.com/office/powerpoint/2010/main" val="303419947"/>
+      </p:ext>
+    </p:extLst>
+  </p:cSld>
+  <p:clrMapOvr>
+    <a:masterClrMapping/>
+  </p:clrMapOvr>
+</p:sld>
+</file>
+
+<file path=ppt/slides/slide14.xml><?xml version="1.0" encoding="utf-8"?>
+<p:sld xmlns:a="http://schemas.openxmlformats.org/drawingml/2006/main" xmlns:r="http://schemas.openxmlformats.org/officeDocument/2006/relationships" xmlns:p="http://schemas.openxmlformats.org/presentationml/2006/main">
+  <p:cSld>
+    <p:spTree>
+      <p:nvGrpSpPr>
+        <p:cNvPr id="1" name=""/>
+        <p:cNvGrpSpPr/>
+        <p:nvPr/>
+      </p:nvGrpSpPr>
+      <p:grpSpPr>
+        <a:xfrm>
+          <a:off x="0" y="0"/>
+          <a:ext cx="0" cy="0"/>
+          <a:chOff x="0" y="0"/>
+          <a:chExt cx="0" cy="0"/>
+        </a:xfrm>
+      </p:grpSpPr>
+      <p:sp>
+        <p:nvSpPr>
+          <p:cNvPr id="11" name="Hexagon 10">
+            <a:extLst>
+              <a:ext uri="{FF2B5EF4-FFF2-40B4-BE49-F238E27FC236}">
+                <a16:creationId xmlns:a16="http://schemas.microsoft.com/office/drawing/2014/main" id="{F07B6582-6C48-1673-4E3E-E19898643345}"/>
+              </a:ext>
+            </a:extLst>
+          </p:cNvPr>
+          <p:cNvSpPr>
+            <a:spLocks noChangeAspect="1"/>
+          </p:cNvSpPr>
+          <p:nvPr/>
+        </p:nvSpPr>
+        <p:spPr>
+          <a:xfrm rot="5400000">
+            <a:off x="-189075" y="359794"/>
+            <a:ext cx="4156939" cy="3600000"/>
+          </a:xfrm>
+          <a:prstGeom prst="hexagon">
+            <a:avLst>
+              <a:gd name="adj" fmla="val 28906"/>
+              <a:gd name="vf" fmla="val 115470"/>
+            </a:avLst>
+          </a:prstGeom>
+          <a:solidFill>
+            <a:srgbClr val="192A3A"/>
+          </a:solidFill>
+          <a:ln w="25400">
+            <a:solidFill>
+              <a:schemeClr val="bg1"/>
+            </a:solidFill>
+          </a:ln>
+        </p:spPr>
+        <p:style>
+          <a:lnRef idx="2">
+            <a:schemeClr val="accent1">
+              <a:shade val="50000"/>
+            </a:schemeClr>
+          </a:lnRef>
+          <a:fillRef idx="1">
+            <a:schemeClr val="accent1"/>
+          </a:fillRef>
+          <a:effectRef idx="0">
+            <a:schemeClr val="accent1"/>
+          </a:effectRef>
+          <a:fontRef idx="minor">
+            <a:schemeClr val="lt1"/>
+          </a:fontRef>
+        </p:style>
+        <p:txBody>
+          <a:bodyPr rtlCol="0" anchor="ctr"/>
+          <a:lstStyle/>
+          <a:p>
+            <a:pPr algn="ctr"/>
+            <a:endParaRPr lang="en-NO" sz="4400" b="1" dirty="0">
+              <a:latin typeface="Helvetica" pitchFamily="2" charset="0"/>
+            </a:endParaRPr>
+          </a:p>
+        </p:txBody>
+      </p:sp>
+      <p:pic>
+        <p:nvPicPr>
+          <p:cNvPr id="3" name="Graphic 2">
+            <a:extLst>
+              <a:ext uri="{FF2B5EF4-FFF2-40B4-BE49-F238E27FC236}">
+                <a16:creationId xmlns:a16="http://schemas.microsoft.com/office/drawing/2014/main" id="{1A4081C0-71C3-974C-9941-7012070FA0B5}"/>
+              </a:ext>
+            </a:extLst>
+          </p:cNvPr>
+          <p:cNvPicPr>
+            <a:picLocks noChangeAspect="1"/>
+          </p:cNvPicPr>
+          <p:nvPr/>
+        </p:nvPicPr>
+        <p:blipFill>
+          <a:blip r:embed="rId2">
+            <a:extLst>
+              <a:ext uri="{96DAC541-7B7A-43D3-8B79-37D633B846F1}">
+                <asvg:svgBlip xmlns:asvg="http://schemas.microsoft.com/office/drawing/2016/SVG/main" r:embed="rId3"/>
+              </a:ext>
+            </a:extLst>
+          </a:blip>
+          <a:srcRect/>
+          <a:stretch/>
+        </p:blipFill>
+        <p:spPr>
+          <a:xfrm>
+            <a:off x="1153656" y="893510"/>
+            <a:ext cx="1472000" cy="1210153"/>
+          </a:xfrm>
+          <a:prstGeom prst="rect">
+            <a:avLst/>
+          </a:prstGeom>
+        </p:spPr>
+      </p:pic>
+      <p:sp>
+        <p:nvSpPr>
+          <p:cNvPr id="2" name="TextBox 1">
+            <a:extLst>
+              <a:ext uri="{FF2B5EF4-FFF2-40B4-BE49-F238E27FC236}">
+                <a16:creationId xmlns:a16="http://schemas.microsoft.com/office/drawing/2014/main" id="{DE12DACB-43D7-FD4E-6DDA-90867C3288B6}"/>
+              </a:ext>
+            </a:extLst>
+          </p:cNvPr>
+          <p:cNvSpPr txBox="1"/>
+          <p:nvPr/>
+        </p:nvSpPr>
+        <p:spPr>
+          <a:xfrm>
+            <a:off x="89393" y="2469166"/>
+            <a:ext cx="3600001" cy="699336"/>
+          </a:xfrm>
+          <a:prstGeom prst="rect">
+            <a:avLst/>
+          </a:prstGeom>
+          <a:solidFill>
+            <a:srgbClr val="E84B3B"/>
+          </a:solidFill>
+          <a:ln w="25400">
+            <a:solidFill>
+              <a:schemeClr val="bg1"/>
+            </a:solidFill>
+          </a:ln>
+        </p:spPr>
+        <p:txBody>
+          <a:bodyPr wrap="square" bIns="46800" rtlCol="0" anchor="ctr" anchorCtr="0">
+            <a:noAutofit/>
+          </a:bodyPr>
+          <a:lstStyle/>
+          <a:p>
+            <a:pPr algn="ctr"/>
+            <a:r>
+              <a:rPr lang="en-NO" sz="4000" b="1" dirty="0">
+                <a:solidFill>
+                  <a:schemeClr val="bg1"/>
+                </a:solidFill>
+                <a:latin typeface="Source Sans Pro" panose="020B0503030403020204" pitchFamily="34" charset="0"/>
+                <a:ea typeface="Source Sans Pro" panose="020B0503030403020204" pitchFamily="34" charset="0"/>
+              </a:rPr>
+              <a:t>org</a:t>
+            </a:r>
+          </a:p>
+        </p:txBody>
+      </p:sp>
+    </p:spTree>
+    <p:extLst>
+      <p:ext uri="{BB962C8B-B14F-4D97-AF65-F5344CB8AC3E}">
+        <p14:creationId xmlns:p14="http://schemas.microsoft.com/office/powerpoint/2010/main" val="2679990244"/>
       </p:ext>
     </p:extLst>
   </p:cSld>
@@ -5330,10 +5819,10 @@
       </p:grpSpPr>
       <p:sp>
         <p:nvSpPr>
-          <p:cNvPr id="22" name="Hexagon 21">
+          <p:cNvPr id="11" name="Hexagon 10">
             <a:extLst>
               <a:ext uri="{FF2B5EF4-FFF2-40B4-BE49-F238E27FC236}">
-                <a16:creationId xmlns:a16="http://schemas.microsoft.com/office/drawing/2014/main" id="{FEF41C22-B492-4F4A-A87C-4B0F7A8FE87B}"/>
+                <a16:creationId xmlns:a16="http://schemas.microsoft.com/office/drawing/2014/main" id="{F07B6582-6C48-1673-4E3E-E19898643345}"/>
               </a:ext>
             </a:extLst>
           </p:cNvPr>
@@ -5344,7 +5833,7 @@
         </p:nvSpPr>
         <p:spPr>
           <a:xfrm rot="5400000">
-            <a:off x="-188550" y="359794"/>
+            <a:off x="-189075" y="359794"/>
             <a:ext cx="4156939" cy="3600000"/>
           </a:xfrm>
           <a:prstGeom prst="hexagon">
@@ -5354,11 +5843,11 @@
             </a:avLst>
           </a:prstGeom>
           <a:solidFill>
-            <a:srgbClr val="B8E2F2"/>
+            <a:srgbClr val="192A3A"/>
           </a:solidFill>
           <a:ln w="25400">
             <a:solidFill>
-              <a:srgbClr val="77B6CD"/>
+              <a:schemeClr val="bg1"/>
             </a:solidFill>
           </a:ln>
         </p:spPr>
@@ -5383,21 +5872,23 @@
           <a:lstStyle/>
           <a:p>
             <a:pPr algn="ctr"/>
-            <a:endParaRPr lang="en-NO"/>
+            <a:endParaRPr lang="en-NO" sz="4400" b="1" dirty="0">
+              <a:latin typeface="Helvetica" pitchFamily="2" charset="0"/>
+            </a:endParaRPr>
           </a:p>
         </p:txBody>
       </p:sp>
       <p:pic>
         <p:nvPicPr>
-          <p:cNvPr id="1026" name="Picture 2">
+          <p:cNvPr id="3" name="Graphic 2">
             <a:extLst>
               <a:ext uri="{FF2B5EF4-FFF2-40B4-BE49-F238E27FC236}">
-                <a16:creationId xmlns:a16="http://schemas.microsoft.com/office/drawing/2014/main" id="{E516ED55-FEE4-5E48-90AC-5D3C49C47EC3}"/>
+                <a16:creationId xmlns:a16="http://schemas.microsoft.com/office/drawing/2014/main" id="{1A4081C0-71C3-974C-9941-7012070FA0B5}"/>
               </a:ext>
             </a:extLst>
           </p:cNvPr>
           <p:cNvPicPr>
-            <a:picLocks noChangeAspect="1" noChangeArrowheads="1"/>
+            <a:picLocks noChangeAspect="1"/>
           </p:cNvPicPr>
           <p:nvPr/>
         </p:nvPicPr>
@@ -5412,23 +5903,22 @@
           <a:srcRect/>
           <a:stretch/>
         </p:blipFill>
-        <p:spPr bwMode="auto">
+        <p:spPr>
           <a:xfrm>
-            <a:off x="1279484" y="1837992"/>
-            <a:ext cx="1220869" cy="1440000"/>
+            <a:off x="1153919" y="938786"/>
+            <a:ext cx="1471474" cy="1119600"/>
           </a:xfrm>
           <a:prstGeom prst="rect">
             <a:avLst/>
           </a:prstGeom>
-          <a:noFill/>
         </p:spPr>
       </p:pic>
       <p:sp>
         <p:nvSpPr>
-          <p:cNvPr id="4" name="TextBox 3">
+          <p:cNvPr id="2" name="TextBox 1">
             <a:extLst>
               <a:ext uri="{FF2B5EF4-FFF2-40B4-BE49-F238E27FC236}">
-                <a16:creationId xmlns:a16="http://schemas.microsoft.com/office/drawing/2014/main" id="{9C4C81F9-82E1-5B4F-A11B-F6DB38CEAD6B}"/>
+                <a16:creationId xmlns:a16="http://schemas.microsoft.com/office/drawing/2014/main" id="{455B9DC4-F88F-C1BA-562E-6F53B1D64669}"/>
               </a:ext>
             </a:extLst>
           </p:cNvPr>
@@ -5437,37 +5927,45 @@
         </p:nvSpPr>
         <p:spPr>
           <a:xfrm>
-            <a:off x="89394" y="771286"/>
-            <a:ext cx="3600001" cy="830997"/>
+            <a:off x="89393" y="2469166"/>
+            <a:ext cx="3600001" cy="699336"/>
           </a:xfrm>
           <a:prstGeom prst="rect">
             <a:avLst/>
           </a:prstGeom>
-          <a:noFill/>
+          <a:solidFill>
+            <a:srgbClr val="E84B3B"/>
+          </a:solidFill>
+          <a:ln w="25400">
+            <a:solidFill>
+              <a:schemeClr val="bg1"/>
+            </a:solidFill>
+          </a:ln>
         </p:spPr>
         <p:txBody>
-          <a:bodyPr wrap="square" rtlCol="0">
-            <a:spAutoFit/>
+          <a:bodyPr wrap="square" bIns="46800" rtlCol="0" anchor="ctr" anchorCtr="0">
+            <a:noAutofit/>
           </a:bodyPr>
           <a:lstStyle/>
           <a:p>
             <a:pPr algn="ctr"/>
             <a:r>
-              <a:rPr lang="en-NO" sz="4800" b="1">
-                <a:latin typeface="Helvetica" pitchFamily="2" charset="0"/>
+              <a:rPr lang="en-NO" sz="4000" b="1" dirty="0">
+                <a:solidFill>
+                  <a:schemeClr val="bg1"/>
+                </a:solidFill>
+                <a:latin typeface="Source Sans Pro" panose="020B0503030403020204" pitchFamily="34" charset="0"/>
+                <a:ea typeface="Source Sans Pro" panose="020B0503030403020204" pitchFamily="34" charset="0"/>
               </a:rPr>
-              <a:t>csutil</a:t>
+              <a:t>plnr</a:t>
             </a:r>
-            <a:endParaRPr lang="en-NO" sz="4800" b="1" dirty="0">
-              <a:latin typeface="Helvetica" pitchFamily="2" charset="0"/>
-            </a:endParaRPr>
           </a:p>
         </p:txBody>
       </p:sp>
     </p:spTree>
     <p:extLst>
       <p:ext uri="{BB962C8B-B14F-4D97-AF65-F5344CB8AC3E}">
-        <p14:creationId xmlns:p14="http://schemas.microsoft.com/office/powerpoint/2010/main" val="2682378970"/>
+        <p14:creationId xmlns:p14="http://schemas.microsoft.com/office/powerpoint/2010/main" val="4031034585"/>
       </p:ext>
     </p:extLst>
   </p:cSld>
@@ -5496,10 +5994,10 @@
       </p:grpSpPr>
       <p:sp>
         <p:nvSpPr>
-          <p:cNvPr id="22" name="Hexagon 21">
+          <p:cNvPr id="11" name="Hexagon 10">
             <a:extLst>
               <a:ext uri="{FF2B5EF4-FFF2-40B4-BE49-F238E27FC236}">
-                <a16:creationId xmlns:a16="http://schemas.microsoft.com/office/drawing/2014/main" id="{FEF41C22-B492-4F4A-A87C-4B0F7A8FE87B}"/>
+                <a16:creationId xmlns:a16="http://schemas.microsoft.com/office/drawing/2014/main" id="{F07B6582-6C48-1673-4E3E-E19898643345}"/>
               </a:ext>
             </a:extLst>
           </p:cNvPr>
@@ -5510,7 +6008,7 @@
         </p:nvSpPr>
         <p:spPr>
           <a:xfrm rot="5400000">
-            <a:off x="-188550" y="359794"/>
+            <a:off x="-189075" y="359794"/>
             <a:ext cx="4156939" cy="3600000"/>
           </a:xfrm>
           <a:prstGeom prst="hexagon">
@@ -5520,11 +6018,11 @@
             </a:avLst>
           </a:prstGeom>
           <a:solidFill>
-            <a:srgbClr val="B8E2F2"/>
+            <a:srgbClr val="192A3A"/>
           </a:solidFill>
           <a:ln w="25400">
             <a:solidFill>
-              <a:srgbClr val="77B6CD"/>
+              <a:schemeClr val="bg1"/>
             </a:solidFill>
           </a:ln>
         </p:spPr>
@@ -5549,54 +6047,18 @@
           <a:lstStyle/>
           <a:p>
             <a:pPr algn="ctr"/>
-            <a:endParaRPr lang="en-NO"/>
-          </a:p>
-        </p:txBody>
-      </p:sp>
-      <p:sp>
-        <p:nvSpPr>
-          <p:cNvPr id="4" name="TextBox 3">
+            <a:endParaRPr lang="en-NO" sz="4400" b="1" dirty="0">
+              <a:latin typeface="Helvetica" pitchFamily="2" charset="0"/>
+            </a:endParaRPr>
+          </a:p>
+        </p:txBody>
+      </p:sp>
+      <p:pic>
+        <p:nvPicPr>
+          <p:cNvPr id="3" name="Graphic 2">
             <a:extLst>
               <a:ext uri="{FF2B5EF4-FFF2-40B4-BE49-F238E27FC236}">
-                <a16:creationId xmlns:a16="http://schemas.microsoft.com/office/drawing/2014/main" id="{9C4C81F9-82E1-5B4F-A11B-F6DB38CEAD6B}"/>
-              </a:ext>
-            </a:extLst>
-          </p:cNvPr>
-          <p:cNvSpPr txBox="1"/>
-          <p:nvPr/>
-        </p:nvSpPr>
-        <p:spPr>
-          <a:xfrm>
-            <a:off x="89394" y="771286"/>
-            <a:ext cx="3600001" cy="830997"/>
-          </a:xfrm>
-          <a:prstGeom prst="rect">
-            <a:avLst/>
-          </a:prstGeom>
-          <a:noFill/>
-        </p:spPr>
-        <p:txBody>
-          <a:bodyPr wrap="square" rtlCol="0">
-            <a:spAutoFit/>
-          </a:bodyPr>
-          <a:lstStyle/>
-          <a:p>
-            <a:pPr algn="ctr"/>
-            <a:r>
-              <a:rPr lang="en-NO" sz="4800" b="1" dirty="0">
-                <a:latin typeface="Helvetica" pitchFamily="2" charset="0"/>
-              </a:rPr>
-              <a:t>csverse</a:t>
-            </a:r>
-          </a:p>
-        </p:txBody>
-      </p:sp>
-      <p:pic>
-        <p:nvPicPr>
-          <p:cNvPr id="6" name="Graphic 5">
-            <a:extLst>
-              <a:ext uri="{FF2B5EF4-FFF2-40B4-BE49-F238E27FC236}">
-                <a16:creationId xmlns:a16="http://schemas.microsoft.com/office/drawing/2014/main" id="{901F701E-F144-D9E9-FE95-4B1D905B7505}"/>
+                <a16:creationId xmlns:a16="http://schemas.microsoft.com/office/drawing/2014/main" id="{1A4081C0-71C3-974C-9941-7012070FA0B5}"/>
               </a:ext>
             </a:extLst>
           </p:cNvPr>
@@ -5618,18 +6080,67 @@
         </p:blipFill>
         <p:spPr>
           <a:xfrm>
-            <a:off x="969919" y="1926787"/>
-            <a:ext cx="1840000" cy="1440000"/>
+            <a:off x="1153919" y="778786"/>
+            <a:ext cx="1472000" cy="1440000"/>
           </a:xfrm>
           <a:prstGeom prst="rect">
             <a:avLst/>
           </a:prstGeom>
         </p:spPr>
       </p:pic>
+      <p:sp>
+        <p:nvSpPr>
+          <p:cNvPr id="2" name="TextBox 1">
+            <a:extLst>
+              <a:ext uri="{FF2B5EF4-FFF2-40B4-BE49-F238E27FC236}">
+                <a16:creationId xmlns:a16="http://schemas.microsoft.com/office/drawing/2014/main" id="{51E7CBA3-F33A-72C9-F515-2FD63A2AAB7E}"/>
+              </a:ext>
+            </a:extLst>
+          </p:cNvPr>
+          <p:cNvSpPr txBox="1"/>
+          <p:nvPr/>
+        </p:nvSpPr>
+        <p:spPr>
+          <a:xfrm>
+            <a:off x="89393" y="2469166"/>
+            <a:ext cx="3600001" cy="699336"/>
+          </a:xfrm>
+          <a:prstGeom prst="rect">
+            <a:avLst/>
+          </a:prstGeom>
+          <a:solidFill>
+            <a:srgbClr val="E84B3B"/>
+          </a:solidFill>
+          <a:ln w="25400">
+            <a:solidFill>
+              <a:schemeClr val="bg1"/>
+            </a:solidFill>
+          </a:ln>
+        </p:spPr>
+        <p:txBody>
+          <a:bodyPr wrap="square" bIns="46800" rtlCol="0" anchor="ctr" anchorCtr="0">
+            <a:noAutofit/>
+          </a:bodyPr>
+          <a:lstStyle/>
+          <a:p>
+            <a:pPr algn="ctr"/>
+            <a:r>
+              <a:rPr lang="en-NO" sz="4000" b="1" dirty="0">
+                <a:solidFill>
+                  <a:schemeClr val="bg1"/>
+                </a:solidFill>
+                <a:latin typeface="Source Sans Pro" panose="020B0503030403020204" pitchFamily="34" charset="0"/>
+                <a:ea typeface="Source Sans Pro" panose="020B0503030403020204" pitchFamily="34" charset="0"/>
+              </a:rPr>
+              <a:t>sc9</a:t>
+            </a:r>
+          </a:p>
+        </p:txBody>
+      </p:sp>
     </p:spTree>
     <p:extLst>
       <p:ext uri="{BB962C8B-B14F-4D97-AF65-F5344CB8AC3E}">
-        <p14:creationId xmlns:p14="http://schemas.microsoft.com/office/powerpoint/2010/main" val="3997801304"/>
+        <p14:creationId xmlns:p14="http://schemas.microsoft.com/office/powerpoint/2010/main" val="3629698654"/>
       </p:ext>
     </p:extLst>
   </p:cSld>
@@ -5658,10 +6169,10 @@
       </p:grpSpPr>
       <p:sp>
         <p:nvSpPr>
-          <p:cNvPr id="22" name="Hexagon 21">
+          <p:cNvPr id="11" name="Hexagon 10">
             <a:extLst>
               <a:ext uri="{FF2B5EF4-FFF2-40B4-BE49-F238E27FC236}">
-                <a16:creationId xmlns:a16="http://schemas.microsoft.com/office/drawing/2014/main" id="{FEF41C22-B492-4F4A-A87C-4B0F7A8FE87B}"/>
+                <a16:creationId xmlns:a16="http://schemas.microsoft.com/office/drawing/2014/main" id="{F07B6582-6C48-1673-4E3E-E19898643345}"/>
               </a:ext>
             </a:extLst>
           </p:cNvPr>
@@ -5672,7 +6183,7 @@
         </p:nvSpPr>
         <p:spPr>
           <a:xfrm rot="5400000">
-            <a:off x="-188550" y="359794"/>
+            <a:off x="-189075" y="359794"/>
             <a:ext cx="4156939" cy="3600000"/>
           </a:xfrm>
           <a:prstGeom prst="hexagon">
@@ -5682,11 +6193,11 @@
             </a:avLst>
           </a:prstGeom>
           <a:solidFill>
-            <a:srgbClr val="B8E2F2"/>
+            <a:srgbClr val="192A3A"/>
           </a:solidFill>
           <a:ln w="25400">
             <a:solidFill>
-              <a:srgbClr val="77B6CD"/>
+              <a:schemeClr val="bg1"/>
             </a:solidFill>
           </a:ln>
         </p:spPr>
@@ -5722,7 +6233,7 @@
           <p:cNvPr id="3" name="Graphic 2">
             <a:extLst>
               <a:ext uri="{FF2B5EF4-FFF2-40B4-BE49-F238E27FC236}">
-                <a16:creationId xmlns:a16="http://schemas.microsoft.com/office/drawing/2014/main" id="{3EFFB0CB-D368-324A-B50F-7C6FE6A3B402}"/>
+                <a16:creationId xmlns:a16="http://schemas.microsoft.com/office/drawing/2014/main" id="{1A4081C0-71C3-974C-9941-7012070FA0B5}"/>
               </a:ext>
             </a:extLst>
           </p:cNvPr>
@@ -5739,14 +6250,13 @@
               </a:ext>
             </a:extLst>
           </a:blip>
-          <a:stretch>
-            <a:fillRect/>
-          </a:stretch>
+          <a:srcRect/>
+          <a:stretch/>
         </p:blipFill>
         <p:spPr>
           <a:xfrm>
-            <a:off x="981996" y="1912576"/>
-            <a:ext cx="1814795" cy="1440000"/>
+            <a:off x="1214149" y="962587"/>
+            <a:ext cx="1351013" cy="1072000"/>
           </a:xfrm>
           <a:prstGeom prst="rect">
             <a:avLst/>
@@ -5755,10 +6265,10 @@
       </p:pic>
       <p:sp>
         <p:nvSpPr>
-          <p:cNvPr id="7" name="TextBox 6">
+          <p:cNvPr id="2" name="TextBox 1">
             <a:extLst>
               <a:ext uri="{FF2B5EF4-FFF2-40B4-BE49-F238E27FC236}">
-                <a16:creationId xmlns:a16="http://schemas.microsoft.com/office/drawing/2014/main" id="{D66B9D3B-7CA0-C944-B58A-DE784DF8F247}"/>
+                <a16:creationId xmlns:a16="http://schemas.microsoft.com/office/drawing/2014/main" id="{FD0C1E79-5E90-3132-1A00-ECB6BB13357F}"/>
               </a:ext>
             </a:extLst>
           </p:cNvPr>
@@ -5767,24 +6277,35 @@
         </p:nvSpPr>
         <p:spPr>
           <a:xfrm>
-            <a:off x="893226" y="771286"/>
-            <a:ext cx="1993387" cy="830997"/>
+            <a:off x="89393" y="2469166"/>
+            <a:ext cx="3600001" cy="699336"/>
           </a:xfrm>
           <a:prstGeom prst="rect">
             <a:avLst/>
           </a:prstGeom>
-          <a:noFill/>
+          <a:solidFill>
+            <a:srgbClr val="E84B3B"/>
+          </a:solidFill>
+          <a:ln w="25400">
+            <a:solidFill>
+              <a:schemeClr val="bg1"/>
+            </a:solidFill>
+          </a:ln>
         </p:spPr>
         <p:txBody>
-          <a:bodyPr wrap="square" rtlCol="0">
-            <a:spAutoFit/>
+          <a:bodyPr wrap="square" bIns="46800" rtlCol="0" anchor="ctr" anchorCtr="0">
+            <a:noAutofit/>
           </a:bodyPr>
           <a:lstStyle/>
           <a:p>
             <a:pPr algn="ctr"/>
             <a:r>
-              <a:rPr lang="en-NO" sz="4800" b="1" dirty="0">
-                <a:latin typeface="Helvetica" pitchFamily="2" charset="0"/>
+              <a:rPr lang="en-NO" sz="4000" b="1" dirty="0">
+                <a:solidFill>
+                  <a:schemeClr val="bg1"/>
+                </a:solidFill>
+                <a:latin typeface="Source Sans Pro" panose="020B0503030403020204" pitchFamily="34" charset="0"/>
+                <a:ea typeface="Source Sans Pro" panose="020B0503030403020204" pitchFamily="34" charset="0"/>
               </a:rPr>
               <a:t>attrib</a:t>
             </a:r>
@@ -5794,7 +6315,7 @@
     </p:spTree>
     <p:extLst>
       <p:ext uri="{BB962C8B-B14F-4D97-AF65-F5344CB8AC3E}">
-        <p14:creationId xmlns:p14="http://schemas.microsoft.com/office/powerpoint/2010/main" val="2973061787"/>
+        <p14:creationId xmlns:p14="http://schemas.microsoft.com/office/powerpoint/2010/main" val="4102889363"/>
       </p:ext>
     </p:extLst>
   </p:cSld>
@@ -5823,10 +6344,10 @@
       </p:grpSpPr>
       <p:sp>
         <p:nvSpPr>
-          <p:cNvPr id="22" name="Hexagon 21">
+          <p:cNvPr id="11" name="Hexagon 10">
             <a:extLst>
               <a:ext uri="{FF2B5EF4-FFF2-40B4-BE49-F238E27FC236}">
-                <a16:creationId xmlns:a16="http://schemas.microsoft.com/office/drawing/2014/main" id="{FEF41C22-B492-4F4A-A87C-4B0F7A8FE87B}"/>
+                <a16:creationId xmlns:a16="http://schemas.microsoft.com/office/drawing/2014/main" id="{F07B6582-6C48-1673-4E3E-E19898643345}"/>
               </a:ext>
             </a:extLst>
           </p:cNvPr>
@@ -5837,7 +6358,7 @@
         </p:nvSpPr>
         <p:spPr>
           <a:xfrm rot="5400000">
-            <a:off x="-188550" y="359794"/>
+            <a:off x="-189075" y="359794"/>
             <a:ext cx="4156939" cy="3600000"/>
           </a:xfrm>
           <a:prstGeom prst="hexagon">
@@ -5847,11 +6368,11 @@
             </a:avLst>
           </a:prstGeom>
           <a:solidFill>
-            <a:srgbClr val="B8E2F2"/>
+            <a:srgbClr val="192A3A"/>
           </a:solidFill>
           <a:ln w="25400">
             <a:solidFill>
-              <a:srgbClr val="77B6CD"/>
+              <a:schemeClr val="bg1"/>
             </a:solidFill>
           </a:ln>
         </p:spPr>
@@ -5887,7 +6408,7 @@
           <p:cNvPr id="3" name="Graphic 2">
             <a:extLst>
               <a:ext uri="{FF2B5EF4-FFF2-40B4-BE49-F238E27FC236}">
-                <a16:creationId xmlns:a16="http://schemas.microsoft.com/office/drawing/2014/main" id="{3EFFB0CB-D368-324A-B50F-7C6FE6A3B402}"/>
+                <a16:creationId xmlns:a16="http://schemas.microsoft.com/office/drawing/2014/main" id="{1A4081C0-71C3-974C-9941-7012070FA0B5}"/>
               </a:ext>
             </a:extLst>
           </p:cNvPr>
@@ -5909,8 +6430,8 @@
         </p:blipFill>
         <p:spPr>
           <a:xfrm>
-            <a:off x="1169393" y="1912576"/>
-            <a:ext cx="1440000" cy="1440000"/>
+            <a:off x="1353655" y="962587"/>
+            <a:ext cx="1072000" cy="1072000"/>
           </a:xfrm>
           <a:prstGeom prst="rect">
             <a:avLst/>
@@ -5919,10 +6440,10 @@
       </p:pic>
       <p:sp>
         <p:nvSpPr>
-          <p:cNvPr id="7" name="TextBox 6">
+          <p:cNvPr id="2" name="TextBox 1">
             <a:extLst>
               <a:ext uri="{FF2B5EF4-FFF2-40B4-BE49-F238E27FC236}">
-                <a16:creationId xmlns:a16="http://schemas.microsoft.com/office/drawing/2014/main" id="{D66B9D3B-7CA0-C944-B58A-DE784DF8F247}"/>
+                <a16:creationId xmlns:a16="http://schemas.microsoft.com/office/drawing/2014/main" id="{DA236231-4900-1C4A-FF84-F6EFBD307C68}"/>
               </a:ext>
             </a:extLst>
           </p:cNvPr>
@@ -5931,24 +6452,35 @@
         </p:nvSpPr>
         <p:spPr>
           <a:xfrm>
-            <a:off x="491572" y="771286"/>
-            <a:ext cx="2796695" cy="830997"/>
+            <a:off x="89393" y="2469166"/>
+            <a:ext cx="3600001" cy="699336"/>
           </a:xfrm>
           <a:prstGeom prst="rect">
             <a:avLst/>
           </a:prstGeom>
-          <a:noFill/>
+          <a:solidFill>
+            <a:srgbClr val="E84B3B"/>
+          </a:solidFill>
+          <a:ln w="25400">
+            <a:solidFill>
+              <a:schemeClr val="bg1"/>
+            </a:solidFill>
+          </a:ln>
         </p:spPr>
         <p:txBody>
-          <a:bodyPr wrap="square" rtlCol="0">
-            <a:spAutoFit/>
+          <a:bodyPr wrap="square" bIns="46800" rtlCol="0" anchor="ctr" anchorCtr="0">
+            <a:noAutofit/>
           </a:bodyPr>
           <a:lstStyle/>
           <a:p>
             <a:pPr algn="ctr"/>
             <a:r>
-              <a:rPr lang="en-NO" sz="4800" b="1" dirty="0">
-                <a:latin typeface="Helvetica" pitchFamily="2" charset="0"/>
+              <a:rPr lang="en-NO" sz="4000" b="1" dirty="0">
+                <a:solidFill>
+                  <a:schemeClr val="bg1"/>
+                </a:solidFill>
+                <a:latin typeface="Source Sans Pro" panose="020B0503030403020204" pitchFamily="34" charset="0"/>
+                <a:ea typeface="Source Sans Pro" panose="020B0503030403020204" pitchFamily="34" charset="0"/>
               </a:rPr>
               <a:t>covidnor</a:t>
             </a:r>
@@ -5958,7 +6490,7 @@
     </p:spTree>
     <p:extLst>
       <p:ext uri="{BB962C8B-B14F-4D97-AF65-F5344CB8AC3E}">
-        <p14:creationId xmlns:p14="http://schemas.microsoft.com/office/powerpoint/2010/main" val="2018601370"/>
+        <p14:creationId xmlns:p14="http://schemas.microsoft.com/office/powerpoint/2010/main" val="5134731"/>
       </p:ext>
     </p:extLst>
   </p:cSld>
@@ -5987,10 +6519,10 @@
       </p:grpSpPr>
       <p:sp>
         <p:nvSpPr>
-          <p:cNvPr id="22" name="Hexagon 21">
+          <p:cNvPr id="11" name="Hexagon 10">
             <a:extLst>
               <a:ext uri="{FF2B5EF4-FFF2-40B4-BE49-F238E27FC236}">
-                <a16:creationId xmlns:a16="http://schemas.microsoft.com/office/drawing/2014/main" id="{FEF41C22-B492-4F4A-A87C-4B0F7A8FE87B}"/>
+                <a16:creationId xmlns:a16="http://schemas.microsoft.com/office/drawing/2014/main" id="{F07B6582-6C48-1673-4E3E-E19898643345}"/>
               </a:ext>
             </a:extLst>
           </p:cNvPr>
@@ -6001,7 +6533,7 @@
         </p:nvSpPr>
         <p:spPr>
           <a:xfrm rot="5400000">
-            <a:off x="-188550" y="359794"/>
+            <a:off x="-189075" y="359794"/>
             <a:ext cx="4156939" cy="3600000"/>
           </a:xfrm>
           <a:prstGeom prst="hexagon">
@@ -6011,11 +6543,11 @@
             </a:avLst>
           </a:prstGeom>
           <a:solidFill>
-            <a:srgbClr val="B8E2F2"/>
+            <a:srgbClr val="192A3A"/>
           </a:solidFill>
           <a:ln w="25400">
             <a:solidFill>
-              <a:srgbClr val="77B6CD"/>
+              <a:schemeClr val="bg1"/>
             </a:solidFill>
           </a:ln>
         </p:spPr>
@@ -6046,582 +6578,47 @@
           </a:p>
         </p:txBody>
       </p:sp>
-      <p:sp>
-        <p:nvSpPr>
-          <p:cNvPr id="4" name="Graphic 2">
+      <p:pic>
+        <p:nvPicPr>
+          <p:cNvPr id="3" name="Graphic 2">
             <a:extLst>
               <a:ext uri="{FF2B5EF4-FFF2-40B4-BE49-F238E27FC236}">
-                <a16:creationId xmlns:a16="http://schemas.microsoft.com/office/drawing/2014/main" id="{5726EAE2-DB3B-D940-B086-3334B651102C}"/>
+                <a16:creationId xmlns:a16="http://schemas.microsoft.com/office/drawing/2014/main" id="{1A4081C0-71C3-974C-9941-7012070FA0B5}"/>
               </a:ext>
             </a:extLst>
           </p:cNvPr>
-          <p:cNvSpPr>
-            <a:spLocks noChangeAspect="1"/>
-          </p:cNvSpPr>
+          <p:cNvPicPr>
+            <a:picLocks noChangeAspect="1"/>
+          </p:cNvPicPr>
           <p:nvPr/>
-        </p:nvSpPr>
+        </p:nvPicPr>
+        <p:blipFill>
+          <a:blip r:embed="rId2">
+            <a:extLst>
+              <a:ext uri="{96DAC541-7B7A-43D3-8B79-37D633B846F1}">
+                <asvg:svgBlip xmlns:asvg="http://schemas.microsoft.com/office/drawing/2016/SVG/main" r:embed="rId3"/>
+              </a:ext>
+            </a:extLst>
+          </a:blip>
+          <a:srcRect/>
+          <a:stretch/>
+        </p:blipFill>
         <p:spPr>
           <a:xfrm>
-            <a:off x="1008153" y="1812640"/>
-            <a:ext cx="1762482" cy="1440000"/>
+            <a:off x="1204767" y="962587"/>
+            <a:ext cx="1369777" cy="1072000"/>
           </a:xfrm>
-          <a:custGeom>
+          <a:prstGeom prst="rect">
             <a:avLst/>
-            <a:gdLst>
-              <a:gd name="connsiteX0" fmla="*/ 937950 w 1167355"/>
-              <a:gd name="connsiteY0" fmla="*/ 746665 h 954119"/>
-              <a:gd name="connsiteX1" fmla="*/ 997985 w 1167355"/>
-              <a:gd name="connsiteY1" fmla="*/ 746665 h 954119"/>
-              <a:gd name="connsiteX2" fmla="*/ 997985 w 1167355"/>
-              <a:gd name="connsiteY2" fmla="*/ 592836 h 954119"/>
-              <a:gd name="connsiteX3" fmla="*/ 994755 w 1167355"/>
-              <a:gd name="connsiteY3" fmla="*/ 585121 h 954119"/>
-              <a:gd name="connsiteX4" fmla="*/ 987061 w 1167355"/>
-              <a:gd name="connsiteY4" fmla="*/ 581882 h 954119"/>
-              <a:gd name="connsiteX5" fmla="*/ 620582 w 1167355"/>
-              <a:gd name="connsiteY5" fmla="*/ 581882 h 954119"/>
-              <a:gd name="connsiteX6" fmla="*/ 620582 w 1167355"/>
-              <a:gd name="connsiteY6" fmla="*/ 746665 h 954119"/>
-              <a:gd name="connsiteX7" fmla="*/ 680522 w 1167355"/>
-              <a:gd name="connsiteY7" fmla="*/ 746665 h 954119"/>
-              <a:gd name="connsiteX8" fmla="*/ 715004 w 1167355"/>
-              <a:gd name="connsiteY8" fmla="*/ 781240 h 954119"/>
-              <a:gd name="connsiteX9" fmla="*/ 715004 w 1167355"/>
-              <a:gd name="connsiteY9" fmla="*/ 919544 h 954119"/>
-              <a:gd name="connsiteX10" fmla="*/ 680522 w 1167355"/>
-              <a:gd name="connsiteY10" fmla="*/ 954119 h 954119"/>
-              <a:gd name="connsiteX11" fmla="*/ 485693 w 1167355"/>
-              <a:gd name="connsiteY11" fmla="*/ 954119 h 954119"/>
-              <a:gd name="connsiteX12" fmla="*/ 451211 w 1167355"/>
-              <a:gd name="connsiteY12" fmla="*/ 919544 h 954119"/>
-              <a:gd name="connsiteX13" fmla="*/ 451211 w 1167355"/>
-              <a:gd name="connsiteY13" fmla="*/ 781240 h 954119"/>
-              <a:gd name="connsiteX14" fmla="*/ 485693 w 1167355"/>
-              <a:gd name="connsiteY14" fmla="*/ 746665 h 954119"/>
-              <a:gd name="connsiteX15" fmla="*/ 545633 w 1167355"/>
-              <a:gd name="connsiteY15" fmla="*/ 746665 h 954119"/>
-              <a:gd name="connsiteX16" fmla="*/ 545633 w 1167355"/>
-              <a:gd name="connsiteY16" fmla="*/ 581882 h 954119"/>
-              <a:gd name="connsiteX17" fmla="*/ 179250 w 1167355"/>
-              <a:gd name="connsiteY17" fmla="*/ 581882 h 954119"/>
-              <a:gd name="connsiteX18" fmla="*/ 171555 w 1167355"/>
-              <a:gd name="connsiteY18" fmla="*/ 585121 h 954119"/>
-              <a:gd name="connsiteX19" fmla="*/ 168326 w 1167355"/>
-              <a:gd name="connsiteY19" fmla="*/ 592836 h 954119"/>
-              <a:gd name="connsiteX20" fmla="*/ 168326 w 1167355"/>
-              <a:gd name="connsiteY20" fmla="*/ 746665 h 954119"/>
-              <a:gd name="connsiteX21" fmla="*/ 229310 w 1167355"/>
-              <a:gd name="connsiteY21" fmla="*/ 746665 h 954119"/>
-              <a:gd name="connsiteX22" fmla="*/ 263792 w 1167355"/>
-              <a:gd name="connsiteY22" fmla="*/ 781240 h 954119"/>
-              <a:gd name="connsiteX23" fmla="*/ 263792 w 1167355"/>
-              <a:gd name="connsiteY23" fmla="*/ 919544 h 954119"/>
-              <a:gd name="connsiteX24" fmla="*/ 229310 w 1167355"/>
-              <a:gd name="connsiteY24" fmla="*/ 954119 h 954119"/>
-              <a:gd name="connsiteX25" fmla="*/ 34482 w 1167355"/>
-              <a:gd name="connsiteY25" fmla="*/ 954119 h 954119"/>
-              <a:gd name="connsiteX26" fmla="*/ 0 w 1167355"/>
-              <a:gd name="connsiteY26" fmla="*/ 919544 h 954119"/>
-              <a:gd name="connsiteX27" fmla="*/ 0 w 1167355"/>
-              <a:gd name="connsiteY27" fmla="*/ 781240 h 954119"/>
-              <a:gd name="connsiteX28" fmla="*/ 34482 w 1167355"/>
-              <a:gd name="connsiteY28" fmla="*/ 746665 h 954119"/>
-              <a:gd name="connsiteX29" fmla="*/ 93662 w 1167355"/>
-              <a:gd name="connsiteY29" fmla="*/ 746665 h 954119"/>
-              <a:gd name="connsiteX30" fmla="*/ 93662 w 1167355"/>
-              <a:gd name="connsiteY30" fmla="*/ 592836 h 954119"/>
-              <a:gd name="connsiteX31" fmla="*/ 118740 w 1167355"/>
-              <a:gd name="connsiteY31" fmla="*/ 532162 h 954119"/>
-              <a:gd name="connsiteX32" fmla="*/ 179250 w 1167355"/>
-              <a:gd name="connsiteY32" fmla="*/ 507016 h 954119"/>
-              <a:gd name="connsiteX33" fmla="*/ 545728 w 1167355"/>
-              <a:gd name="connsiteY33" fmla="*/ 507016 h 954119"/>
-              <a:gd name="connsiteX34" fmla="*/ 545728 w 1167355"/>
-              <a:gd name="connsiteY34" fmla="*/ 207455 h 954119"/>
-              <a:gd name="connsiteX35" fmla="*/ 485788 w 1167355"/>
-              <a:gd name="connsiteY35" fmla="*/ 207455 h 954119"/>
-              <a:gd name="connsiteX36" fmla="*/ 451306 w 1167355"/>
-              <a:gd name="connsiteY36" fmla="*/ 172879 h 954119"/>
-              <a:gd name="connsiteX37" fmla="*/ 451306 w 1167355"/>
-              <a:gd name="connsiteY37" fmla="*/ 34576 h 954119"/>
-              <a:gd name="connsiteX38" fmla="*/ 485788 w 1167355"/>
-              <a:gd name="connsiteY38" fmla="*/ 0 h 954119"/>
-              <a:gd name="connsiteX39" fmla="*/ 680617 w 1167355"/>
-              <a:gd name="connsiteY39" fmla="*/ 0 h 954119"/>
-              <a:gd name="connsiteX40" fmla="*/ 715099 w 1167355"/>
-              <a:gd name="connsiteY40" fmla="*/ 34576 h 954119"/>
-              <a:gd name="connsiteX41" fmla="*/ 715099 w 1167355"/>
-              <a:gd name="connsiteY41" fmla="*/ 172879 h 954119"/>
-              <a:gd name="connsiteX42" fmla="*/ 680617 w 1167355"/>
-              <a:gd name="connsiteY42" fmla="*/ 207455 h 954119"/>
-              <a:gd name="connsiteX43" fmla="*/ 620677 w 1167355"/>
-              <a:gd name="connsiteY43" fmla="*/ 207455 h 954119"/>
-              <a:gd name="connsiteX44" fmla="*/ 620677 w 1167355"/>
-              <a:gd name="connsiteY44" fmla="*/ 507016 h 954119"/>
-              <a:gd name="connsiteX45" fmla="*/ 987156 w 1167355"/>
-              <a:gd name="connsiteY45" fmla="*/ 507016 h 954119"/>
-              <a:gd name="connsiteX46" fmla="*/ 1047665 w 1167355"/>
-              <a:gd name="connsiteY46" fmla="*/ 532162 h 954119"/>
-              <a:gd name="connsiteX47" fmla="*/ 1072743 w 1167355"/>
-              <a:gd name="connsiteY47" fmla="*/ 592836 h 954119"/>
-              <a:gd name="connsiteX48" fmla="*/ 1072743 w 1167355"/>
-              <a:gd name="connsiteY48" fmla="*/ 746665 h 954119"/>
-              <a:gd name="connsiteX49" fmla="*/ 1132873 w 1167355"/>
-              <a:gd name="connsiteY49" fmla="*/ 746665 h 954119"/>
-              <a:gd name="connsiteX50" fmla="*/ 1167355 w 1167355"/>
-              <a:gd name="connsiteY50" fmla="*/ 781240 h 954119"/>
-              <a:gd name="connsiteX51" fmla="*/ 1167355 w 1167355"/>
-              <a:gd name="connsiteY51" fmla="*/ 919544 h 954119"/>
-              <a:gd name="connsiteX52" fmla="*/ 1132873 w 1167355"/>
-              <a:gd name="connsiteY52" fmla="*/ 954119 h 954119"/>
-              <a:gd name="connsiteX53" fmla="*/ 938045 w 1167355"/>
-              <a:gd name="connsiteY53" fmla="*/ 954119 h 954119"/>
-              <a:gd name="connsiteX54" fmla="*/ 903563 w 1167355"/>
-              <a:gd name="connsiteY54" fmla="*/ 919544 h 954119"/>
-              <a:gd name="connsiteX55" fmla="*/ 903563 w 1167355"/>
-              <a:gd name="connsiteY55" fmla="*/ 781240 h 954119"/>
-              <a:gd name="connsiteX56" fmla="*/ 937950 w 1167355"/>
-              <a:gd name="connsiteY56" fmla="*/ 746665 h 954119"/>
-              <a:gd name="connsiteX57" fmla="*/ 937950 w 1167355"/>
-              <a:gd name="connsiteY57" fmla="*/ 746665 h 954119"/>
-              <a:gd name="connsiteX58" fmla="*/ 937950 w 1167355"/>
-              <a:gd name="connsiteY58" fmla="*/ 746665 h 954119"/>
-            </a:gdLst>
-            <a:ahLst/>
-            <a:cxnLst>
-              <a:cxn ang="0">
-                <a:pos x="connsiteX0" y="connsiteY0"/>
-              </a:cxn>
-              <a:cxn ang="0">
-                <a:pos x="connsiteX1" y="connsiteY1"/>
-              </a:cxn>
-              <a:cxn ang="0">
-                <a:pos x="connsiteX2" y="connsiteY2"/>
-              </a:cxn>
-              <a:cxn ang="0">
-                <a:pos x="connsiteX3" y="connsiteY3"/>
-              </a:cxn>
-              <a:cxn ang="0">
-                <a:pos x="connsiteX4" y="connsiteY4"/>
-              </a:cxn>
-              <a:cxn ang="0">
-                <a:pos x="connsiteX5" y="connsiteY5"/>
-              </a:cxn>
-              <a:cxn ang="0">
-                <a:pos x="connsiteX6" y="connsiteY6"/>
-              </a:cxn>
-              <a:cxn ang="0">
-                <a:pos x="connsiteX7" y="connsiteY7"/>
-              </a:cxn>
-              <a:cxn ang="0">
-                <a:pos x="connsiteX8" y="connsiteY8"/>
-              </a:cxn>
-              <a:cxn ang="0">
-                <a:pos x="connsiteX9" y="connsiteY9"/>
-              </a:cxn>
-              <a:cxn ang="0">
-                <a:pos x="connsiteX10" y="connsiteY10"/>
-              </a:cxn>
-              <a:cxn ang="0">
-                <a:pos x="connsiteX11" y="connsiteY11"/>
-              </a:cxn>
-              <a:cxn ang="0">
-                <a:pos x="connsiteX12" y="connsiteY12"/>
-              </a:cxn>
-              <a:cxn ang="0">
-                <a:pos x="connsiteX13" y="connsiteY13"/>
-              </a:cxn>
-              <a:cxn ang="0">
-                <a:pos x="connsiteX14" y="connsiteY14"/>
-              </a:cxn>
-              <a:cxn ang="0">
-                <a:pos x="connsiteX15" y="connsiteY15"/>
-              </a:cxn>
-              <a:cxn ang="0">
-                <a:pos x="connsiteX16" y="connsiteY16"/>
-              </a:cxn>
-              <a:cxn ang="0">
-                <a:pos x="connsiteX17" y="connsiteY17"/>
-              </a:cxn>
-              <a:cxn ang="0">
-                <a:pos x="connsiteX18" y="connsiteY18"/>
-              </a:cxn>
-              <a:cxn ang="0">
-                <a:pos x="connsiteX19" y="connsiteY19"/>
-              </a:cxn>
-              <a:cxn ang="0">
-                <a:pos x="connsiteX20" y="connsiteY20"/>
-              </a:cxn>
-              <a:cxn ang="0">
-                <a:pos x="connsiteX21" y="connsiteY21"/>
-              </a:cxn>
-              <a:cxn ang="0">
-                <a:pos x="connsiteX22" y="connsiteY22"/>
-              </a:cxn>
-              <a:cxn ang="0">
-                <a:pos x="connsiteX23" y="connsiteY23"/>
-              </a:cxn>
-              <a:cxn ang="0">
-                <a:pos x="connsiteX24" y="connsiteY24"/>
-              </a:cxn>
-              <a:cxn ang="0">
-                <a:pos x="connsiteX25" y="connsiteY25"/>
-              </a:cxn>
-              <a:cxn ang="0">
-                <a:pos x="connsiteX26" y="connsiteY26"/>
-              </a:cxn>
-              <a:cxn ang="0">
-                <a:pos x="connsiteX27" y="connsiteY27"/>
-              </a:cxn>
-              <a:cxn ang="0">
-                <a:pos x="connsiteX28" y="connsiteY28"/>
-              </a:cxn>
-              <a:cxn ang="0">
-                <a:pos x="connsiteX29" y="connsiteY29"/>
-              </a:cxn>
-              <a:cxn ang="0">
-                <a:pos x="connsiteX30" y="connsiteY30"/>
-              </a:cxn>
-              <a:cxn ang="0">
-                <a:pos x="connsiteX31" y="connsiteY31"/>
-              </a:cxn>
-              <a:cxn ang="0">
-                <a:pos x="connsiteX32" y="connsiteY32"/>
-              </a:cxn>
-              <a:cxn ang="0">
-                <a:pos x="connsiteX33" y="connsiteY33"/>
-              </a:cxn>
-              <a:cxn ang="0">
-                <a:pos x="connsiteX34" y="connsiteY34"/>
-              </a:cxn>
-              <a:cxn ang="0">
-                <a:pos x="connsiteX35" y="connsiteY35"/>
-              </a:cxn>
-              <a:cxn ang="0">
-                <a:pos x="connsiteX36" y="connsiteY36"/>
-              </a:cxn>
-              <a:cxn ang="0">
-                <a:pos x="connsiteX37" y="connsiteY37"/>
-              </a:cxn>
-              <a:cxn ang="0">
-                <a:pos x="connsiteX38" y="connsiteY38"/>
-              </a:cxn>
-              <a:cxn ang="0">
-                <a:pos x="connsiteX39" y="connsiteY39"/>
-              </a:cxn>
-              <a:cxn ang="0">
-                <a:pos x="connsiteX40" y="connsiteY40"/>
-              </a:cxn>
-              <a:cxn ang="0">
-                <a:pos x="connsiteX41" y="connsiteY41"/>
-              </a:cxn>
-              <a:cxn ang="0">
-                <a:pos x="connsiteX42" y="connsiteY42"/>
-              </a:cxn>
-              <a:cxn ang="0">
-                <a:pos x="connsiteX43" y="connsiteY43"/>
-              </a:cxn>
-              <a:cxn ang="0">
-                <a:pos x="connsiteX44" y="connsiteY44"/>
-              </a:cxn>
-              <a:cxn ang="0">
-                <a:pos x="connsiteX45" y="connsiteY45"/>
-              </a:cxn>
-              <a:cxn ang="0">
-                <a:pos x="connsiteX46" y="connsiteY46"/>
-              </a:cxn>
-              <a:cxn ang="0">
-                <a:pos x="connsiteX47" y="connsiteY47"/>
-              </a:cxn>
-              <a:cxn ang="0">
-                <a:pos x="connsiteX48" y="connsiteY48"/>
-              </a:cxn>
-              <a:cxn ang="0">
-                <a:pos x="connsiteX49" y="connsiteY49"/>
-              </a:cxn>
-              <a:cxn ang="0">
-                <a:pos x="connsiteX50" y="connsiteY50"/>
-              </a:cxn>
-              <a:cxn ang="0">
-                <a:pos x="connsiteX51" y="connsiteY51"/>
-              </a:cxn>
-              <a:cxn ang="0">
-                <a:pos x="connsiteX52" y="connsiteY52"/>
-              </a:cxn>
-              <a:cxn ang="0">
-                <a:pos x="connsiteX53" y="connsiteY53"/>
-              </a:cxn>
-              <a:cxn ang="0">
-                <a:pos x="connsiteX54" y="connsiteY54"/>
-              </a:cxn>
-              <a:cxn ang="0">
-                <a:pos x="connsiteX55" y="connsiteY55"/>
-              </a:cxn>
-              <a:cxn ang="0">
-                <a:pos x="connsiteX56" y="connsiteY56"/>
-              </a:cxn>
-              <a:cxn ang="0">
-                <a:pos x="connsiteX57" y="connsiteY57"/>
-              </a:cxn>
-              <a:cxn ang="0">
-                <a:pos x="connsiteX58" y="connsiteY58"/>
-              </a:cxn>
-            </a:cxnLst>
-            <a:rect l="l" t="t" r="r" b="b"/>
-            <a:pathLst>
-              <a:path w="1167355" h="954119">
-                <a:moveTo>
-                  <a:pt x="937950" y="746665"/>
-                </a:moveTo>
-                <a:lnTo>
-                  <a:pt x="997985" y="746665"/>
-                </a:lnTo>
-                <a:lnTo>
-                  <a:pt x="997985" y="592836"/>
-                </a:lnTo>
-                <a:cubicBezTo>
-                  <a:pt x="997985" y="589883"/>
-                  <a:pt x="996750" y="587121"/>
-                  <a:pt x="994755" y="585121"/>
-                </a:cubicBezTo>
-                <a:cubicBezTo>
-                  <a:pt x="992760" y="583121"/>
-                  <a:pt x="990005" y="581882"/>
-                  <a:pt x="987061" y="581882"/>
-                </a:cubicBezTo>
-                <a:lnTo>
-                  <a:pt x="620582" y="581882"/>
-                </a:lnTo>
-                <a:lnTo>
-                  <a:pt x="620582" y="746665"/>
-                </a:lnTo>
-                <a:lnTo>
-                  <a:pt x="680522" y="746665"/>
-                </a:lnTo>
-                <a:cubicBezTo>
-                  <a:pt x="699520" y="746665"/>
-                  <a:pt x="715004" y="762190"/>
-                  <a:pt x="715004" y="781240"/>
-                </a:cubicBezTo>
-                <a:lnTo>
-                  <a:pt x="715004" y="919544"/>
-                </a:lnTo>
-                <a:cubicBezTo>
-                  <a:pt x="715004" y="938594"/>
-                  <a:pt x="699520" y="954119"/>
-                  <a:pt x="680522" y="954119"/>
-                </a:cubicBezTo>
-                <a:lnTo>
-                  <a:pt x="485693" y="954119"/>
-                </a:lnTo>
-                <a:cubicBezTo>
-                  <a:pt x="466695" y="954119"/>
-                  <a:pt x="451211" y="938594"/>
-                  <a:pt x="451211" y="919544"/>
-                </a:cubicBezTo>
-                <a:lnTo>
-                  <a:pt x="451211" y="781240"/>
-                </a:lnTo>
-                <a:cubicBezTo>
-                  <a:pt x="451211" y="762190"/>
-                  <a:pt x="466695" y="746665"/>
-                  <a:pt x="485693" y="746665"/>
-                </a:cubicBezTo>
-                <a:lnTo>
-                  <a:pt x="545633" y="746665"/>
-                </a:lnTo>
-                <a:lnTo>
-                  <a:pt x="545633" y="581882"/>
-                </a:lnTo>
-                <a:lnTo>
-                  <a:pt x="179250" y="581882"/>
-                </a:lnTo>
-                <a:cubicBezTo>
-                  <a:pt x="176305" y="581882"/>
-                  <a:pt x="173550" y="583121"/>
-                  <a:pt x="171555" y="585121"/>
-                </a:cubicBezTo>
-                <a:cubicBezTo>
-                  <a:pt x="169560" y="587121"/>
-                  <a:pt x="168326" y="589883"/>
-                  <a:pt x="168326" y="592836"/>
-                </a:cubicBezTo>
-                <a:lnTo>
-                  <a:pt x="168326" y="746665"/>
-                </a:lnTo>
-                <a:lnTo>
-                  <a:pt x="229310" y="746665"/>
-                </a:lnTo>
-                <a:cubicBezTo>
-                  <a:pt x="248309" y="746665"/>
-                  <a:pt x="263792" y="762190"/>
-                  <a:pt x="263792" y="781240"/>
-                </a:cubicBezTo>
-                <a:lnTo>
-                  <a:pt x="263792" y="919544"/>
-                </a:lnTo>
-                <a:cubicBezTo>
-                  <a:pt x="263792" y="938594"/>
-                  <a:pt x="248309" y="954119"/>
-                  <a:pt x="229310" y="954119"/>
-                </a:cubicBezTo>
-                <a:lnTo>
-                  <a:pt x="34482" y="954119"/>
-                </a:lnTo>
-                <a:cubicBezTo>
-                  <a:pt x="15484" y="954119"/>
-                  <a:pt x="0" y="938594"/>
-                  <a:pt x="0" y="919544"/>
-                </a:cubicBezTo>
-                <a:lnTo>
-                  <a:pt x="0" y="781240"/>
-                </a:lnTo>
-                <a:cubicBezTo>
-                  <a:pt x="0" y="762190"/>
-                  <a:pt x="15484" y="746665"/>
-                  <a:pt x="34482" y="746665"/>
-                </a:cubicBezTo>
-                <a:lnTo>
-                  <a:pt x="93662" y="746665"/>
-                </a:lnTo>
-                <a:lnTo>
-                  <a:pt x="93662" y="592836"/>
-                </a:lnTo>
-                <a:cubicBezTo>
-                  <a:pt x="93662" y="569214"/>
-                  <a:pt x="103256" y="547688"/>
-                  <a:pt x="118740" y="532162"/>
-                </a:cubicBezTo>
-                <a:cubicBezTo>
-                  <a:pt x="134224" y="516636"/>
-                  <a:pt x="155597" y="507016"/>
-                  <a:pt x="179250" y="507016"/>
-                </a:cubicBezTo>
-                <a:lnTo>
-                  <a:pt x="545728" y="507016"/>
-                </a:lnTo>
-                <a:lnTo>
-                  <a:pt x="545728" y="207455"/>
-                </a:lnTo>
-                <a:lnTo>
-                  <a:pt x="485788" y="207455"/>
-                </a:lnTo>
-                <a:cubicBezTo>
-                  <a:pt x="466790" y="207455"/>
-                  <a:pt x="451306" y="191929"/>
-                  <a:pt x="451306" y="172879"/>
-                </a:cubicBezTo>
-                <a:lnTo>
-                  <a:pt x="451306" y="34576"/>
-                </a:lnTo>
-                <a:cubicBezTo>
-                  <a:pt x="451306" y="15526"/>
-                  <a:pt x="466790" y="0"/>
-                  <a:pt x="485788" y="0"/>
-                </a:cubicBezTo>
-                <a:lnTo>
-                  <a:pt x="680617" y="0"/>
-                </a:lnTo>
-                <a:cubicBezTo>
-                  <a:pt x="699615" y="0"/>
-                  <a:pt x="715099" y="15526"/>
-                  <a:pt x="715099" y="34576"/>
-                </a:cubicBezTo>
-                <a:lnTo>
-                  <a:pt x="715099" y="172879"/>
-                </a:lnTo>
-                <a:cubicBezTo>
-                  <a:pt x="715099" y="191929"/>
-                  <a:pt x="699615" y="207455"/>
-                  <a:pt x="680617" y="207455"/>
-                </a:cubicBezTo>
-                <a:lnTo>
-                  <a:pt x="620677" y="207455"/>
-                </a:lnTo>
-                <a:lnTo>
-                  <a:pt x="620677" y="507016"/>
-                </a:lnTo>
-                <a:lnTo>
-                  <a:pt x="987156" y="507016"/>
-                </a:lnTo>
-                <a:cubicBezTo>
-                  <a:pt x="1010714" y="507016"/>
-                  <a:pt x="1032182" y="516636"/>
-                  <a:pt x="1047665" y="532162"/>
-                </a:cubicBezTo>
-                <a:cubicBezTo>
-                  <a:pt x="1063149" y="547688"/>
-                  <a:pt x="1072743" y="569214"/>
-                  <a:pt x="1072743" y="592836"/>
-                </a:cubicBezTo>
-                <a:lnTo>
-                  <a:pt x="1072743" y="746665"/>
-                </a:lnTo>
-                <a:lnTo>
-                  <a:pt x="1132873" y="746665"/>
-                </a:lnTo>
-                <a:cubicBezTo>
-                  <a:pt x="1151871" y="746665"/>
-                  <a:pt x="1167355" y="762190"/>
-                  <a:pt x="1167355" y="781240"/>
-                </a:cubicBezTo>
-                <a:lnTo>
-                  <a:pt x="1167355" y="919544"/>
-                </a:lnTo>
-                <a:cubicBezTo>
-                  <a:pt x="1167355" y="938594"/>
-                  <a:pt x="1151871" y="954119"/>
-                  <a:pt x="1132873" y="954119"/>
-                </a:cubicBezTo>
-                <a:lnTo>
-                  <a:pt x="938045" y="954119"/>
-                </a:lnTo>
-                <a:cubicBezTo>
-                  <a:pt x="919046" y="954119"/>
-                  <a:pt x="903563" y="938594"/>
-                  <a:pt x="903563" y="919544"/>
-                </a:cubicBezTo>
-                <a:lnTo>
-                  <a:pt x="903563" y="781240"/>
-                </a:lnTo>
-                <a:cubicBezTo>
-                  <a:pt x="903468" y="762190"/>
-                  <a:pt x="919046" y="746665"/>
-                  <a:pt x="937950" y="746665"/>
-                </a:cubicBezTo>
-                <a:lnTo>
-                  <a:pt x="937950" y="746665"/>
-                </a:lnTo>
-                <a:lnTo>
-                  <a:pt x="937950" y="746665"/>
-                </a:lnTo>
-                <a:close/>
-              </a:path>
-            </a:pathLst>
-          </a:custGeom>
-          <a:solidFill>
-            <a:srgbClr val="EB6864"/>
-          </a:solidFill>
-          <a:ln w="9448" cap="flat">
-            <a:noFill/>
-            <a:prstDash val="solid"/>
-            <a:miter/>
-          </a:ln>
+          </a:prstGeom>
         </p:spPr>
-        <p:txBody>
-          <a:bodyPr rtlCol="0" anchor="ctr"/>
-          <a:lstStyle/>
-          <a:p>
-            <a:endParaRPr lang="en-NO"/>
-          </a:p>
-        </p:txBody>
-      </p:sp>
-      <p:sp>
-        <p:nvSpPr>
-          <p:cNvPr id="7" name="TextBox 6">
+      </p:pic>
+      <p:sp>
+        <p:nvSpPr>
+          <p:cNvPr id="2" name="TextBox 1">
             <a:extLst>
               <a:ext uri="{FF2B5EF4-FFF2-40B4-BE49-F238E27FC236}">
-                <a16:creationId xmlns:a16="http://schemas.microsoft.com/office/drawing/2014/main" id="{D66B9D3B-7CA0-C944-B58A-DE784DF8F247}"/>
+                <a16:creationId xmlns:a16="http://schemas.microsoft.com/office/drawing/2014/main" id="{6C5DC8FA-0ACD-110F-D686-73A5B0FBEF2B}"/>
               </a:ext>
             </a:extLst>
           </p:cNvPr>
@@ -6630,26 +6627,37 @@
         </p:nvSpPr>
         <p:spPr>
           <a:xfrm>
-            <a:off x="893226" y="771286"/>
-            <a:ext cx="1993387" cy="830997"/>
+            <a:off x="89393" y="2469166"/>
+            <a:ext cx="3600001" cy="699336"/>
           </a:xfrm>
           <a:prstGeom prst="rect">
             <a:avLst/>
           </a:prstGeom>
-          <a:noFill/>
+          <a:solidFill>
+            <a:srgbClr val="E84B3B"/>
+          </a:solidFill>
+          <a:ln w="25400">
+            <a:solidFill>
+              <a:schemeClr val="bg1"/>
+            </a:solidFill>
+          </a:ln>
         </p:spPr>
         <p:txBody>
-          <a:bodyPr wrap="square" rtlCol="0">
-            <a:spAutoFit/>
+          <a:bodyPr wrap="square" bIns="46800" rtlCol="0" anchor="ctr" anchorCtr="0">
+            <a:noAutofit/>
           </a:bodyPr>
           <a:lstStyle/>
           <a:p>
             <a:pPr algn="ctr"/>
             <a:r>
-              <a:rPr lang="en-NO" sz="4800" b="1" dirty="0">
-                <a:latin typeface="Helvetica" pitchFamily="2" charset="0"/>
+              <a:rPr lang="en-NO" sz="4000" b="1" dirty="0">
+                <a:solidFill>
+                  <a:schemeClr val="bg1"/>
+                </a:solidFill>
+                <a:latin typeface="Source Sans Pro" panose="020B0503030403020204" pitchFamily="34" charset="0"/>
+                <a:ea typeface="Source Sans Pro" panose="020B0503030403020204" pitchFamily="34" charset="0"/>
               </a:rPr>
-              <a:t>org</a:t>
+              <a:t>csalert</a:t>
             </a:r>
           </a:p>
         </p:txBody>
@@ -6657,7 +6665,7 @@
     </p:spTree>
     <p:extLst>
       <p:ext uri="{BB962C8B-B14F-4D97-AF65-F5344CB8AC3E}">
-        <p14:creationId xmlns:p14="http://schemas.microsoft.com/office/powerpoint/2010/main" val="659221973"/>
+        <p14:creationId xmlns:p14="http://schemas.microsoft.com/office/powerpoint/2010/main" val="415382373"/>
       </p:ext>
     </p:extLst>
   </p:cSld>
@@ -6686,10 +6694,10 @@
       </p:grpSpPr>
       <p:sp>
         <p:nvSpPr>
-          <p:cNvPr id="22" name="Hexagon 21">
+          <p:cNvPr id="11" name="Hexagon 10">
             <a:extLst>
               <a:ext uri="{FF2B5EF4-FFF2-40B4-BE49-F238E27FC236}">
-                <a16:creationId xmlns:a16="http://schemas.microsoft.com/office/drawing/2014/main" id="{FEF41C22-B492-4F4A-A87C-4B0F7A8FE87B}"/>
+                <a16:creationId xmlns:a16="http://schemas.microsoft.com/office/drawing/2014/main" id="{F07B6582-6C48-1673-4E3E-E19898643345}"/>
               </a:ext>
             </a:extLst>
           </p:cNvPr>
@@ -6700,7 +6708,7 @@
         </p:nvSpPr>
         <p:spPr>
           <a:xfrm rot="5400000">
-            <a:off x="-188550" y="359794"/>
+            <a:off x="-189075" y="359794"/>
             <a:ext cx="4156939" cy="3600000"/>
           </a:xfrm>
           <a:prstGeom prst="hexagon">
@@ -6710,11 +6718,11 @@
             </a:avLst>
           </a:prstGeom>
           <a:solidFill>
-            <a:srgbClr val="B8E2F2"/>
+            <a:srgbClr val="192A3A"/>
           </a:solidFill>
           <a:ln w="25400">
             <a:solidFill>
-              <a:srgbClr val="77B6CD"/>
+              <a:schemeClr val="bg1"/>
             </a:solidFill>
           </a:ln>
         </p:spPr>
@@ -6750,7 +6758,7 @@
           <p:cNvPr id="3" name="Graphic 2">
             <a:extLst>
               <a:ext uri="{FF2B5EF4-FFF2-40B4-BE49-F238E27FC236}">
-                <a16:creationId xmlns:a16="http://schemas.microsoft.com/office/drawing/2014/main" id="{0DBE3B58-69B7-FE4E-990E-C80BF32DCF7A}"/>
+                <a16:creationId xmlns:a16="http://schemas.microsoft.com/office/drawing/2014/main" id="{1A4081C0-71C3-974C-9941-7012070FA0B5}"/>
               </a:ext>
             </a:extLst>
           </p:cNvPr>
@@ -6767,14 +6775,13 @@
               </a:ext>
             </a:extLst>
           </a:blip>
-          <a:stretch>
-            <a:fillRect/>
-          </a:stretch>
+          <a:srcRect/>
+          <a:stretch/>
         </p:blipFill>
         <p:spPr>
           <a:xfrm>
-            <a:off x="943108" y="2016800"/>
-            <a:ext cx="1892572" cy="1440000"/>
+            <a:off x="1322851" y="962587"/>
+            <a:ext cx="1133609" cy="1072000"/>
           </a:xfrm>
           <a:prstGeom prst="rect">
             <a:avLst/>
@@ -6783,10 +6790,10 @@
       </p:pic>
       <p:sp>
         <p:nvSpPr>
-          <p:cNvPr id="8" name="TextBox 7">
+          <p:cNvPr id="2" name="TextBox 1">
             <a:extLst>
               <a:ext uri="{FF2B5EF4-FFF2-40B4-BE49-F238E27FC236}">
-                <a16:creationId xmlns:a16="http://schemas.microsoft.com/office/drawing/2014/main" id="{B6284167-1684-E047-85E2-D52F7779EA4D}"/>
+                <a16:creationId xmlns:a16="http://schemas.microsoft.com/office/drawing/2014/main" id="{5C5E45F9-7FFB-F54F-FDA4-52AA1348F447}"/>
               </a:ext>
             </a:extLst>
           </p:cNvPr>
@@ -6795,26 +6802,37 @@
         </p:nvSpPr>
         <p:spPr>
           <a:xfrm>
-            <a:off x="811872" y="771286"/>
-            <a:ext cx="2156095" cy="830997"/>
+            <a:off x="89393" y="2469166"/>
+            <a:ext cx="3600001" cy="699336"/>
           </a:xfrm>
           <a:prstGeom prst="rect">
             <a:avLst/>
           </a:prstGeom>
-          <a:noFill/>
+          <a:solidFill>
+            <a:srgbClr val="E84B3B"/>
+          </a:solidFill>
+          <a:ln w="25400">
+            <a:solidFill>
+              <a:schemeClr val="bg1"/>
+            </a:solidFill>
+          </a:ln>
         </p:spPr>
         <p:txBody>
-          <a:bodyPr wrap="square" rtlCol="0">
-            <a:spAutoFit/>
+          <a:bodyPr wrap="square" bIns="46800" rtlCol="0" anchor="ctr" anchorCtr="0">
+            <a:noAutofit/>
           </a:bodyPr>
           <a:lstStyle/>
           <a:p>
             <a:pPr algn="ctr"/>
             <a:r>
-              <a:rPr lang="en-NO" sz="4800" b="1" dirty="0">
-                <a:latin typeface="Helvetica" pitchFamily="2" charset="0"/>
+              <a:rPr lang="en-NO" sz="4000" b="1" dirty="0">
+                <a:solidFill>
+                  <a:schemeClr val="bg1"/>
+                </a:solidFill>
+                <a:latin typeface="Source Sans Pro" panose="020B0503030403020204" pitchFamily="34" charset="0"/>
+                <a:ea typeface="Source Sans Pro" panose="020B0503030403020204" pitchFamily="34" charset="0"/>
               </a:rPr>
-              <a:t>plnr</a:t>
+              <a:t>csdata</a:t>
             </a:r>
           </a:p>
         </p:txBody>
@@ -6822,7 +6840,7 @@
     </p:spTree>
     <p:extLst>
       <p:ext uri="{BB962C8B-B14F-4D97-AF65-F5344CB8AC3E}">
-        <p14:creationId xmlns:p14="http://schemas.microsoft.com/office/powerpoint/2010/main" val="469784191"/>
+        <p14:creationId xmlns:p14="http://schemas.microsoft.com/office/powerpoint/2010/main" val="3041215892"/>
       </p:ext>
     </p:extLst>
   </p:cSld>
@@ -6851,10 +6869,10 @@
       </p:grpSpPr>
       <p:sp>
         <p:nvSpPr>
-          <p:cNvPr id="22" name="Hexagon 21">
+          <p:cNvPr id="11" name="Hexagon 10">
             <a:extLst>
               <a:ext uri="{FF2B5EF4-FFF2-40B4-BE49-F238E27FC236}">
-                <a16:creationId xmlns:a16="http://schemas.microsoft.com/office/drawing/2014/main" id="{FEF41C22-B492-4F4A-A87C-4B0F7A8FE87B}"/>
+                <a16:creationId xmlns:a16="http://schemas.microsoft.com/office/drawing/2014/main" id="{F07B6582-6C48-1673-4E3E-E19898643345}"/>
               </a:ext>
             </a:extLst>
           </p:cNvPr>
@@ -6865,7 +6883,7 @@
         </p:nvSpPr>
         <p:spPr>
           <a:xfrm rot="5400000">
-            <a:off x="-188550" y="359794"/>
+            <a:off x="-189075" y="359794"/>
             <a:ext cx="4156939" cy="3600000"/>
           </a:xfrm>
           <a:prstGeom prst="hexagon">
@@ -6875,11 +6893,11 @@
             </a:avLst>
           </a:prstGeom>
           <a:solidFill>
-            <a:srgbClr val="B8E2F2"/>
+            <a:srgbClr val="192A3A"/>
           </a:solidFill>
           <a:ln w="25400">
             <a:solidFill>
-              <a:srgbClr val="77B6CD"/>
+              <a:schemeClr val="bg1"/>
             </a:solidFill>
           </a:ln>
         </p:spPr>
@@ -6910,50 +6928,12 @@
           </a:p>
         </p:txBody>
       </p:sp>
-      <p:sp>
-        <p:nvSpPr>
-          <p:cNvPr id="8" name="TextBox 7">
+      <p:pic>
+        <p:nvPicPr>
+          <p:cNvPr id="3" name="Graphic 2">
             <a:extLst>
               <a:ext uri="{FF2B5EF4-FFF2-40B4-BE49-F238E27FC236}">
-                <a16:creationId xmlns:a16="http://schemas.microsoft.com/office/drawing/2014/main" id="{B6284167-1684-E047-85E2-D52F7779EA4D}"/>
-              </a:ext>
-            </a:extLst>
-          </p:cNvPr>
-          <p:cNvSpPr txBox="1"/>
-          <p:nvPr/>
-        </p:nvSpPr>
-        <p:spPr>
-          <a:xfrm>
-            <a:off x="564962" y="771286"/>
-            <a:ext cx="2649915" cy="830997"/>
-          </a:xfrm>
-          <a:prstGeom prst="rect">
-            <a:avLst/>
-          </a:prstGeom>
-          <a:noFill/>
-        </p:spPr>
-        <p:txBody>
-          <a:bodyPr wrap="square" rtlCol="0">
-            <a:spAutoFit/>
-          </a:bodyPr>
-          <a:lstStyle/>
-          <a:p>
-            <a:pPr algn="ctr"/>
-            <a:r>
-              <a:rPr lang="en-NO" sz="4800" b="1" dirty="0">
-                <a:latin typeface="Helvetica" pitchFamily="2" charset="0"/>
-              </a:rPr>
-              <a:t>nowcast</a:t>
-            </a:r>
-          </a:p>
-        </p:txBody>
-      </p:sp>
-      <p:pic>
-        <p:nvPicPr>
-          <p:cNvPr id="7" name="Graphic 6">
-            <a:extLst>
-              <a:ext uri="{FF2B5EF4-FFF2-40B4-BE49-F238E27FC236}">
-                <a16:creationId xmlns:a16="http://schemas.microsoft.com/office/drawing/2014/main" id="{0BAF4ED7-BA54-9744-AE8F-95D4D45E2AE7}"/>
+                <a16:creationId xmlns:a16="http://schemas.microsoft.com/office/drawing/2014/main" id="{1A4081C0-71C3-974C-9941-7012070FA0B5}"/>
               </a:ext>
             </a:extLst>
           </p:cNvPr>
@@ -6975,18 +6955,67 @@
         </p:blipFill>
         <p:spPr>
           <a:xfrm>
-            <a:off x="1101348" y="1903103"/>
-            <a:ext cx="1577143" cy="1440000"/>
+            <a:off x="1153656" y="962587"/>
+            <a:ext cx="1472000" cy="1072000"/>
           </a:xfrm>
           <a:prstGeom prst="rect">
             <a:avLst/>
           </a:prstGeom>
         </p:spPr>
       </p:pic>
+      <p:sp>
+        <p:nvSpPr>
+          <p:cNvPr id="2" name="TextBox 1">
+            <a:extLst>
+              <a:ext uri="{FF2B5EF4-FFF2-40B4-BE49-F238E27FC236}">
+                <a16:creationId xmlns:a16="http://schemas.microsoft.com/office/drawing/2014/main" id="{01F574B8-EA60-39D4-2605-95075211E4F2}"/>
+              </a:ext>
+            </a:extLst>
+          </p:cNvPr>
+          <p:cNvSpPr txBox="1"/>
+          <p:nvPr/>
+        </p:nvSpPr>
+        <p:spPr>
+          <a:xfrm>
+            <a:off x="89393" y="2469166"/>
+            <a:ext cx="3600001" cy="699336"/>
+          </a:xfrm>
+          <a:prstGeom prst="rect">
+            <a:avLst/>
+          </a:prstGeom>
+          <a:solidFill>
+            <a:srgbClr val="E84B3B"/>
+          </a:solidFill>
+          <a:ln w="25400">
+            <a:solidFill>
+              <a:schemeClr val="bg1"/>
+            </a:solidFill>
+          </a:ln>
+        </p:spPr>
+        <p:txBody>
+          <a:bodyPr wrap="square" bIns="46800" rtlCol="0" anchor="ctr" anchorCtr="0">
+            <a:noAutofit/>
+          </a:bodyPr>
+          <a:lstStyle/>
+          <a:p>
+            <a:pPr algn="ctr"/>
+            <a:r>
+              <a:rPr lang="en-NO" sz="4000" b="1" dirty="0">
+                <a:solidFill>
+                  <a:schemeClr val="bg1"/>
+                </a:solidFill>
+                <a:latin typeface="Source Sans Pro" panose="020B0503030403020204" pitchFamily="34" charset="0"/>
+                <a:ea typeface="Source Sans Pro" panose="020B0503030403020204" pitchFamily="34" charset="0"/>
+              </a:rPr>
+              <a:t>csdb</a:t>
+            </a:r>
+          </a:p>
+        </p:txBody>
+      </p:sp>
     </p:spTree>
     <p:extLst>
       <p:ext uri="{BB962C8B-B14F-4D97-AF65-F5344CB8AC3E}">
-        <p14:creationId xmlns:p14="http://schemas.microsoft.com/office/powerpoint/2010/main" val="1575604700"/>
+        <p14:creationId xmlns:p14="http://schemas.microsoft.com/office/powerpoint/2010/main" val="1925810753"/>
       </p:ext>
     </p:extLst>
   </p:cSld>
@@ -7015,10 +7044,10 @@
       </p:grpSpPr>
       <p:sp>
         <p:nvSpPr>
-          <p:cNvPr id="22" name="Hexagon 21">
+          <p:cNvPr id="11" name="Hexagon 10">
             <a:extLst>
               <a:ext uri="{FF2B5EF4-FFF2-40B4-BE49-F238E27FC236}">
-                <a16:creationId xmlns:a16="http://schemas.microsoft.com/office/drawing/2014/main" id="{FEF41C22-B492-4F4A-A87C-4B0F7A8FE87B}"/>
+                <a16:creationId xmlns:a16="http://schemas.microsoft.com/office/drawing/2014/main" id="{F07B6582-6C48-1673-4E3E-E19898643345}"/>
               </a:ext>
             </a:extLst>
           </p:cNvPr>
@@ -7029,7 +7058,7 @@
         </p:nvSpPr>
         <p:spPr>
           <a:xfrm rot="5400000">
-            <a:off x="-188550" y="359794"/>
+            <a:off x="-189075" y="359794"/>
             <a:ext cx="4156939" cy="3600000"/>
           </a:xfrm>
           <a:prstGeom prst="hexagon">
@@ -7039,11 +7068,11 @@
             </a:avLst>
           </a:prstGeom>
           <a:solidFill>
-            <a:srgbClr val="B8E2F2"/>
+            <a:srgbClr val="192A3A"/>
           </a:solidFill>
           <a:ln w="25400">
             <a:solidFill>
-              <a:srgbClr val="77B6CD"/>
+              <a:schemeClr val="bg1"/>
             </a:solidFill>
           </a:ln>
         </p:spPr>
@@ -7074,50 +7103,12 @@
           </a:p>
         </p:txBody>
       </p:sp>
-      <p:sp>
-        <p:nvSpPr>
-          <p:cNvPr id="24" name="TextBox 23">
+      <p:pic>
+        <p:nvPicPr>
+          <p:cNvPr id="3" name="Graphic 2">
             <a:extLst>
               <a:ext uri="{FF2B5EF4-FFF2-40B4-BE49-F238E27FC236}">
-                <a16:creationId xmlns:a16="http://schemas.microsoft.com/office/drawing/2014/main" id="{941A1A79-06D6-8E45-8240-3F38ABAC9B84}"/>
-              </a:ext>
-            </a:extLst>
-          </p:cNvPr>
-          <p:cNvSpPr txBox="1"/>
-          <p:nvPr/>
-        </p:nvSpPr>
-        <p:spPr>
-          <a:xfrm>
-            <a:off x="89394" y="771286"/>
-            <a:ext cx="3600001" cy="830997"/>
-          </a:xfrm>
-          <a:prstGeom prst="rect">
-            <a:avLst/>
-          </a:prstGeom>
-          <a:noFill/>
-        </p:spPr>
-        <p:txBody>
-          <a:bodyPr wrap="square" rtlCol="0">
-            <a:spAutoFit/>
-          </a:bodyPr>
-          <a:lstStyle/>
-          <a:p>
-            <a:pPr algn="ctr"/>
-            <a:r>
-              <a:rPr lang="en-NO" sz="4800" b="1" dirty="0">
-                <a:latin typeface="Helvetica" pitchFamily="2" charset="0"/>
-              </a:rPr>
-              <a:t>csalert</a:t>
-            </a:r>
-          </a:p>
-        </p:txBody>
-      </p:sp>
-      <p:pic>
-        <p:nvPicPr>
-          <p:cNvPr id="4" name="Graphic 3">
-            <a:extLst>
-              <a:ext uri="{FF2B5EF4-FFF2-40B4-BE49-F238E27FC236}">
-                <a16:creationId xmlns:a16="http://schemas.microsoft.com/office/drawing/2014/main" id="{E546F888-9EAD-0E4F-A13F-8309FEC03BFA}"/>
+                <a16:creationId xmlns:a16="http://schemas.microsoft.com/office/drawing/2014/main" id="{1A4081C0-71C3-974C-9941-7012070FA0B5}"/>
               </a:ext>
             </a:extLst>
           </p:cNvPr>
@@ -7139,18 +7130,67 @@
         </p:blipFill>
         <p:spPr>
           <a:xfrm>
-            <a:off x="969919" y="1760113"/>
-            <a:ext cx="1840001" cy="1440000"/>
+            <a:off x="1126117" y="448387"/>
+            <a:ext cx="1527605" cy="2160000"/>
           </a:xfrm>
           <a:prstGeom prst="rect">
             <a:avLst/>
           </a:prstGeom>
         </p:spPr>
       </p:pic>
+      <p:sp>
+        <p:nvSpPr>
+          <p:cNvPr id="2" name="TextBox 1">
+            <a:extLst>
+              <a:ext uri="{FF2B5EF4-FFF2-40B4-BE49-F238E27FC236}">
+                <a16:creationId xmlns:a16="http://schemas.microsoft.com/office/drawing/2014/main" id="{0F0837AD-5B75-ACA9-2F0A-C6A62A6401F9}"/>
+              </a:ext>
+            </a:extLst>
+          </p:cNvPr>
+          <p:cNvSpPr txBox="1"/>
+          <p:nvPr/>
+        </p:nvSpPr>
+        <p:spPr>
+          <a:xfrm>
+            <a:off x="89393" y="2469166"/>
+            <a:ext cx="3600001" cy="699336"/>
+          </a:xfrm>
+          <a:prstGeom prst="rect">
+            <a:avLst/>
+          </a:prstGeom>
+          <a:solidFill>
+            <a:srgbClr val="E84B3B"/>
+          </a:solidFill>
+          <a:ln w="25400">
+            <a:solidFill>
+              <a:schemeClr val="bg1"/>
+            </a:solidFill>
+          </a:ln>
+        </p:spPr>
+        <p:txBody>
+          <a:bodyPr wrap="square" bIns="46800" rtlCol="0" anchor="ctr" anchorCtr="0">
+            <a:noAutofit/>
+          </a:bodyPr>
+          <a:lstStyle/>
+          <a:p>
+            <a:pPr algn="ctr"/>
+            <a:r>
+              <a:rPr lang="en-NO" sz="4000" b="1" dirty="0">
+                <a:solidFill>
+                  <a:schemeClr val="bg1"/>
+                </a:solidFill>
+                <a:latin typeface="Source Sans Pro" panose="020B0503030403020204" pitchFamily="34" charset="0"/>
+                <a:ea typeface="Source Sans Pro" panose="020B0503030403020204" pitchFamily="34" charset="0"/>
+              </a:rPr>
+              <a:t>csmaps</a:t>
+            </a:r>
+          </a:p>
+        </p:txBody>
+      </p:sp>
     </p:spTree>
     <p:extLst>
       <p:ext uri="{BB962C8B-B14F-4D97-AF65-F5344CB8AC3E}">
-        <p14:creationId xmlns:p14="http://schemas.microsoft.com/office/powerpoint/2010/main" val="1427995559"/>
+        <p14:creationId xmlns:p14="http://schemas.microsoft.com/office/powerpoint/2010/main" val="3091178295"/>
       </p:ext>
     </p:extLst>
   </p:cSld>
@@ -7179,10 +7219,10 @@
       </p:grpSpPr>
       <p:sp>
         <p:nvSpPr>
-          <p:cNvPr id="22" name="Hexagon 21">
+          <p:cNvPr id="11" name="Hexagon 10">
             <a:extLst>
               <a:ext uri="{FF2B5EF4-FFF2-40B4-BE49-F238E27FC236}">
-                <a16:creationId xmlns:a16="http://schemas.microsoft.com/office/drawing/2014/main" id="{FEF41C22-B492-4F4A-A87C-4B0F7A8FE87B}"/>
+                <a16:creationId xmlns:a16="http://schemas.microsoft.com/office/drawing/2014/main" id="{F07B6582-6C48-1673-4E3E-E19898643345}"/>
               </a:ext>
             </a:extLst>
           </p:cNvPr>
@@ -7193,7 +7233,7 @@
         </p:nvSpPr>
         <p:spPr>
           <a:xfrm rot="5400000">
-            <a:off x="-188550" y="359794"/>
+            <a:off x="-189075" y="359794"/>
             <a:ext cx="4156939" cy="3600000"/>
           </a:xfrm>
           <a:prstGeom prst="hexagon">
@@ -7203,11 +7243,11 @@
             </a:avLst>
           </a:prstGeom>
           <a:solidFill>
-            <a:srgbClr val="B8E2F2"/>
+            <a:srgbClr val="192A3A"/>
           </a:solidFill>
           <a:ln w="25400">
             <a:solidFill>
-              <a:srgbClr val="77B6CD"/>
+              <a:schemeClr val="bg1"/>
             </a:solidFill>
           </a:ln>
         </p:spPr>
@@ -7238,50 +7278,12 @@
           </a:p>
         </p:txBody>
       </p:sp>
-      <p:sp>
-        <p:nvSpPr>
-          <p:cNvPr id="24" name="TextBox 23">
+      <p:pic>
+        <p:nvPicPr>
+          <p:cNvPr id="3" name="Graphic 2">
             <a:extLst>
               <a:ext uri="{FF2B5EF4-FFF2-40B4-BE49-F238E27FC236}">
-                <a16:creationId xmlns:a16="http://schemas.microsoft.com/office/drawing/2014/main" id="{941A1A79-06D6-8E45-8240-3F38ABAC9B84}"/>
-              </a:ext>
-            </a:extLst>
-          </p:cNvPr>
-          <p:cNvSpPr txBox="1"/>
-          <p:nvPr/>
-        </p:nvSpPr>
-        <p:spPr>
-          <a:xfrm>
-            <a:off x="89394" y="771286"/>
-            <a:ext cx="3600001" cy="830997"/>
-          </a:xfrm>
-          <a:prstGeom prst="rect">
-            <a:avLst/>
-          </a:prstGeom>
-          <a:noFill/>
-        </p:spPr>
-        <p:txBody>
-          <a:bodyPr wrap="square" rtlCol="0">
-            <a:spAutoFit/>
-          </a:bodyPr>
-          <a:lstStyle/>
-          <a:p>
-            <a:pPr algn="ctr"/>
-            <a:r>
-              <a:rPr lang="en-NO" sz="4800" b="1" dirty="0">
-                <a:latin typeface="Helvetica" pitchFamily="2" charset="0"/>
-              </a:rPr>
-              <a:t>csdata</a:t>
-            </a:r>
-          </a:p>
-        </p:txBody>
-      </p:sp>
-      <p:pic>
-        <p:nvPicPr>
-          <p:cNvPr id="4" name="Graphic 3">
-            <a:extLst>
-              <a:ext uri="{FF2B5EF4-FFF2-40B4-BE49-F238E27FC236}">
-                <a16:creationId xmlns:a16="http://schemas.microsoft.com/office/drawing/2014/main" id="{E546F888-9EAD-0E4F-A13F-8309FEC03BFA}"/>
+                <a16:creationId xmlns:a16="http://schemas.microsoft.com/office/drawing/2014/main" id="{1A4081C0-71C3-974C-9941-7012070FA0B5}"/>
               </a:ext>
             </a:extLst>
           </p:cNvPr>
@@ -7298,24 +7300,72 @@
               </a:ext>
             </a:extLst>
           </a:blip>
-          <a:stretch>
-            <a:fillRect/>
-          </a:stretch>
+          <a:srcRect/>
+          <a:stretch/>
         </p:blipFill>
         <p:spPr>
           <a:xfrm>
-            <a:off x="1128014" y="1879200"/>
-            <a:ext cx="1522759" cy="1440000"/>
+            <a:off x="1153656" y="962587"/>
+            <a:ext cx="1472000" cy="1072000"/>
           </a:xfrm>
           <a:prstGeom prst="rect">
             <a:avLst/>
           </a:prstGeom>
         </p:spPr>
       </p:pic>
+      <p:sp>
+        <p:nvSpPr>
+          <p:cNvPr id="2" name="TextBox 1">
+            <a:extLst>
+              <a:ext uri="{FF2B5EF4-FFF2-40B4-BE49-F238E27FC236}">
+                <a16:creationId xmlns:a16="http://schemas.microsoft.com/office/drawing/2014/main" id="{973CF17F-2FFF-DF35-DAF1-C1E5160A39AA}"/>
+              </a:ext>
+            </a:extLst>
+          </p:cNvPr>
+          <p:cNvSpPr txBox="1"/>
+          <p:nvPr/>
+        </p:nvSpPr>
+        <p:spPr>
+          <a:xfrm>
+            <a:off x="89393" y="2469166"/>
+            <a:ext cx="3600001" cy="699336"/>
+          </a:xfrm>
+          <a:prstGeom prst="rect">
+            <a:avLst/>
+          </a:prstGeom>
+          <a:solidFill>
+            <a:srgbClr val="E84B3B"/>
+          </a:solidFill>
+          <a:ln w="25400">
+            <a:solidFill>
+              <a:schemeClr val="bg1"/>
+            </a:solidFill>
+          </a:ln>
+        </p:spPr>
+        <p:txBody>
+          <a:bodyPr wrap="square" bIns="46800" rtlCol="0" anchor="ctr" anchorCtr="0">
+            <a:noAutofit/>
+          </a:bodyPr>
+          <a:lstStyle/>
+          <a:p>
+            <a:pPr algn="ctr"/>
+            <a:r>
+              <a:rPr lang="en-NO" sz="4000" b="1" dirty="0">
+                <a:solidFill>
+                  <a:schemeClr val="bg1"/>
+                </a:solidFill>
+                <a:latin typeface="Source Sans Pro" panose="020B0503030403020204" pitchFamily="34" charset="0"/>
+                <a:ea typeface="Source Sans Pro" panose="020B0503030403020204" pitchFamily="34" charset="0"/>
+              </a:rPr>
+              <a:t>csstyle</a:t>
+            </a:r>
+          </a:p>
+        </p:txBody>
+      </p:sp>
     </p:spTree>
     <p:extLst>
       <p:ext uri="{BB962C8B-B14F-4D97-AF65-F5344CB8AC3E}">
-        <p14:creationId xmlns:p14="http://schemas.microsoft.com/office/powerpoint/2010/main" val="1124415921"/>
+        <p14:creationId xmlns:p14="http://schemas.microsoft.com/office/powerpoint/2010/main" val="4263653292"/>
       </p:ext>
     </p:extLst>
   </p:cSld>
@@ -7344,10 +7394,10 @@
       </p:grpSpPr>
       <p:sp>
         <p:nvSpPr>
-          <p:cNvPr id="22" name="Hexagon 21">
+          <p:cNvPr id="11" name="Hexagon 10">
             <a:extLst>
               <a:ext uri="{FF2B5EF4-FFF2-40B4-BE49-F238E27FC236}">
-                <a16:creationId xmlns:a16="http://schemas.microsoft.com/office/drawing/2014/main" id="{FEF41C22-B492-4F4A-A87C-4B0F7A8FE87B}"/>
+                <a16:creationId xmlns:a16="http://schemas.microsoft.com/office/drawing/2014/main" id="{F07B6582-6C48-1673-4E3E-E19898643345}"/>
               </a:ext>
             </a:extLst>
           </p:cNvPr>
@@ -7358,7 +7408,7 @@
         </p:nvSpPr>
         <p:spPr>
           <a:xfrm rot="5400000">
-            <a:off x="-188550" y="359794"/>
+            <a:off x="-189075" y="359794"/>
             <a:ext cx="4156939" cy="3600000"/>
           </a:xfrm>
           <a:prstGeom prst="hexagon">
@@ -7368,11 +7418,11 @@
             </a:avLst>
           </a:prstGeom>
           <a:solidFill>
-            <a:srgbClr val="B8E2F2"/>
+            <a:srgbClr val="192A3A"/>
           </a:solidFill>
           <a:ln w="25400">
             <a:solidFill>
-              <a:srgbClr val="77B6CD"/>
+              <a:schemeClr val="bg1"/>
             </a:solidFill>
           </a:ln>
         </p:spPr>
@@ -7403,50 +7453,12 @@
           </a:p>
         </p:txBody>
       </p:sp>
-      <p:sp>
-        <p:nvSpPr>
-          <p:cNvPr id="24" name="TextBox 23">
+      <p:pic>
+        <p:nvPicPr>
+          <p:cNvPr id="3" name="Graphic 2">
             <a:extLst>
               <a:ext uri="{FF2B5EF4-FFF2-40B4-BE49-F238E27FC236}">
-                <a16:creationId xmlns:a16="http://schemas.microsoft.com/office/drawing/2014/main" id="{941A1A79-06D6-8E45-8240-3F38ABAC9B84}"/>
-              </a:ext>
-            </a:extLst>
-          </p:cNvPr>
-          <p:cNvSpPr txBox="1"/>
-          <p:nvPr/>
-        </p:nvSpPr>
-        <p:spPr>
-          <a:xfrm>
-            <a:off x="89394" y="771286"/>
-            <a:ext cx="3600001" cy="830997"/>
-          </a:xfrm>
-          <a:prstGeom prst="rect">
-            <a:avLst/>
-          </a:prstGeom>
-          <a:noFill/>
-        </p:spPr>
-        <p:txBody>
-          <a:bodyPr wrap="square" rtlCol="0">
-            <a:spAutoFit/>
-          </a:bodyPr>
-          <a:lstStyle/>
-          <a:p>
-            <a:pPr algn="ctr"/>
-            <a:r>
-              <a:rPr lang="en-NO" sz="4800" b="1" dirty="0">
-                <a:latin typeface="Helvetica" pitchFamily="2" charset="0"/>
-              </a:rPr>
-              <a:t>csdb</a:t>
-            </a:r>
-          </a:p>
-        </p:txBody>
-      </p:sp>
-      <p:pic>
-        <p:nvPicPr>
-          <p:cNvPr id="4" name="Graphic 3">
-            <a:extLst>
-              <a:ext uri="{FF2B5EF4-FFF2-40B4-BE49-F238E27FC236}">
-                <a16:creationId xmlns:a16="http://schemas.microsoft.com/office/drawing/2014/main" id="{E546F888-9EAD-0E4F-A13F-8309FEC03BFA}"/>
+                <a16:creationId xmlns:a16="http://schemas.microsoft.com/office/drawing/2014/main" id="{1A4081C0-71C3-974C-9941-7012070FA0B5}"/>
               </a:ext>
             </a:extLst>
           </p:cNvPr>
@@ -7468,18 +7480,67 @@
         </p:blipFill>
         <p:spPr>
           <a:xfrm>
-            <a:off x="901262" y="1872000"/>
-            <a:ext cx="1977315" cy="1440000"/>
+            <a:off x="1153656" y="802587"/>
+            <a:ext cx="1472000" cy="1392000"/>
           </a:xfrm>
           <a:prstGeom prst="rect">
             <a:avLst/>
           </a:prstGeom>
         </p:spPr>
       </p:pic>
+      <p:sp>
+        <p:nvSpPr>
+          <p:cNvPr id="2" name="TextBox 1">
+            <a:extLst>
+              <a:ext uri="{FF2B5EF4-FFF2-40B4-BE49-F238E27FC236}">
+                <a16:creationId xmlns:a16="http://schemas.microsoft.com/office/drawing/2014/main" id="{A580558D-3EE8-2D8D-2507-7D129E4AF3E4}"/>
+              </a:ext>
+            </a:extLst>
+          </p:cNvPr>
+          <p:cNvSpPr txBox="1"/>
+          <p:nvPr/>
+        </p:nvSpPr>
+        <p:spPr>
+          <a:xfrm>
+            <a:off x="89393" y="2469166"/>
+            <a:ext cx="3600001" cy="699336"/>
+          </a:xfrm>
+          <a:prstGeom prst="rect">
+            <a:avLst/>
+          </a:prstGeom>
+          <a:solidFill>
+            <a:srgbClr val="E84B3B"/>
+          </a:solidFill>
+          <a:ln w="25400">
+            <a:solidFill>
+              <a:schemeClr val="bg1"/>
+            </a:solidFill>
+          </a:ln>
+        </p:spPr>
+        <p:txBody>
+          <a:bodyPr wrap="square" bIns="46800" rtlCol="0" anchor="ctr" anchorCtr="0">
+            <a:noAutofit/>
+          </a:bodyPr>
+          <a:lstStyle/>
+          <a:p>
+            <a:pPr algn="ctr"/>
+            <a:r>
+              <a:rPr lang="en-NO" sz="4000" b="1" dirty="0">
+                <a:solidFill>
+                  <a:schemeClr val="bg1"/>
+                </a:solidFill>
+                <a:latin typeface="Source Sans Pro" panose="020B0503030403020204" pitchFamily="34" charset="0"/>
+                <a:ea typeface="Source Sans Pro" panose="020B0503030403020204" pitchFamily="34" charset="0"/>
+              </a:rPr>
+              <a:t>cstidy</a:t>
+            </a:r>
+          </a:p>
+        </p:txBody>
+      </p:sp>
     </p:spTree>
     <p:extLst>
       <p:ext uri="{BB962C8B-B14F-4D97-AF65-F5344CB8AC3E}">
-        <p14:creationId xmlns:p14="http://schemas.microsoft.com/office/powerpoint/2010/main" val="1277890869"/>
+        <p14:creationId xmlns:p14="http://schemas.microsoft.com/office/powerpoint/2010/main" val="3588088562"/>
       </p:ext>
     </p:extLst>
   </p:cSld>
@@ -7603,6 +7664,301 @@
       </a:minorFont>
     </a:fontScheme>
     <a:fmtScheme name="Office Theme">
+      <a:fillStyleLst>
+        <a:solidFill>
+          <a:schemeClr val="phClr"/>
+        </a:solidFill>
+        <a:gradFill rotWithShape="1">
+          <a:gsLst>
+            <a:gs pos="0">
+              <a:schemeClr val="phClr">
+                <a:lumMod val="110000"/>
+                <a:satMod val="105000"/>
+                <a:tint val="67000"/>
+              </a:schemeClr>
+            </a:gs>
+            <a:gs pos="50000">
+              <a:schemeClr val="phClr">
+                <a:lumMod val="105000"/>
+                <a:satMod val="103000"/>
+                <a:tint val="73000"/>
+              </a:schemeClr>
+            </a:gs>
+            <a:gs pos="100000">
+              <a:schemeClr val="phClr">
+                <a:lumMod val="105000"/>
+                <a:satMod val="109000"/>
+                <a:tint val="81000"/>
+              </a:schemeClr>
+            </a:gs>
+          </a:gsLst>
+          <a:lin ang="5400000" scaled="0"/>
+        </a:gradFill>
+        <a:gradFill rotWithShape="1">
+          <a:gsLst>
+            <a:gs pos="0">
+              <a:schemeClr val="phClr">
+                <a:satMod val="103000"/>
+                <a:lumMod val="102000"/>
+                <a:tint val="94000"/>
+              </a:schemeClr>
+            </a:gs>
+            <a:gs pos="50000">
+              <a:schemeClr val="phClr">
+                <a:satMod val="110000"/>
+                <a:lumMod val="100000"/>
+                <a:shade val="100000"/>
+              </a:schemeClr>
+            </a:gs>
+            <a:gs pos="100000">
+              <a:schemeClr val="phClr">
+                <a:lumMod val="99000"/>
+                <a:satMod val="120000"/>
+                <a:shade val="78000"/>
+              </a:schemeClr>
+            </a:gs>
+          </a:gsLst>
+          <a:lin ang="5400000" scaled="0"/>
+        </a:gradFill>
+      </a:fillStyleLst>
+      <a:lnStyleLst>
+        <a:ln w="6350" cap="flat" cmpd="sng" algn="ctr">
+          <a:solidFill>
+            <a:schemeClr val="phClr"/>
+          </a:solidFill>
+          <a:prstDash val="solid"/>
+          <a:miter lim="800000"/>
+        </a:ln>
+        <a:ln w="12700" cap="flat" cmpd="sng" algn="ctr">
+          <a:solidFill>
+            <a:schemeClr val="phClr"/>
+          </a:solidFill>
+          <a:prstDash val="solid"/>
+          <a:miter lim="800000"/>
+        </a:ln>
+        <a:ln w="19050" cap="flat" cmpd="sng" algn="ctr">
+          <a:solidFill>
+            <a:schemeClr val="phClr"/>
+          </a:solidFill>
+          <a:prstDash val="solid"/>
+          <a:miter lim="800000"/>
+        </a:ln>
+      </a:lnStyleLst>
+      <a:effectStyleLst>
+        <a:effectStyle>
+          <a:effectLst/>
+        </a:effectStyle>
+        <a:effectStyle>
+          <a:effectLst/>
+        </a:effectStyle>
+        <a:effectStyle>
+          <a:effectLst>
+            <a:outerShdw blurRad="57150" dist="19050" dir="5400000" algn="ctr" rotWithShape="0">
+              <a:srgbClr val="000000">
+                <a:alpha val="63000"/>
+              </a:srgbClr>
+            </a:outerShdw>
+          </a:effectLst>
+        </a:effectStyle>
+      </a:effectStyleLst>
+      <a:bgFillStyleLst>
+        <a:solidFill>
+          <a:schemeClr val="phClr"/>
+        </a:solidFill>
+        <a:solidFill>
+          <a:schemeClr val="phClr">
+            <a:tint val="95000"/>
+            <a:satMod val="170000"/>
+          </a:schemeClr>
+        </a:solidFill>
+        <a:gradFill rotWithShape="1">
+          <a:gsLst>
+            <a:gs pos="0">
+              <a:schemeClr val="phClr">
+                <a:tint val="93000"/>
+                <a:satMod val="150000"/>
+                <a:shade val="98000"/>
+                <a:lumMod val="102000"/>
+              </a:schemeClr>
+            </a:gs>
+            <a:gs pos="50000">
+              <a:schemeClr val="phClr">
+                <a:tint val="98000"/>
+                <a:satMod val="130000"/>
+                <a:shade val="90000"/>
+                <a:lumMod val="103000"/>
+              </a:schemeClr>
+            </a:gs>
+            <a:gs pos="100000">
+              <a:schemeClr val="phClr">
+                <a:shade val="63000"/>
+                <a:satMod val="120000"/>
+              </a:schemeClr>
+            </a:gs>
+          </a:gsLst>
+          <a:lin ang="5400000" scaled="0"/>
+        </a:gradFill>
+      </a:bgFillStyleLst>
+    </a:fmtScheme>
+  </a:themeElements>
+  <a:objectDefaults/>
+  <a:extraClrSchemeLst/>
+  <a:extLst>
+    <a:ext uri="{05A4C25C-085E-4340-85A3-A5531E510DB2}">
+      <thm15:themeFamily xmlns:thm15="http://schemas.microsoft.com/office/thememl/2012/main" name="Office Theme" id="{62F939B6-93AF-4DB8-9C6B-D6C7DFDC589F}" vid="{4A3C46E8-61CC-4603-A589-7422A47A8E4A}"/>
+    </a:ext>
+  </a:extLst>
+</a:theme>
+</file>
+
+<file path=ppt/theme/theme2.xml><?xml version="1.0" encoding="utf-8"?>
+<a:theme xmlns:a="http://schemas.openxmlformats.org/drawingml/2006/main" name="Office Theme">
+  <a:themeElements>
+    <a:clrScheme name="Office">
+      <a:dk1>
+        <a:sysClr val="windowText" lastClr="000000"/>
+      </a:dk1>
+      <a:lt1>
+        <a:sysClr val="window" lastClr="FFFFFF"/>
+      </a:lt1>
+      <a:dk2>
+        <a:srgbClr val="44546A"/>
+      </a:dk2>
+      <a:lt2>
+        <a:srgbClr val="E7E6E6"/>
+      </a:lt2>
+      <a:accent1>
+        <a:srgbClr val="4472C4"/>
+      </a:accent1>
+      <a:accent2>
+        <a:srgbClr val="ED7D31"/>
+      </a:accent2>
+      <a:accent3>
+        <a:srgbClr val="A5A5A5"/>
+      </a:accent3>
+      <a:accent4>
+        <a:srgbClr val="FFC000"/>
+      </a:accent4>
+      <a:accent5>
+        <a:srgbClr val="5B9BD5"/>
+      </a:accent5>
+      <a:accent6>
+        <a:srgbClr val="70AD47"/>
+      </a:accent6>
+      <a:hlink>
+        <a:srgbClr val="0563C1"/>
+      </a:hlink>
+      <a:folHlink>
+        <a:srgbClr val="954F72"/>
+      </a:folHlink>
+    </a:clrScheme>
+    <a:fontScheme name="Office">
+      <a:majorFont>
+        <a:latin typeface="Calibri Light" panose="020F0302020204030204"/>
+        <a:ea typeface=""/>
+        <a:cs typeface=""/>
+        <a:font script="Jpan" typeface="游ゴシック Light"/>
+        <a:font script="Hang" typeface="맑은 고딕"/>
+        <a:font script="Hans" typeface="等线 Light"/>
+        <a:font script="Hant" typeface="新細明體"/>
+        <a:font script="Arab" typeface="Times New Roman"/>
+        <a:font script="Hebr" typeface="Times New Roman"/>
+        <a:font script="Thai" typeface="Angsana New"/>
+        <a:font script="Ethi" typeface="Nyala"/>
+        <a:font script="Beng" typeface="Vrinda"/>
+        <a:font script="Gujr" typeface="Shruti"/>
+        <a:font script="Khmr" typeface="MoolBoran"/>
+        <a:font script="Knda" typeface="Tunga"/>
+        <a:font script="Guru" typeface="Raavi"/>
+        <a:font script="Cans" typeface="Euphemia"/>
+        <a:font script="Cher" typeface="Plantagenet Cherokee"/>
+        <a:font script="Yiii" typeface="Microsoft Yi Baiti"/>
+        <a:font script="Tibt" typeface="Microsoft Himalaya"/>
+        <a:font script="Thaa" typeface="MV Boli"/>
+        <a:font script="Deva" typeface="Mangal"/>
+        <a:font script="Telu" typeface="Gautami"/>
+        <a:font script="Taml" typeface="Latha"/>
+        <a:font script="Syrc" typeface="Estrangelo Edessa"/>
+        <a:font script="Orya" typeface="Kalinga"/>
+        <a:font script="Mlym" typeface="Kartika"/>
+        <a:font script="Laoo" typeface="DokChampa"/>
+        <a:font script="Sinh" typeface="Iskoola Pota"/>
+        <a:font script="Mong" typeface="Mongolian Baiti"/>
+        <a:font script="Viet" typeface="Times New Roman"/>
+        <a:font script="Uigh" typeface="Microsoft Uighur"/>
+        <a:font script="Geor" typeface="Sylfaen"/>
+        <a:font script="Armn" typeface="Arial"/>
+        <a:font script="Bugi" typeface="Leelawadee UI"/>
+        <a:font script="Bopo" typeface="Microsoft JhengHei"/>
+        <a:font script="Java" typeface="Javanese Text"/>
+        <a:font script="Lisu" typeface="Segoe UI"/>
+        <a:font script="Mymr" typeface="Myanmar Text"/>
+        <a:font script="Nkoo" typeface="Ebrima"/>
+        <a:font script="Olck" typeface="Nirmala UI"/>
+        <a:font script="Osma" typeface="Ebrima"/>
+        <a:font script="Phag" typeface="Phagspa"/>
+        <a:font script="Syrn" typeface="Estrangelo Edessa"/>
+        <a:font script="Syrj" typeface="Estrangelo Edessa"/>
+        <a:font script="Syre" typeface="Estrangelo Edessa"/>
+        <a:font script="Sora" typeface="Nirmala UI"/>
+        <a:font script="Tale" typeface="Microsoft Tai Le"/>
+        <a:font script="Talu" typeface="Microsoft New Tai Lue"/>
+        <a:font script="Tfng" typeface="Ebrima"/>
+      </a:majorFont>
+      <a:minorFont>
+        <a:latin typeface="Calibri" panose="020F0502020204030204"/>
+        <a:ea typeface=""/>
+        <a:cs typeface=""/>
+        <a:font script="Jpan" typeface="游ゴシック"/>
+        <a:font script="Hang" typeface="맑은 고딕"/>
+        <a:font script="Hans" typeface="等线"/>
+        <a:font script="Hant" typeface="新細明體"/>
+        <a:font script="Arab" typeface="Arial"/>
+        <a:font script="Hebr" typeface="Arial"/>
+        <a:font script="Thai" typeface="Cordia New"/>
+        <a:font script="Ethi" typeface="Nyala"/>
+        <a:font script="Beng" typeface="Vrinda"/>
+        <a:font script="Gujr" typeface="Shruti"/>
+        <a:font script="Khmr" typeface="DaunPenh"/>
+        <a:font script="Knda" typeface="Tunga"/>
+        <a:font script="Guru" typeface="Raavi"/>
+        <a:font script="Cans" typeface="Euphemia"/>
+        <a:font script="Cher" typeface="Plantagenet Cherokee"/>
+        <a:font script="Yiii" typeface="Microsoft Yi Baiti"/>
+        <a:font script="Tibt" typeface="Microsoft Himalaya"/>
+        <a:font script="Thaa" typeface="MV Boli"/>
+        <a:font script="Deva" typeface="Mangal"/>
+        <a:font script="Telu" typeface="Gautami"/>
+        <a:font script="Taml" typeface="Latha"/>
+        <a:font script="Syrc" typeface="Estrangelo Edessa"/>
+        <a:font script="Orya" typeface="Kalinga"/>
+        <a:font script="Mlym" typeface="Kartika"/>
+        <a:font script="Laoo" typeface="DokChampa"/>
+        <a:font script="Sinh" typeface="Iskoola Pota"/>
+        <a:font script="Mong" typeface="Mongolian Baiti"/>
+        <a:font script="Viet" typeface="Arial"/>
+        <a:font script="Uigh" typeface="Microsoft Uighur"/>
+        <a:font script="Geor" typeface="Sylfaen"/>
+        <a:font script="Armn" typeface="Arial"/>
+        <a:font script="Bugi" typeface="Leelawadee UI"/>
+        <a:font script="Bopo" typeface="Microsoft JhengHei"/>
+        <a:font script="Java" typeface="Javanese Text"/>
+        <a:font script="Lisu" typeface="Segoe UI"/>
+        <a:font script="Mymr" typeface="Myanmar Text"/>
+        <a:font script="Nkoo" typeface="Ebrima"/>
+        <a:font script="Olck" typeface="Nirmala UI"/>
+        <a:font script="Osma" typeface="Ebrima"/>
+        <a:font script="Phag" typeface="Phagspa"/>
+        <a:font script="Syrn" typeface="Estrangelo Edessa"/>
+        <a:font script="Syrj" typeface="Estrangelo Edessa"/>
+        <a:font script="Syre" typeface="Estrangelo Edessa"/>
+        <a:font script="Sora" typeface="Nirmala UI"/>
+        <a:font script="Tale" typeface="Microsoft Tai Le"/>
+        <a:font script="Talu" typeface="Microsoft New Tai Lue"/>
+        <a:font script="Tfng" typeface="Ebrima"/>
+      </a:minorFont>
+    </a:fontScheme>
+    <a:fmtScheme name="Office">
       <a:fillStyleLst>
         <a:solidFill>
           <a:schemeClr val="phClr"/>

--- a/csverse/hex/hex.pptx
+++ b/csverse/hex/hex.pptx
@@ -5,7 +5,7 @@
     <p:sldMasterId id="2147483672" r:id="rId4"/>
   </p:sldMasterIdLst>
   <p:notesMasterIdLst>
-    <p:notesMasterId r:id="rId21"/>
+    <p:notesMasterId r:id="rId22"/>
   </p:notesMasterIdLst>
   <p:sldIdLst>
     <p:sldId id="257" r:id="rId5"/>
@@ -24,6 +24,7 @@
     <p:sldId id="280" r:id="rId18"/>
     <p:sldId id="279" r:id="rId19"/>
     <p:sldId id="278" r:id="rId20"/>
+    <p:sldId id="292" r:id="rId21"/>
   </p:sldIdLst>
   <p:sldSz cx="3779838" cy="4319588"/>
   <p:notesSz cx="6858000" cy="9144000"/>
@@ -1667,7 +1668,7 @@
           <a:p>
             <a:fld id="{972F4B49-E779-9048-8D7F-EDA4ACF26FFD}" type="datetimeFigureOut">
               <a:rPr lang="en-NO" smtClean="0"/>
-              <a:t>30/05/2023</a:t>
+              <a:t>06/12/2023</a:t>
             </a:fld>
             <a:endParaRPr lang="en-NO"/>
           </a:p>
@@ -2150,7 +2151,7 @@
           <a:p>
             <a:fld id="{86121B6E-91AB-E243-B1AF-59665646A34F}" type="datetimeFigureOut">
               <a:rPr lang="en-NO" smtClean="0"/>
-              <a:t>30/05/2023</a:t>
+              <a:t>06/12/2023</a:t>
             </a:fld>
             <a:endParaRPr lang="en-NO"/>
           </a:p>
@@ -2320,7 +2321,7 @@
           <a:p>
             <a:fld id="{86121B6E-91AB-E243-B1AF-59665646A34F}" type="datetimeFigureOut">
               <a:rPr lang="en-NO" smtClean="0"/>
-              <a:t>30/05/2023</a:t>
+              <a:t>06/12/2023</a:t>
             </a:fld>
             <a:endParaRPr lang="en-NO"/>
           </a:p>
@@ -2500,7 +2501,7 @@
           <a:p>
             <a:fld id="{86121B6E-91AB-E243-B1AF-59665646A34F}" type="datetimeFigureOut">
               <a:rPr lang="en-NO" smtClean="0"/>
-              <a:t>30/05/2023</a:t>
+              <a:t>06/12/2023</a:t>
             </a:fld>
             <a:endParaRPr lang="en-NO"/>
           </a:p>
@@ -2670,7 +2671,7 @@
           <a:p>
             <a:fld id="{86121B6E-91AB-E243-B1AF-59665646A34F}" type="datetimeFigureOut">
               <a:rPr lang="en-NO" smtClean="0"/>
-              <a:t>30/05/2023</a:t>
+              <a:t>06/12/2023</a:t>
             </a:fld>
             <a:endParaRPr lang="en-NO"/>
           </a:p>
@@ -2914,7 +2915,7 @@
           <a:p>
             <a:fld id="{86121B6E-91AB-E243-B1AF-59665646A34F}" type="datetimeFigureOut">
               <a:rPr lang="en-NO" smtClean="0"/>
-              <a:t>30/05/2023</a:t>
+              <a:t>06/12/2023</a:t>
             </a:fld>
             <a:endParaRPr lang="en-NO"/>
           </a:p>
@@ -3146,7 +3147,7 @@
           <a:p>
             <a:fld id="{86121B6E-91AB-E243-B1AF-59665646A34F}" type="datetimeFigureOut">
               <a:rPr lang="en-NO" smtClean="0"/>
-              <a:t>30/05/2023</a:t>
+              <a:t>06/12/2023</a:t>
             </a:fld>
             <a:endParaRPr lang="en-NO"/>
           </a:p>
@@ -3513,7 +3514,7 @@
           <a:p>
             <a:fld id="{86121B6E-91AB-E243-B1AF-59665646A34F}" type="datetimeFigureOut">
               <a:rPr lang="en-NO" smtClean="0"/>
-              <a:t>30/05/2023</a:t>
+              <a:t>06/12/2023</a:t>
             </a:fld>
             <a:endParaRPr lang="en-NO"/>
           </a:p>
@@ -3631,7 +3632,7 @@
           <a:p>
             <a:fld id="{86121B6E-91AB-E243-B1AF-59665646A34F}" type="datetimeFigureOut">
               <a:rPr lang="en-NO" smtClean="0"/>
-              <a:t>30/05/2023</a:t>
+              <a:t>06/12/2023</a:t>
             </a:fld>
             <a:endParaRPr lang="en-NO"/>
           </a:p>
@@ -3726,7 +3727,7 @@
           <a:p>
             <a:fld id="{86121B6E-91AB-E243-B1AF-59665646A34F}" type="datetimeFigureOut">
               <a:rPr lang="en-NO" smtClean="0"/>
-              <a:t>30/05/2023</a:t>
+              <a:t>06/12/2023</a:t>
             </a:fld>
             <a:endParaRPr lang="en-NO"/>
           </a:p>
@@ -4003,7 +4004,7 @@
           <a:p>
             <a:fld id="{86121B6E-91AB-E243-B1AF-59665646A34F}" type="datetimeFigureOut">
               <a:rPr lang="en-NO" smtClean="0"/>
-              <a:t>30/05/2023</a:t>
+              <a:t>06/12/2023</a:t>
             </a:fld>
             <a:endParaRPr lang="en-NO"/>
           </a:p>
@@ -4260,7 +4261,7 @@
           <a:p>
             <a:fld id="{86121B6E-91AB-E243-B1AF-59665646A34F}" type="datetimeFigureOut">
               <a:rPr lang="en-NO" smtClean="0"/>
-              <a:t>30/05/2023</a:t>
+              <a:t>06/12/2023</a:t>
             </a:fld>
             <a:endParaRPr lang="en-NO"/>
           </a:p>
@@ -4473,7 +4474,7 @@
           <a:p>
             <a:fld id="{86121B6E-91AB-E243-B1AF-59665646A34F}" type="datetimeFigureOut">
               <a:rPr lang="en-NO" smtClean="0"/>
-              <a:t>30/05/2023</a:t>
+              <a:t>06/12/2023</a:t>
             </a:fld>
             <a:endParaRPr lang="en-NO"/>
           </a:p>
@@ -6150,6 +6151,205 @@
 </p:sld>
 </file>
 
+<file path=ppt/slides/slide17.xml><?xml version="1.0" encoding="utf-8"?>
+<p:sld xmlns:a="http://schemas.openxmlformats.org/drawingml/2006/main" xmlns:r="http://schemas.openxmlformats.org/officeDocument/2006/relationships" xmlns:p="http://schemas.openxmlformats.org/presentationml/2006/main">
+  <p:cSld>
+    <p:spTree>
+      <p:nvGrpSpPr>
+        <p:cNvPr id="1" name=""/>
+        <p:cNvGrpSpPr/>
+        <p:nvPr/>
+      </p:nvGrpSpPr>
+      <p:grpSpPr>
+        <a:xfrm>
+          <a:off x="0" y="0"/>
+          <a:ext cx="0" cy="0"/>
+          <a:chOff x="0" y="0"/>
+          <a:chExt cx="0" cy="0"/>
+        </a:xfrm>
+      </p:grpSpPr>
+      <p:sp>
+        <p:nvSpPr>
+          <p:cNvPr id="4" name="Rectangle 3">
+            <a:extLst>
+              <a:ext uri="{FF2B5EF4-FFF2-40B4-BE49-F238E27FC236}">
+                <a16:creationId xmlns:a16="http://schemas.microsoft.com/office/drawing/2014/main" id="{8BF00CB2-101B-0571-4AE9-763894023FEE}"/>
+              </a:ext>
+            </a:extLst>
+          </p:cNvPr>
+          <p:cNvSpPr/>
+          <p:nvPr/>
+        </p:nvSpPr>
+        <p:spPr>
+          <a:xfrm>
+            <a:off x="355875" y="397243"/>
+            <a:ext cx="3143559" cy="3143559"/>
+          </a:xfrm>
+          <a:prstGeom prst="rect">
+            <a:avLst/>
+          </a:prstGeom>
+          <a:solidFill>
+            <a:srgbClr val="192A3A"/>
+          </a:solidFill>
+          <a:ln w="25400">
+            <a:solidFill>
+              <a:schemeClr val="bg1"/>
+            </a:solidFill>
+          </a:ln>
+        </p:spPr>
+        <p:style>
+          <a:lnRef idx="2">
+            <a:schemeClr val="accent1">
+              <a:shade val="15000"/>
+            </a:schemeClr>
+          </a:lnRef>
+          <a:fillRef idx="1">
+            <a:schemeClr val="accent1"/>
+          </a:fillRef>
+          <a:effectRef idx="0">
+            <a:schemeClr val="accent1"/>
+          </a:effectRef>
+          <a:fontRef idx="minor">
+            <a:schemeClr val="lt1"/>
+          </a:fontRef>
+        </p:style>
+        <p:txBody>
+          <a:bodyPr rtlCol="0" anchor="ctr"/>
+          <a:lstStyle/>
+          <a:p>
+            <a:pPr algn="ctr"/>
+            <a:endParaRPr lang="en-NO" dirty="0"/>
+          </a:p>
+        </p:txBody>
+      </p:sp>
+      <p:pic>
+        <p:nvPicPr>
+          <p:cNvPr id="3" name="Graphic 2">
+            <a:extLst>
+              <a:ext uri="{FF2B5EF4-FFF2-40B4-BE49-F238E27FC236}">
+                <a16:creationId xmlns:a16="http://schemas.microsoft.com/office/drawing/2014/main" id="{1A4081C0-71C3-974C-9941-7012070FA0B5}"/>
+              </a:ext>
+            </a:extLst>
+          </p:cNvPr>
+          <p:cNvPicPr>
+            <a:picLocks noChangeAspect="1"/>
+          </p:cNvPicPr>
+          <p:nvPr/>
+        </p:nvPicPr>
+        <p:blipFill>
+          <a:blip r:embed="rId2">
+            <a:extLst>
+              <a:ext uri="{96DAC541-7B7A-43D3-8B79-37D633B846F1}">
+                <asvg:svgBlip xmlns:asvg="http://schemas.microsoft.com/office/drawing/2016/SVG/main" r:embed="rId3"/>
+              </a:ext>
+            </a:extLst>
+          </a:blip>
+          <a:srcRect/>
+          <a:stretch/>
+        </p:blipFill>
+        <p:spPr>
+          <a:xfrm>
+            <a:off x="1153919" y="630432"/>
+            <a:ext cx="1472000" cy="1440000"/>
+          </a:xfrm>
+          <a:prstGeom prst="rect">
+            <a:avLst/>
+          </a:prstGeom>
+        </p:spPr>
+      </p:pic>
+      <p:sp>
+        <p:nvSpPr>
+          <p:cNvPr id="2" name="TextBox 1">
+            <a:extLst>
+              <a:ext uri="{FF2B5EF4-FFF2-40B4-BE49-F238E27FC236}">
+                <a16:creationId xmlns:a16="http://schemas.microsoft.com/office/drawing/2014/main" id="{51E7CBA3-F33A-72C9-F515-2FD63A2AAB7E}"/>
+              </a:ext>
+            </a:extLst>
+          </p:cNvPr>
+          <p:cNvSpPr txBox="1"/>
+          <p:nvPr/>
+        </p:nvSpPr>
+        <p:spPr>
+          <a:xfrm>
+            <a:off x="355874" y="2293249"/>
+            <a:ext cx="3143560" cy="1237182"/>
+          </a:xfrm>
+          <a:prstGeom prst="rect">
+            <a:avLst/>
+          </a:prstGeom>
+          <a:solidFill>
+            <a:srgbClr val="E84B3B"/>
+          </a:solidFill>
+          <a:ln w="25400">
+            <a:solidFill>
+              <a:schemeClr val="bg1"/>
+            </a:solidFill>
+          </a:ln>
+        </p:spPr>
+        <p:txBody>
+          <a:bodyPr wrap="square" tIns="0" bIns="0" rtlCol="0" anchor="ctr" anchorCtr="0">
+            <a:noAutofit/>
+          </a:bodyPr>
+          <a:lstStyle/>
+          <a:p>
+            <a:pPr algn="ctr">
+              <a:lnSpc>
+                <a:spcPct val="90000"/>
+              </a:lnSpc>
+            </a:pPr>
+            <a:r>
+              <a:rPr lang="en-GB" sz="3200" b="1" dirty="0">
+                <a:solidFill>
+                  <a:schemeClr val="bg1"/>
+                </a:solidFill>
+                <a:latin typeface="Source Sans Pro" panose="020B0503030403020204" pitchFamily="34" charset="0"/>
+                <a:ea typeface="Source Sans Pro" panose="020B0503030403020204" pitchFamily="34" charset="0"/>
+              </a:rPr>
+              <a:t>s</a:t>
+            </a:r>
+            <a:r>
+              <a:rPr lang="en-NO" sz="3200" b="1" dirty="0">
+                <a:solidFill>
+                  <a:schemeClr val="bg1"/>
+                </a:solidFill>
+                <a:latin typeface="Source Sans Pro" panose="020B0503030403020204" pitchFamily="34" charset="0"/>
+                <a:ea typeface="Source Sans Pro" panose="020B0503030403020204" pitchFamily="34" charset="0"/>
+              </a:rPr>
+              <a:t>urveillance</a:t>
+            </a:r>
+          </a:p>
+          <a:p>
+            <a:pPr algn="ctr">
+              <a:lnSpc>
+                <a:spcPct val="90000"/>
+              </a:lnSpc>
+            </a:pPr>
+            <a:r>
+              <a:rPr lang="en-NO" sz="3200" b="1" dirty="0">
+                <a:solidFill>
+                  <a:schemeClr val="bg1"/>
+                </a:solidFill>
+                <a:latin typeface="Source Sans Pro" panose="020B0503030403020204" pitchFamily="34" charset="0"/>
+                <a:ea typeface="Source Sans Pro" panose="020B0503030403020204" pitchFamily="34" charset="0"/>
+              </a:rPr>
+              <a:t>core</a:t>
+            </a:r>
+          </a:p>
+        </p:txBody>
+      </p:sp>
+    </p:spTree>
+    <p:extLst>
+      <p:ext uri="{BB962C8B-B14F-4D97-AF65-F5344CB8AC3E}">
+        <p14:creationId xmlns:p14="http://schemas.microsoft.com/office/powerpoint/2010/main" val="1500189459"/>
+      </p:ext>
+    </p:extLst>
+  </p:cSld>
+  <p:clrMapOvr>
+    <a:masterClrMapping/>
+  </p:clrMapOvr>
+</p:sld>
+</file>
+
 <file path=ppt/slides/slide2.xml><?xml version="1.0" encoding="utf-8"?>
 <p:sld xmlns:a="http://schemas.openxmlformats.org/drawingml/2006/main" xmlns:r="http://schemas.openxmlformats.org/officeDocument/2006/relationships" xmlns:p="http://schemas.openxmlformats.org/presentationml/2006/main">
   <p:cSld>
@@ -6475,15 +6675,22 @@
           <a:p>
             <a:pPr algn="ctr"/>
             <a:r>
-              <a:rPr lang="en-NO" sz="4000" b="1" dirty="0">
+              <a:rPr lang="en-NO" sz="4000" b="1">
                 <a:solidFill>
                   <a:schemeClr val="bg1"/>
                 </a:solidFill>
                 <a:latin typeface="Source Sans Pro" panose="020B0503030403020204" pitchFamily="34" charset="0"/>
                 <a:ea typeface="Source Sans Pro" panose="020B0503030403020204" pitchFamily="34" charset="0"/>
               </a:rPr>
-              <a:t>covidnor</a:t>
+              <a:t>respiranor</a:t>
             </a:r>
+            <a:endParaRPr lang="en-NO" sz="4000" b="1" dirty="0">
+              <a:solidFill>
+                <a:schemeClr val="bg1"/>
+              </a:solidFill>
+              <a:latin typeface="Source Sans Pro" panose="020B0503030403020204" pitchFamily="34" charset="0"/>
+              <a:ea typeface="Source Sans Pro" panose="020B0503030403020204" pitchFamily="34" charset="0"/>
+            </a:endParaRPr>
           </a:p>
         </p:txBody>
       </p:sp>
@@ -8107,33 +8314,6 @@
 </file>
 
 <file path=customXml/item1.xml><?xml version="1.0" encoding="utf-8"?>
-<?mso-contentType ?>
-<FormTemplates xmlns="http://schemas.microsoft.com/sharepoint/v3/contenttype/forms">
-  <Display>DocumentLibraryForm</Display>
-  <Edit>DocumentLibraryForm</Edit>
-  <New>DocumentLibraryForm</New>
-</FormTemplates>
-</file>
-
-<file path=customXml/item2.xml><?xml version="1.0" encoding="utf-8"?>
-<p:properties xmlns:p="http://schemas.microsoft.com/office/2006/metadata/properties" xmlns:xsi="http://www.w3.org/2001/XMLSchema-instance" xmlns:pc="http://schemas.microsoft.com/office/infopath/2007/PartnerControls">
-  <documentManagement>
-    <FHI_TopicTaxHTField xmlns="9e7c1b5f-6b93-4ee4-9fa2-fda8f1b47cf5">
-      <Terms xmlns="http://schemas.microsoft.com/office/infopath/2007/PartnerControls"/>
-    </FHI_TopicTaxHTField>
-    <TaxCatchAll xmlns="ef5dd856-6a32-4f72-920b-b3c650540c6d" xsi:nil="true"/>
-    <TaxKeywordTaxHTField xmlns="ef5dd856-6a32-4f72-920b-b3c650540c6d">
-      <Terms xmlns="http://schemas.microsoft.com/office/infopath/2007/PartnerControls"/>
-    </TaxKeywordTaxHTField>
-    <d03b2acdc0904ed5b54b2c96476ff0da xmlns="ef5dd856-6a32-4f72-920b-b3c650540c6d" xsi:nil="true"/>
-    <lcf76f155ced4ddcb4097134ff3c332f xmlns="8e6eb821-ce73-48ba-8377-72b4b239edb4">
-      <Terms xmlns="http://schemas.microsoft.com/office/infopath/2007/PartnerControls"/>
-    </lcf76f155ced4ddcb4097134ff3c332f>
-  </documentManagement>
-</p:properties>
-</file>
-
-<file path=customXml/item3.xml><?xml version="1.0" encoding="utf-8"?>
 <ct:contentTypeSchema xmlns:ct="http://schemas.microsoft.com/office/2006/metadata/contentType" xmlns:ma="http://schemas.microsoft.com/office/2006/metadata/properties/metaAttributes" ct:_="" ma:_="" ma:contentTypeName="Document" ma:contentTypeID="0x010100015CD9422D4BDE46A334095E56D78D07" ma:contentTypeVersion="28" ma:contentTypeDescription="Opprett et nytt dokument." ma:contentTypeScope="" ma:versionID="caf2d3b5ec96617048f19c418986ca0e">
   <xsd:schema xmlns:xsd="http://www.w3.org/2001/XMLSchema" xmlns:xs="http://www.w3.org/2001/XMLSchema" xmlns:p="http://schemas.microsoft.com/office/2006/metadata/properties" xmlns:ns2="ef5dd856-6a32-4f72-920b-b3c650540c6d" xmlns:ns3="9e7c1b5f-6b93-4ee4-9fa2-fda8f1b47cf5" xmlns:ns4="8e6eb821-ce73-48ba-8377-72b4b239edb4" targetNamespace="http://schemas.microsoft.com/office/2006/metadata/properties" ma:root="true" ma:fieldsID="3132385cd8d9c3ebe310a20dd1fcb244" ns2:_="" ns3:_="" ns4:_="">
     <xsd:import namespace="ef5dd856-6a32-4f72-920b-b3c650540c6d"/>
@@ -8397,33 +8577,34 @@
 </ct:contentTypeSchema>
 </file>
 
-<file path=customXml/itemProps1.xml><?xml version="1.0" encoding="utf-8"?>
-<ds:datastoreItem xmlns:ds="http://schemas.openxmlformats.org/officeDocument/2006/customXml" ds:itemID="{DEBE6AF6-3CA8-4EA6-AE51-4931FB036F84}">
-  <ds:schemaRefs>
-    <ds:schemaRef ds:uri="http://schemas.microsoft.com/sharepoint/v3/contenttype/forms"/>
-  </ds:schemaRefs>
-</ds:datastoreItem>
+<file path=customXml/item2.xml><?xml version="1.0" encoding="utf-8"?>
+<?mso-contentType ?>
+<FormTemplates xmlns="http://schemas.microsoft.com/sharepoint/v3/contenttype/forms">
+  <Display>DocumentLibraryForm</Display>
+  <Edit>DocumentLibraryForm</Edit>
+  <New>DocumentLibraryForm</New>
+</FormTemplates>
 </file>
 
-<file path=customXml/itemProps2.xml><?xml version="1.0" encoding="utf-8"?>
-<ds:datastoreItem xmlns:ds="http://schemas.openxmlformats.org/officeDocument/2006/customXml" ds:itemID="{73537EEA-02C0-4A20-9143-5085AAB24376}">
-  <ds:schemaRefs>
-    <ds:schemaRef ds:uri="http://schemas.microsoft.com/office/2006/documentManagement/types"/>
-    <ds:schemaRef ds:uri="http://purl.org/dc/terms/"/>
-    <ds:schemaRef ds:uri="http://schemas.openxmlformats.org/package/2006/metadata/core-properties"/>
-    <ds:schemaRef ds:uri="http://www.w3.org/XML/1998/namespace"/>
-    <ds:schemaRef ds:uri="9e7c1b5f-6b93-4ee4-9fa2-fda8f1b47cf5"/>
-    <ds:schemaRef ds:uri="http://purl.org/dc/dcmitype/"/>
-    <ds:schemaRef ds:uri="ef5dd856-6a32-4f72-920b-b3c650540c6d"/>
-    <ds:schemaRef ds:uri="http://purl.org/dc/elements/1.1/"/>
-    <ds:schemaRef ds:uri="http://schemas.microsoft.com/office/infopath/2007/PartnerControls"/>
-    <ds:schemaRef ds:uri="8e6eb821-ce73-48ba-8377-72b4b239edb4"/>
-    <ds:schemaRef ds:uri="http://schemas.microsoft.com/office/2006/metadata/properties"/>
-  </ds:schemaRefs>
-</ds:datastoreItem>
+<file path=customXml/item3.xml><?xml version="1.0" encoding="utf-8"?>
+<p:properties xmlns:p="http://schemas.microsoft.com/office/2006/metadata/properties" xmlns:xsi="http://www.w3.org/2001/XMLSchema-instance" xmlns:pc="http://schemas.microsoft.com/office/infopath/2007/PartnerControls">
+  <documentManagement>
+    <FHI_TopicTaxHTField xmlns="9e7c1b5f-6b93-4ee4-9fa2-fda8f1b47cf5">
+      <Terms xmlns="http://schemas.microsoft.com/office/infopath/2007/PartnerControls"/>
+    </FHI_TopicTaxHTField>
+    <TaxCatchAll xmlns="ef5dd856-6a32-4f72-920b-b3c650540c6d" xsi:nil="true"/>
+    <TaxKeywordTaxHTField xmlns="ef5dd856-6a32-4f72-920b-b3c650540c6d">
+      <Terms xmlns="http://schemas.microsoft.com/office/infopath/2007/PartnerControls"/>
+    </TaxKeywordTaxHTField>
+    <d03b2acdc0904ed5b54b2c96476ff0da xmlns="ef5dd856-6a32-4f72-920b-b3c650540c6d" xsi:nil="true"/>
+    <lcf76f155ced4ddcb4097134ff3c332f xmlns="8e6eb821-ce73-48ba-8377-72b4b239edb4">
+      <Terms xmlns="http://schemas.microsoft.com/office/infopath/2007/PartnerControls"/>
+    </lcf76f155ced4ddcb4097134ff3c332f>
+  </documentManagement>
+</p:properties>
 </file>
 
-<file path=customXml/itemProps3.xml><?xml version="1.0" encoding="utf-8"?>
+<file path=customXml/itemProps1.xml><?xml version="1.0" encoding="utf-8"?>
 <ds:datastoreItem xmlns:ds="http://schemas.openxmlformats.org/officeDocument/2006/customXml" ds:itemID="{5E5FDF98-F921-42BD-8B6F-C5276D86C550}">
   <ds:schemaRefs>
     <ds:schemaRef ds:uri="http://schemas.microsoft.com/office/2006/metadata/contentType"/>
@@ -8441,4 +8622,30 @@
     <ds:schemaRef ds:uri="http://schemas.microsoft.com/internal/obd"/>
   </ds:schemaRefs>
 </ds:datastoreItem>
+</file>
+
+<file path=customXml/itemProps2.xml><?xml version="1.0" encoding="utf-8"?>
+<ds:datastoreItem xmlns:ds="http://schemas.openxmlformats.org/officeDocument/2006/customXml" ds:itemID="{DEBE6AF6-3CA8-4EA6-AE51-4931FB036F84}">
+  <ds:schemaRefs>
+    <ds:schemaRef ds:uri="http://schemas.microsoft.com/sharepoint/v3/contenttype/forms"/>
+  </ds:schemaRefs>
+</ds:datastoreItem>
+</file>
+
+<file path=customXml/itemProps3.xml><?xml version="1.0" encoding="utf-8"?>
+<ds:datastoreItem xmlns:ds="http://schemas.openxmlformats.org/officeDocument/2006/customXml" ds:itemID="{73537EEA-02C0-4A20-9143-5085AAB24376}">
+  <ds:schemaRefs>
+    <ds:schemaRef ds:uri="http://schemas.microsoft.com/office/2006/documentManagement/types"/>
+    <ds:schemaRef ds:uri="http://purl.org/dc/terms/"/>
+    <ds:schemaRef ds:uri="http://schemas.openxmlformats.org/package/2006/metadata/core-properties"/>
+    <ds:schemaRef ds:uri="http://www.w3.org/XML/1998/namespace"/>
+    <ds:schemaRef ds:uri="9e7c1b5f-6b93-4ee4-9fa2-fda8f1b47cf5"/>
+    <ds:schemaRef ds:uri="http://purl.org/dc/dcmitype/"/>
+    <ds:schemaRef ds:uri="ef5dd856-6a32-4f72-920b-b3c650540c6d"/>
+    <ds:schemaRef ds:uri="http://purl.org/dc/elements/1.1/"/>
+    <ds:schemaRef ds:uri="http://schemas.microsoft.com/office/infopath/2007/PartnerControls"/>
+    <ds:schemaRef ds:uri="8e6eb821-ce73-48ba-8377-72b4b239edb4"/>
+    <ds:schemaRef ds:uri="http://schemas.microsoft.com/office/2006/metadata/properties"/>
+  </ds:schemaRefs>
+</ds:datastoreItem>
 </file>